--- a/presentation/FinalPresentation.pptx
+++ b/presentation/FinalPresentation.pptx
@@ -5,7 +5,7 @@
     <p:sldMasterId id="2147483648" r:id="rId1"/>
   </p:sldMasterIdLst>
   <p:notesMasterIdLst>
-    <p:notesMasterId r:id="rId18"/>
+    <p:notesMasterId r:id="rId20"/>
   </p:notesMasterIdLst>
   <p:sldIdLst>
     <p:sldId id="256" r:id="rId2"/>
@@ -13,24 +13,26 @@
     <p:sldId id="290" r:id="rId4"/>
     <p:sldId id="291" r:id="rId5"/>
     <p:sldId id="292" r:id="rId6"/>
-    <p:sldId id="293" r:id="rId7"/>
-    <p:sldId id="294" r:id="rId8"/>
-    <p:sldId id="295" r:id="rId9"/>
-    <p:sldId id="296" r:id="rId10"/>
-    <p:sldId id="297" r:id="rId11"/>
-    <p:sldId id="298" r:id="rId12"/>
-    <p:sldId id="299" r:id="rId13"/>
-    <p:sldId id="300" r:id="rId14"/>
-    <p:sldId id="301" r:id="rId15"/>
-    <p:sldId id="302" r:id="rId16"/>
-    <p:sldId id="288" r:id="rId17"/>
+    <p:sldId id="304" r:id="rId7"/>
+    <p:sldId id="303" r:id="rId8"/>
+    <p:sldId id="293" r:id="rId9"/>
+    <p:sldId id="294" r:id="rId10"/>
+    <p:sldId id="295" r:id="rId11"/>
+    <p:sldId id="305" r:id="rId12"/>
+    <p:sldId id="297" r:id="rId13"/>
+    <p:sldId id="298" r:id="rId14"/>
+    <p:sldId id="300" r:id="rId15"/>
+    <p:sldId id="301" r:id="rId16"/>
+    <p:sldId id="302" r:id="rId17"/>
+    <p:sldId id="299" r:id="rId18"/>
+    <p:sldId id="288" r:id="rId19"/>
   </p:sldIdLst>
   <p:sldSz cx="9144000" cy="6858000" type="screen4x3"/>
   <p:notesSz cx="6858000" cy="9144000"/>
   <p:embeddedFontLst>
     <p:embeddedFont>
       <p:font typeface="Cambria Math" panose="02040503050406030204" pitchFamily="18" charset="0"/>
-      <p:regular r:id="rId19"/>
+      <p:regular r:id="rId21"/>
     </p:embeddedFont>
   </p:embeddedFontLst>
   <p:defaultTextStyle>
@@ -827,36 +829,6 @@
           <a:bodyPr/>
           <a:lstStyle/>
           <a:p>
-            <a:r>
-              <a:rPr lang="de-DE" altLang="de-DE" dirty="0" err="1" smtClean="0">
-                <a:latin typeface="Arial" panose="020B0604020202020204" pitchFamily="34" charset="0"/>
-              </a:rPr>
-              <a:t>Desired</a:t>
-            </a:r>
-            <a:r>
-              <a:rPr lang="de-DE" altLang="de-DE" dirty="0" smtClean="0">
-                <a:latin typeface="Arial" panose="020B0604020202020204" pitchFamily="34" charset="0"/>
-              </a:rPr>
-              <a:t>-view </a:t>
-            </a:r>
-            <a:r>
-              <a:rPr lang="de-DE" altLang="de-DE" dirty="0" err="1" smtClean="0">
-                <a:latin typeface="Arial" panose="020B0604020202020204" pitchFamily="34" charset="0"/>
-              </a:rPr>
-              <a:t>based</a:t>
-            </a:r>
-            <a:r>
-              <a:rPr lang="de-DE" altLang="de-DE" dirty="0" smtClean="0">
-                <a:latin typeface="Arial" panose="020B0604020202020204" pitchFamily="34" charset="0"/>
-              </a:rPr>
-              <a:t> </a:t>
-            </a:r>
-            <a:r>
-              <a:rPr lang="de-DE" altLang="de-DE" dirty="0" err="1" smtClean="0">
-                <a:latin typeface="Arial" panose="020B0604020202020204" pitchFamily="34" charset="0"/>
-              </a:rPr>
-              <a:t>system</a:t>
-            </a:r>
             <a:endParaRPr lang="de-DE" altLang="de-DE" dirty="0" smtClean="0">
               <a:latin typeface="Arial" panose="020B0604020202020204" pitchFamily="34" charset="0"/>
             </a:endParaRPr>
@@ -1044,6 +1016,142 @@
           <a:lstStyle/>
           <a:p>
             <a:r>
+              <a:rPr lang="de-DE" sz="1200" b="0" i="0" u="none" strike="noStrike" kern="1200" baseline="0" dirty="0" smtClean="0">
+                <a:solidFill>
+                  <a:schemeClr val="tx1"/>
+                </a:solidFill>
+                <a:latin typeface="Arial" charset="0"/>
+                <a:ea typeface="+mn-ea"/>
+                <a:cs typeface="+mn-cs"/>
+              </a:rPr>
+              <a:t>Bremsstrahlung: </a:t>
+            </a:r>
+            <a:r>
+              <a:rPr lang="en-US" sz="1200" b="0" i="0" u="none" strike="noStrike" kern="1200" baseline="0" dirty="0" smtClean="0">
+                <a:solidFill>
+                  <a:schemeClr val="tx1"/>
+                </a:solidFill>
+                <a:latin typeface="Arial" charset="0"/>
+                <a:ea typeface="+mn-ea"/>
+                <a:cs typeface="+mn-cs"/>
+              </a:rPr>
+              <a:t>fast electrons are decelerated by the Coulomb fields of the atoms in the anode material</a:t>
+            </a:r>
+          </a:p>
+          <a:p>
+            <a:r>
+              <a:rPr lang="en-US" sz="1200" b="0" i="0" u="none" strike="noStrike" kern="1200" baseline="0" dirty="0" smtClean="0">
+                <a:solidFill>
+                  <a:schemeClr val="tx1"/>
+                </a:solidFill>
+                <a:latin typeface="Arial" charset="0"/>
+                <a:ea typeface="+mn-ea"/>
+                <a:cs typeface="+mn-cs"/>
+              </a:rPr>
+              <a:t>characteristic emission lines: direct interaction of the fast electrons with the inner shell electrons of the </a:t>
+            </a:r>
+            <a:r>
+              <a:rPr lang="en-US" sz="1200" b="0" i="0" u="none" strike="noStrike" kern="1200" baseline="0" dirty="0" err="1" smtClean="0">
+                <a:solidFill>
+                  <a:schemeClr val="tx1"/>
+                </a:solidFill>
+                <a:latin typeface="Arial" charset="0"/>
+                <a:ea typeface="+mn-ea"/>
+                <a:cs typeface="+mn-cs"/>
+              </a:rPr>
+              <a:t>anodematerial</a:t>
+            </a:r>
+            <a:endParaRPr lang="de-DE" dirty="0"/>
+          </a:p>
+        </p:txBody>
+      </p:sp>
+      <p:sp>
+        <p:nvSpPr>
+          <p:cNvPr id="4" name="Foliennummernplatzhalter 3"/>
+          <p:cNvSpPr>
+            <a:spLocks noGrp="1"/>
+          </p:cNvSpPr>
+          <p:nvPr>
+            <p:ph type="sldNum" sz="quarter" idx="10"/>
+          </p:nvPr>
+        </p:nvSpPr>
+        <p:spPr/>
+        <p:txBody>
+          <a:bodyPr/>
+          <a:lstStyle/>
+          <a:p>
+            <a:pPr>
+              <a:defRPr/>
+            </a:pPr>
+            <a:fld id="{70893688-01D5-4159-93FD-4A4A667A6B8E}" type="slidenum">
+              <a:rPr lang="de-DE" altLang="de-DE" smtClean="0"/>
+              <a:pPr>
+                <a:defRPr/>
+              </a:pPr>
+              <a:t>3</a:t>
+            </a:fld>
+            <a:endParaRPr lang="de-DE" altLang="de-DE"/>
+          </a:p>
+        </p:txBody>
+      </p:sp>
+    </p:spTree>
+    <p:extLst>
+      <p:ext uri="{BB962C8B-B14F-4D97-AF65-F5344CB8AC3E}">
+        <p14:creationId xmlns:p14="http://schemas.microsoft.com/office/powerpoint/2010/main" val="1611524061"/>
+      </p:ext>
+    </p:extLst>
+  </p:cSld>
+  <p:clrMapOvr>
+    <a:masterClrMapping/>
+  </p:clrMapOvr>
+</p:notes>
+</file>
+
+<file path=ppt/notesSlides/notesSlide3.xml><?xml version="1.0" encoding="utf-8"?>
+<p:notes xmlns:a="http://schemas.openxmlformats.org/drawingml/2006/main" xmlns:r="http://schemas.openxmlformats.org/officeDocument/2006/relationships" xmlns:p="http://schemas.openxmlformats.org/presentationml/2006/main">
+  <p:cSld>
+    <p:spTree>
+      <p:nvGrpSpPr>
+        <p:cNvPr id="1" name=""/>
+        <p:cNvGrpSpPr/>
+        <p:nvPr/>
+      </p:nvGrpSpPr>
+      <p:grpSpPr>
+        <a:xfrm>
+          <a:off x="0" y="0"/>
+          <a:ext cx="0" cy="0"/>
+          <a:chOff x="0" y="0"/>
+          <a:chExt cx="0" cy="0"/>
+        </a:xfrm>
+      </p:grpSpPr>
+      <p:sp>
+        <p:nvSpPr>
+          <p:cNvPr id="2" name="Folienbildplatzhalter 1"/>
+          <p:cNvSpPr>
+            <a:spLocks noGrp="1" noRot="1" noChangeAspect="1"/>
+          </p:cNvSpPr>
+          <p:nvPr>
+            <p:ph type="sldImg"/>
+          </p:nvPr>
+        </p:nvSpPr>
+        <p:spPr/>
+      </p:sp>
+      <p:sp>
+        <p:nvSpPr>
+          <p:cNvPr id="3" name="Notizenplatzhalter 2"/>
+          <p:cNvSpPr>
+            <a:spLocks noGrp="1"/>
+          </p:cNvSpPr>
+          <p:nvPr>
+            <p:ph type="body" idx="1"/>
+          </p:nvPr>
+        </p:nvSpPr>
+        <p:spPr/>
+        <p:txBody>
+          <a:bodyPr/>
+          <a:lstStyle/>
+          <a:p>
+            <a:r>
               <a:rPr lang="de-DE" sz="1200" b="0" i="0" u="none" strike="noStrike" kern="1200" baseline="0" dirty="0" err="1" smtClean="0">
                 <a:solidFill>
                   <a:schemeClr val="tx1"/>
@@ -1509,7 +1617,7 @@
               <a:pPr>
                 <a:defRPr/>
               </a:pPr>
-              <a:t>16</a:t>
+              <a:t>18</a:t>
             </a:fld>
             <a:endParaRPr lang="de-DE" altLang="de-DE"/>
           </a:p>
@@ -1862,7 +1970,7 @@
               <a:pPr>
                 <a:defRPr/>
               </a:pPr>
-              <a:t>18.08.2014</a:t>
+              <a:t>04.09.2014</a:t>
             </a:fld>
             <a:endParaRPr lang="de-DE" dirty="0"/>
           </a:p>
@@ -2090,7 +2198,7 @@
               <a:pPr>
                 <a:defRPr/>
               </a:pPr>
-              <a:t>18.08.2014</a:t>
+              <a:t>04.09.2014</a:t>
             </a:fld>
             <a:endParaRPr lang="de-DE" dirty="0"/>
           </a:p>
@@ -2308,7 +2416,7 @@
               <a:pPr>
                 <a:defRPr/>
               </a:pPr>
-              <a:t>18.08.2014</a:t>
+              <a:t>04.09.2014</a:t>
             </a:fld>
             <a:endParaRPr lang="de-DE" dirty="0"/>
           </a:p>
@@ -2548,7 +2656,7 @@
               <a:pPr>
                 <a:defRPr/>
               </a:pPr>
-              <a:t>18.08.2014</a:t>
+              <a:t>04.09.2014</a:t>
             </a:fld>
             <a:endParaRPr lang="de-DE" dirty="0"/>
           </a:p>
@@ -2884,7 +2992,7 @@
               <a:pPr>
                 <a:defRPr/>
               </a:pPr>
-              <a:t>18.08.2014</a:t>
+              <a:t>04.09.2014</a:t>
             </a:fld>
             <a:endParaRPr lang="de-DE" dirty="0"/>
           </a:p>
@@ -3359,7 +3467,7 @@
               <a:pPr>
                 <a:defRPr/>
               </a:pPr>
-              <a:t>18.08.2014</a:t>
+              <a:t>04.09.2014</a:t>
             </a:fld>
             <a:endParaRPr lang="de-DE" dirty="0"/>
           </a:p>
@@ -3525,7 +3633,7 @@
               <a:pPr>
                 <a:defRPr/>
               </a:pPr>
-              <a:t>18.08.2014</a:t>
+              <a:t>04.09.2014</a:t>
             </a:fld>
             <a:endParaRPr lang="de-DE" dirty="0"/>
           </a:p>
@@ -3668,7 +3776,7 @@
               <a:pPr>
                 <a:defRPr/>
               </a:pPr>
-              <a:t>18.08.2014</a:t>
+              <a:t>04.09.2014</a:t>
             </a:fld>
             <a:endParaRPr lang="de-DE" dirty="0"/>
           </a:p>
@@ -3993,7 +4101,7 @@
               <a:pPr>
                 <a:defRPr/>
               </a:pPr>
-              <a:t>18.08.2014</a:t>
+              <a:t>04.09.2014</a:t>
             </a:fld>
             <a:endParaRPr lang="de-DE" dirty="0"/>
           </a:p>
@@ -4295,7 +4403,7 @@
               <a:pPr>
                 <a:defRPr/>
               </a:pPr>
-              <a:t>18.08.2014</a:t>
+              <a:t>04.09.2014</a:t>
             </a:fld>
             <a:endParaRPr lang="de-DE" dirty="0"/>
           </a:p>
@@ -4664,7 +4772,7 @@
               <a:pPr>
                 <a:defRPr/>
               </a:pPr>
-              <a:t>18.08.2014</a:t>
+              <a:t>04.09.2014</a:t>
             </a:fld>
             <a:endParaRPr lang="de-DE" dirty="0"/>
           </a:p>
@@ -5240,11 +5348,7 @@
             <a:pPr algn="r" eaLnBrk="1" hangingPunct="1"/>
             <a:r>
               <a:rPr lang="en-US" altLang="de-DE" dirty="0" smtClean="0"/>
-              <a:t>Alexander </a:t>
-            </a:r>
-            <a:r>
-              <a:rPr lang="en-US" altLang="de-DE" dirty="0" smtClean="0"/>
-              <a:t>Winkler</a:t>
+              <a:t>Alexander Winkler</a:t>
             </a:r>
           </a:p>
           <a:p>
@@ -5275,15 +5379,7 @@
                   <a:srgbClr val="0079C1"/>
                 </a:solidFill>
               </a:rPr>
-              <a:t>Clinical project final </a:t>
-            </a:r>
-            <a:r>
-              <a:rPr lang="en-US" altLang="de-DE" dirty="0" smtClean="0">
-                <a:solidFill>
-                  <a:srgbClr val="0079C1"/>
-                </a:solidFill>
-              </a:rPr>
-              <a:t>presentation</a:t>
+              <a:t>Clinical project final presentation</a:t>
             </a:r>
           </a:p>
         </p:txBody>
@@ -5519,7 +5615,6 @@
               <a:rPr lang="de-DE" dirty="0"/>
               <a:t> CT</a:t>
             </a:r>
-            <a:endParaRPr lang="de-DE" dirty="0"/>
           </a:p>
         </p:txBody>
       </p:sp>
@@ -5542,8 +5637,12 @@
               <a:buNone/>
             </a:pPr>
             <a:r>
+              <a:rPr lang="de-DE" b="1" dirty="0" smtClean="0"/>
+              <a:t>Lookup </a:t>
+            </a:r>
+            <a:r>
               <a:rPr lang="de-DE" b="1" dirty="0" err="1" smtClean="0"/>
-              <a:t>Configuration</a:t>
+              <a:t>tables</a:t>
             </a:r>
             <a:r>
               <a:rPr lang="de-DE" b="1" dirty="0" smtClean="0"/>
@@ -5551,290 +5650,17 @@
             </a:r>
             <a:r>
               <a:rPr lang="de-DE" b="1" dirty="0" err="1" smtClean="0"/>
-              <a:t>file</a:t>
+              <a:t>for</a:t>
+            </a:r>
+            <a:r>
+              <a:rPr lang="de-DE" b="1" dirty="0" smtClean="0"/>
+              <a:t> X-Ray </a:t>
+            </a:r>
+            <a:r>
+              <a:rPr lang="de-DE" b="1" dirty="0" err="1" smtClean="0"/>
+              <a:t>spectra</a:t>
             </a:r>
             <a:endParaRPr lang="de-DE" b="1" dirty="0" smtClean="0"/>
-          </a:p>
-          <a:p>
-            <a:pPr marL="0" indent="0">
-              <a:buNone/>
-            </a:pPr>
-            <a:endParaRPr lang="de-DE" b="1" dirty="0"/>
-          </a:p>
-          <a:p>
-            <a:pPr marL="0" indent="0">
-              <a:buNone/>
-            </a:pPr>
-            <a:r>
-              <a:rPr lang="de-DE" sz="1600" b="1" dirty="0" err="1" smtClean="0">
-                <a:latin typeface="Courier New" panose="02070309020205020404" pitchFamily="49" charset="0"/>
-                <a:cs typeface="Courier New" panose="02070309020205020404" pitchFamily="49" charset="0"/>
-              </a:rPr>
-              <a:t>pathToSlice</a:t>
-            </a:r>
-            <a:r>
-              <a:rPr lang="de-DE" sz="1600" b="1" dirty="0" smtClean="0">
-                <a:latin typeface="Courier New" panose="02070309020205020404" pitchFamily="49" charset="0"/>
-                <a:cs typeface="Courier New" panose="02070309020205020404" pitchFamily="49" charset="0"/>
-              </a:rPr>
-              <a:t>=</a:t>
-            </a:r>
-            <a:r>
-              <a:rPr lang="de-DE" sz="1600" b="1" dirty="0" err="1" smtClean="0">
-                <a:latin typeface="Courier New" panose="02070309020205020404" pitchFamily="49" charset="0"/>
-                <a:cs typeface="Courier New" panose="02070309020205020404" pitchFamily="49" charset="0"/>
-              </a:rPr>
-              <a:t>slices</a:t>
-            </a:r>
-            <a:r>
-              <a:rPr lang="de-DE" sz="1600" b="1" dirty="0" smtClean="0">
-                <a:latin typeface="Courier New" panose="02070309020205020404" pitchFamily="49" charset="0"/>
-                <a:cs typeface="Courier New" panose="02070309020205020404" pitchFamily="49" charset="0"/>
-              </a:rPr>
-              <a:t>/Segmentation2</a:t>
-            </a:r>
-          </a:p>
-          <a:p>
-            <a:pPr marL="0" indent="0">
-              <a:buNone/>
-            </a:pPr>
-            <a:r>
-              <a:rPr lang="de-DE" sz="1600" b="1" dirty="0" err="1" smtClean="0">
-                <a:latin typeface="Courier New" panose="02070309020205020404" pitchFamily="49" charset="0"/>
-                <a:cs typeface="Courier New" panose="02070309020205020404" pitchFamily="49" charset="0"/>
-              </a:rPr>
-              <a:t>pathToOutputReconstruction</a:t>
-            </a:r>
-            <a:r>
-              <a:rPr lang="de-DE" sz="1600" b="1" dirty="0" smtClean="0">
-                <a:latin typeface="Courier New" panose="02070309020205020404" pitchFamily="49" charset="0"/>
-                <a:cs typeface="Courier New" panose="02070309020205020404" pitchFamily="49" charset="0"/>
-              </a:rPr>
-              <a:t>=</a:t>
-            </a:r>
-            <a:r>
-              <a:rPr lang="de-DE" sz="1600" b="1" dirty="0" err="1" smtClean="0">
-                <a:latin typeface="Courier New" panose="02070309020205020404" pitchFamily="49" charset="0"/>
-                <a:cs typeface="Courier New" panose="02070309020205020404" pitchFamily="49" charset="0"/>
-              </a:rPr>
-              <a:t>outData.pgm</a:t>
-            </a:r>
-            <a:endParaRPr lang="de-DE" sz="1600" b="1" dirty="0" smtClean="0">
-              <a:latin typeface="Courier New" panose="02070309020205020404" pitchFamily="49" charset="0"/>
-              <a:cs typeface="Courier New" panose="02070309020205020404" pitchFamily="49" charset="0"/>
-            </a:endParaRPr>
-          </a:p>
-          <a:p>
-            <a:pPr marL="0" indent="0">
-              <a:buNone/>
-            </a:pPr>
-            <a:r>
-              <a:rPr lang="de-DE" sz="1600" b="1" dirty="0" err="1" smtClean="0">
-                <a:latin typeface="Courier New" panose="02070309020205020404" pitchFamily="49" charset="0"/>
-                <a:cs typeface="Courier New" panose="02070309020205020404" pitchFamily="49" charset="0"/>
-              </a:rPr>
-              <a:t>pathToOutputSinogram</a:t>
-            </a:r>
-            <a:r>
-              <a:rPr lang="de-DE" sz="1600" b="1" dirty="0" smtClean="0">
-                <a:latin typeface="Courier New" panose="02070309020205020404" pitchFamily="49" charset="0"/>
-                <a:cs typeface="Courier New" panose="02070309020205020404" pitchFamily="49" charset="0"/>
-              </a:rPr>
-              <a:t>=</a:t>
-            </a:r>
-            <a:r>
-              <a:rPr lang="de-DE" sz="1600" b="1" dirty="0" err="1" smtClean="0">
-                <a:latin typeface="Courier New" panose="02070309020205020404" pitchFamily="49" charset="0"/>
-                <a:cs typeface="Courier New" panose="02070309020205020404" pitchFamily="49" charset="0"/>
-              </a:rPr>
-              <a:t>simulatedSinogram.pgm</a:t>
-            </a:r>
-            <a:endParaRPr lang="de-DE" sz="1600" b="1" dirty="0" smtClean="0">
-              <a:latin typeface="Courier New" panose="02070309020205020404" pitchFamily="49" charset="0"/>
-              <a:cs typeface="Courier New" panose="02070309020205020404" pitchFamily="49" charset="0"/>
-            </a:endParaRPr>
-          </a:p>
-          <a:p>
-            <a:pPr marL="0" indent="0">
-              <a:buNone/>
-            </a:pPr>
-            <a:r>
-              <a:rPr lang="de-DE" sz="1600" b="1" dirty="0" err="1" smtClean="0">
-                <a:latin typeface="Courier New" panose="02070309020205020404" pitchFamily="49" charset="0"/>
-                <a:cs typeface="Courier New" panose="02070309020205020404" pitchFamily="49" charset="0"/>
-              </a:rPr>
-              <a:t>pathToXRaySpectra</a:t>
-            </a:r>
-            <a:r>
-              <a:rPr lang="de-DE" sz="1600" b="1" dirty="0" smtClean="0">
-                <a:latin typeface="Courier New" panose="02070309020205020404" pitchFamily="49" charset="0"/>
-                <a:cs typeface="Courier New" panose="02070309020205020404" pitchFamily="49" charset="0"/>
-              </a:rPr>
-              <a:t>=Data/</a:t>
-            </a:r>
-            <a:r>
-              <a:rPr lang="de-DE" sz="1600" b="1" dirty="0" err="1" smtClean="0">
-                <a:latin typeface="Courier New" panose="02070309020205020404" pitchFamily="49" charset="0"/>
-                <a:cs typeface="Courier New" panose="02070309020205020404" pitchFamily="49" charset="0"/>
-              </a:rPr>
-              <a:t>XRaySpectra</a:t>
-            </a:r>
-            <a:endParaRPr lang="de-DE" sz="1600" b="1" dirty="0" smtClean="0">
-              <a:latin typeface="Courier New" panose="02070309020205020404" pitchFamily="49" charset="0"/>
-              <a:cs typeface="Courier New" panose="02070309020205020404" pitchFamily="49" charset="0"/>
-            </a:endParaRPr>
-          </a:p>
-          <a:p>
-            <a:pPr marL="0" indent="0">
-              <a:buNone/>
-            </a:pPr>
-            <a:r>
-              <a:rPr lang="de-DE" sz="1600" b="1" dirty="0" err="1" smtClean="0">
-                <a:latin typeface="Courier New" panose="02070309020205020404" pitchFamily="49" charset="0"/>
-                <a:cs typeface="Courier New" panose="02070309020205020404" pitchFamily="49" charset="0"/>
-              </a:rPr>
-              <a:t>minEnergy</a:t>
-            </a:r>
-            <a:r>
-              <a:rPr lang="de-DE" sz="1600" b="1" dirty="0" smtClean="0">
-                <a:latin typeface="Courier New" panose="02070309020205020404" pitchFamily="49" charset="0"/>
-                <a:cs typeface="Courier New" panose="02070309020205020404" pitchFamily="49" charset="0"/>
-              </a:rPr>
-              <a:t>=20</a:t>
-            </a:r>
-          </a:p>
-          <a:p>
-            <a:pPr marL="0" indent="0">
-              <a:buNone/>
-            </a:pPr>
-            <a:r>
-              <a:rPr lang="de-DE" sz="1600" b="1" dirty="0" err="1" smtClean="0">
-                <a:latin typeface="Courier New" panose="02070309020205020404" pitchFamily="49" charset="0"/>
-                <a:cs typeface="Courier New" panose="02070309020205020404" pitchFamily="49" charset="0"/>
-              </a:rPr>
-              <a:t>maxEnergy</a:t>
-            </a:r>
-            <a:r>
-              <a:rPr lang="de-DE" sz="1600" b="1" dirty="0" smtClean="0">
-                <a:latin typeface="Courier New" panose="02070309020205020404" pitchFamily="49" charset="0"/>
-                <a:cs typeface="Courier New" panose="02070309020205020404" pitchFamily="49" charset="0"/>
-              </a:rPr>
-              <a:t>=140</a:t>
-            </a:r>
-          </a:p>
-          <a:p>
-            <a:pPr marL="0" indent="0">
-              <a:buNone/>
-            </a:pPr>
-            <a:r>
-              <a:rPr lang="de-DE" sz="1600" b="1" dirty="0" err="1" smtClean="0">
-                <a:latin typeface="Courier New" panose="02070309020205020404" pitchFamily="49" charset="0"/>
-                <a:cs typeface="Courier New" panose="02070309020205020404" pitchFamily="49" charset="0"/>
-              </a:rPr>
-              <a:t>energyLevels</a:t>
-            </a:r>
-            <a:r>
-              <a:rPr lang="de-DE" sz="1600" b="1" dirty="0" smtClean="0">
-                <a:latin typeface="Courier New" panose="02070309020205020404" pitchFamily="49" charset="0"/>
-                <a:cs typeface="Courier New" panose="02070309020205020404" pitchFamily="49" charset="0"/>
-              </a:rPr>
-              <a:t>=8</a:t>
-            </a:r>
-          </a:p>
-          <a:p>
-            <a:pPr marL="0" indent="0">
-              <a:buNone/>
-            </a:pPr>
-            <a:r>
-              <a:rPr lang="de-DE" sz="1600" b="1" dirty="0" err="1" smtClean="0">
-                <a:latin typeface="Courier New" panose="02070309020205020404" pitchFamily="49" charset="0"/>
-                <a:cs typeface="Courier New" panose="02070309020205020404" pitchFamily="49" charset="0"/>
-              </a:rPr>
-              <a:t>numberOfProjectionAngles</a:t>
-            </a:r>
-            <a:r>
-              <a:rPr lang="de-DE" sz="1600" b="1" dirty="0" smtClean="0">
-                <a:latin typeface="Courier New" panose="02070309020205020404" pitchFamily="49" charset="0"/>
-                <a:cs typeface="Courier New" panose="02070309020205020404" pitchFamily="49" charset="0"/>
-              </a:rPr>
-              <a:t>=64</a:t>
-            </a:r>
-          </a:p>
-          <a:p>
-            <a:pPr marL="0" indent="0">
-              <a:buNone/>
-            </a:pPr>
-            <a:r>
-              <a:rPr lang="de-DE" sz="1600" b="1" dirty="0" err="1" smtClean="0">
-                <a:latin typeface="Courier New" panose="02070309020205020404" pitchFamily="49" charset="0"/>
-                <a:cs typeface="Courier New" panose="02070309020205020404" pitchFamily="49" charset="0"/>
-              </a:rPr>
-              <a:t>numberOfThreads</a:t>
-            </a:r>
-            <a:r>
-              <a:rPr lang="de-DE" sz="1600" b="1" dirty="0" smtClean="0">
-                <a:latin typeface="Courier New" panose="02070309020205020404" pitchFamily="49" charset="0"/>
-                <a:cs typeface="Courier New" panose="02070309020205020404" pitchFamily="49" charset="0"/>
-              </a:rPr>
-              <a:t>=4</a:t>
-            </a:r>
-          </a:p>
-          <a:p>
-            <a:pPr marL="0" indent="0">
-              <a:buNone/>
-            </a:pPr>
-            <a:r>
-              <a:rPr lang="de-DE" sz="1600" b="1" dirty="0" err="1" smtClean="0">
-                <a:latin typeface="Courier New" panose="02070309020205020404" pitchFamily="49" charset="0"/>
-                <a:cs typeface="Courier New" panose="02070309020205020404" pitchFamily="49" charset="0"/>
-              </a:rPr>
-              <a:t>tubeEnergy</a:t>
-            </a:r>
-            <a:r>
-              <a:rPr lang="de-DE" sz="1600" b="1" dirty="0" smtClean="0">
-                <a:latin typeface="Courier New" panose="02070309020205020404" pitchFamily="49" charset="0"/>
-                <a:cs typeface="Courier New" panose="02070309020205020404" pitchFamily="49" charset="0"/>
-              </a:rPr>
-              <a:t>=140</a:t>
-            </a:r>
-          </a:p>
-          <a:p>
-            <a:pPr marL="0" indent="0">
-              <a:buNone/>
-            </a:pPr>
-            <a:r>
-              <a:rPr lang="de-DE" sz="1600" b="1" dirty="0" err="1" smtClean="0">
-                <a:latin typeface="Courier New" panose="02070309020205020404" pitchFamily="49" charset="0"/>
-                <a:cs typeface="Courier New" panose="02070309020205020404" pitchFamily="49" charset="0"/>
-              </a:rPr>
-              <a:t>detectorThreshold</a:t>
-            </a:r>
-            <a:r>
-              <a:rPr lang="de-DE" sz="1600" b="1" dirty="0" smtClean="0">
-                <a:latin typeface="Courier New" panose="02070309020205020404" pitchFamily="49" charset="0"/>
-                <a:cs typeface="Courier New" panose="02070309020205020404" pitchFamily="49" charset="0"/>
-              </a:rPr>
-              <a:t>=100</a:t>
-            </a:r>
-          </a:p>
-          <a:p>
-            <a:pPr marL="0" indent="0">
-              <a:buNone/>
-            </a:pPr>
-            <a:r>
-              <a:rPr lang="de-DE" sz="1600" b="1" dirty="0" err="1" smtClean="0">
-                <a:latin typeface="Courier New" panose="02070309020205020404" pitchFamily="49" charset="0"/>
-                <a:cs typeface="Courier New" panose="02070309020205020404" pitchFamily="49" charset="0"/>
-              </a:rPr>
-              <a:t>attenuationMultiplicator</a:t>
-            </a:r>
-            <a:r>
-              <a:rPr lang="de-DE" sz="1600" b="1" dirty="0" smtClean="0">
-                <a:latin typeface="Courier New" panose="02070309020205020404" pitchFamily="49" charset="0"/>
-                <a:cs typeface="Courier New" panose="02070309020205020404" pitchFamily="49" charset="0"/>
-              </a:rPr>
-              <a:t>=10</a:t>
-            </a:r>
           </a:p>
           <a:p>
             <a:pPr marL="0" indent="0">
@@ -5903,10 +5729,94 @@
           </a:p>
         </p:txBody>
       </p:sp>
+      <p:pic>
+        <p:nvPicPr>
+          <p:cNvPr id="7" name="Grafik 6"/>
+          <p:cNvPicPr>
+            <a:picLocks noChangeAspect="1"/>
+          </p:cNvPicPr>
+          <p:nvPr/>
+        </p:nvPicPr>
+        <p:blipFill>
+          <a:blip r:embed="rId2">
+            <a:extLst>
+              <a:ext uri="{28A0092B-C50C-407E-A947-70E740481C1C}">
+                <a14:useLocalDpi xmlns:a14="http://schemas.microsoft.com/office/drawing/2010/main" val="0"/>
+              </a:ext>
+            </a:extLst>
+          </a:blip>
+          <a:stretch>
+            <a:fillRect/>
+          </a:stretch>
+        </p:blipFill>
+        <p:spPr>
+          <a:xfrm>
+            <a:off x="434975" y="2306956"/>
+            <a:ext cx="6629400" cy="4020026"/>
+          </a:xfrm>
+          <a:prstGeom prst="rect">
+            <a:avLst/>
+          </a:prstGeom>
+        </p:spPr>
+      </p:pic>
+      <p:sp>
+        <p:nvSpPr>
+          <p:cNvPr id="6" name="Textfeld 5"/>
+          <p:cNvSpPr txBox="1"/>
+          <p:nvPr/>
+        </p:nvSpPr>
+        <p:spPr>
+          <a:xfrm>
+            <a:off x="7064375" y="4572656"/>
+            <a:ext cx="1927225" cy="1754326"/>
+          </a:xfrm>
+          <a:prstGeom prst="rect">
+            <a:avLst/>
+          </a:prstGeom>
+          <a:noFill/>
+        </p:spPr>
+        <p:txBody>
+          <a:bodyPr wrap="square" rtlCol="0">
+            <a:spAutoFit/>
+          </a:bodyPr>
+          <a:lstStyle/>
+          <a:p>
+            <a:r>
+              <a:rPr lang="en-US" sz="1200" dirty="0" smtClean="0"/>
+              <a:t>Sampled from:</a:t>
+            </a:r>
+          </a:p>
+          <a:p>
+            <a:r>
+              <a:rPr lang="en-US" sz="1200" dirty="0" smtClean="0"/>
+              <a:t>J</a:t>
+            </a:r>
+            <a:r>
+              <a:rPr lang="en-US" sz="1200" dirty="0"/>
+              <a:t>. Anthony Seibert. X-ray imaging physics for nuclear medicine technologists. part 1:</a:t>
+            </a:r>
+          </a:p>
+          <a:p>
+            <a:r>
+              <a:rPr lang="en-US" sz="1200" dirty="0"/>
+              <a:t>Basic principles of x-ray production. J. </a:t>
+            </a:r>
+            <a:r>
+              <a:rPr lang="en-US" sz="1200" dirty="0" err="1"/>
+              <a:t>Nucl</a:t>
+            </a:r>
+            <a:r>
+              <a:rPr lang="en-US" sz="1200" dirty="0"/>
+              <a:t>. Med. Technol., 32 no. 3,:139–147, 2004.</a:t>
+            </a:r>
+            <a:endParaRPr lang="de-DE" sz="1200" dirty="0"/>
+          </a:p>
+        </p:txBody>
+      </p:sp>
     </p:spTree>
     <p:extLst>
       <p:ext uri="{BB962C8B-B14F-4D97-AF65-F5344CB8AC3E}">
-        <p14:creationId xmlns:p14="http://schemas.microsoft.com/office/powerpoint/2010/main" val="1409757352"/>
+        <p14:creationId xmlns:p14="http://schemas.microsoft.com/office/powerpoint/2010/main" val="259886188"/>
       </p:ext>
     </p:extLst>
   </p:cSld>
@@ -5967,7 +5877,6 @@
               <a:rPr lang="de-DE" dirty="0"/>
               <a:t> CT</a:t>
             </a:r>
-            <a:endParaRPr lang="de-DE" dirty="0"/>
           </a:p>
         </p:txBody>
       </p:sp>
@@ -5990,372 +5899,38 @@
               <a:buNone/>
             </a:pPr>
             <a:r>
-              <a:rPr lang="en-US" b="1" dirty="0"/>
-              <a:t>Miscellaneous parts of the </a:t>
-            </a:r>
-            <a:r>
-              <a:rPr lang="en-US" b="1" dirty="0" smtClean="0"/>
-              <a:t>simulator</a:t>
-            </a:r>
-          </a:p>
-          <a:p>
-            <a:pPr marL="0" indent="0">
-              <a:buNone/>
-            </a:pPr>
-            <a:endParaRPr lang="en-US" sz="1600" b="1" dirty="0">
-              <a:latin typeface="Courier New" panose="02070309020205020404" pitchFamily="49" charset="0"/>
-              <a:cs typeface="Courier New" panose="02070309020205020404" pitchFamily="49" charset="0"/>
-            </a:endParaRPr>
-          </a:p>
-          <a:p>
-            <a:r>
-              <a:rPr lang="en-US" sz="1600" dirty="0" smtClean="0">
-                <a:cs typeface="Courier New" panose="02070309020205020404" pitchFamily="49" charset="0"/>
-              </a:rPr>
-              <a:t>Own logger (inspired by loggers like log4j)</a:t>
-            </a:r>
-          </a:p>
-          <a:p>
-            <a:pPr lvl="1"/>
-            <a:r>
-              <a:rPr lang="en-US" sz="1200" dirty="0" smtClean="0">
-                <a:cs typeface="Courier New" panose="02070309020205020404" pitchFamily="49" charset="0"/>
-              </a:rPr>
-              <a:t>Different </a:t>
-            </a:r>
-            <a:r>
-              <a:rPr lang="en-US" sz="1200" dirty="0" err="1" smtClean="0">
-                <a:cs typeface="Courier New" panose="02070309020205020404" pitchFamily="49" charset="0"/>
-              </a:rPr>
-              <a:t>loglevels</a:t>
-            </a:r>
-            <a:r>
-              <a:rPr lang="en-US" sz="1200" dirty="0" smtClean="0">
-                <a:cs typeface="Courier New" panose="02070309020205020404" pitchFamily="49" charset="0"/>
-              </a:rPr>
-              <a:t>: </a:t>
-            </a:r>
-            <a:r>
-              <a:rPr lang="en-US" dirty="0" smtClean="0">
-                <a:latin typeface="Courier New" panose="02070309020205020404" pitchFamily="49" charset="0"/>
-                <a:cs typeface="Courier New" panose="02070309020205020404" pitchFamily="49" charset="0"/>
-              </a:rPr>
-              <a:t>ALL </a:t>
-            </a:r>
-            <a:r>
-              <a:rPr lang="en-US" dirty="0">
-                <a:latin typeface="Courier New" panose="02070309020205020404" pitchFamily="49" charset="0"/>
-                <a:cs typeface="Courier New" panose="02070309020205020404" pitchFamily="49" charset="0"/>
-              </a:rPr>
-              <a:t>&gt; TRACE &gt; DEBUG &gt; INFO &gt; WARN &gt; ERR &gt; FATAL &gt; </a:t>
-            </a:r>
-            <a:r>
-              <a:rPr lang="en-US" dirty="0" smtClean="0">
-                <a:latin typeface="Courier New" panose="02070309020205020404" pitchFamily="49" charset="0"/>
-                <a:cs typeface="Courier New" panose="02070309020205020404" pitchFamily="49" charset="0"/>
-              </a:rPr>
-              <a:t>OFF</a:t>
-            </a:r>
-          </a:p>
-          <a:p>
-            <a:pPr lvl="1"/>
-            <a:r>
-              <a:rPr lang="en-US" dirty="0" smtClean="0">
-                <a:cs typeface="Courier New" panose="02070309020205020404" pitchFamily="49" charset="0"/>
-              </a:rPr>
-              <a:t>Heavily relies on macros to guarantee no major impact on performance</a:t>
-            </a:r>
-          </a:p>
-          <a:p>
-            <a:pPr lvl="1"/>
-            <a:r>
-              <a:rPr lang="en-US" dirty="0">
-                <a:cs typeface="Courier New" panose="02070309020205020404" pitchFamily="49" charset="0"/>
-              </a:rPr>
-              <a:t>Outputs </a:t>
-            </a:r>
-            <a:r>
-              <a:rPr lang="en-US" dirty="0" err="1">
-                <a:cs typeface="Courier New" panose="02070309020205020404" pitchFamily="49" charset="0"/>
-              </a:rPr>
-              <a:t>loglevel</a:t>
-            </a:r>
-            <a:r>
-              <a:rPr lang="en-US" dirty="0">
-                <a:cs typeface="Courier New" panose="02070309020205020404" pitchFamily="49" charset="0"/>
-              </a:rPr>
-              <a:t>, source </a:t>
-            </a:r>
-            <a:r>
-              <a:rPr lang="en-US" dirty="0" smtClean="0">
-                <a:cs typeface="Courier New" panose="02070309020205020404" pitchFamily="49" charset="0"/>
-              </a:rPr>
-              <a:t>code file</a:t>
-            </a:r>
-            <a:r>
-              <a:rPr lang="en-US" dirty="0">
-                <a:cs typeface="Courier New" panose="02070309020205020404" pitchFamily="49" charset="0"/>
-              </a:rPr>
-              <a:t>, function, line and message</a:t>
-            </a:r>
-            <a:r>
-              <a:rPr lang="en-US" dirty="0" smtClean="0">
-                <a:cs typeface="Courier New" panose="02070309020205020404" pitchFamily="49" charset="0"/>
-              </a:rPr>
-              <a:t>. In “verbose mode”</a:t>
-            </a:r>
-          </a:p>
-          <a:p>
-            <a:pPr lvl="1"/>
-            <a:r>
-              <a:rPr lang="en-US" dirty="0" smtClean="0">
-                <a:cs typeface="Courier New" panose="02070309020205020404" pitchFamily="49" charset="0"/>
-              </a:rPr>
-              <a:t>Can also write output to file</a:t>
-            </a:r>
-          </a:p>
-          <a:p>
-            <a:pPr lvl="1"/>
-            <a:endParaRPr lang="en-US" dirty="0">
-              <a:cs typeface="Courier New" panose="02070309020205020404" pitchFamily="49" charset="0"/>
-            </a:endParaRPr>
-          </a:p>
-          <a:p>
-            <a:r>
-              <a:rPr lang="de-DE" dirty="0">
-                <a:cs typeface="Courier New" panose="02070309020205020404" pitchFamily="49" charset="0"/>
-              </a:rPr>
-              <a:t>Image </a:t>
-            </a:r>
-            <a:r>
-              <a:rPr lang="de-DE" dirty="0" err="1">
-                <a:cs typeface="Courier New" panose="02070309020205020404" pitchFamily="49" charset="0"/>
-              </a:rPr>
-              <a:t>reading</a:t>
-            </a:r>
-            <a:r>
-              <a:rPr lang="de-DE" dirty="0">
-                <a:cs typeface="Courier New" panose="02070309020205020404" pitchFamily="49" charset="0"/>
-              </a:rPr>
+              <a:rPr lang="de-DE" b="1" dirty="0"/>
+              <a:t>Lookup </a:t>
+            </a:r>
+            <a:r>
+              <a:rPr lang="de-DE" b="1" dirty="0" err="1"/>
+              <a:t>tables</a:t>
+            </a:r>
+            <a:r>
+              <a:rPr lang="de-DE" b="1" dirty="0"/>
               <a:t> </a:t>
             </a:r>
             <a:r>
-              <a:rPr lang="de-DE" dirty="0" err="1">
-                <a:cs typeface="Courier New" panose="02070309020205020404" pitchFamily="49" charset="0"/>
-              </a:rPr>
-              <a:t>and</a:t>
-            </a:r>
-            <a:r>
-              <a:rPr lang="de-DE" dirty="0">
-                <a:cs typeface="Courier New" panose="02070309020205020404" pitchFamily="49" charset="0"/>
-              </a:rPr>
+              <a:rPr lang="de-DE" b="1" dirty="0" err="1"/>
+              <a:t>for</a:t>
+            </a:r>
+            <a:r>
+              <a:rPr lang="de-DE" b="1" dirty="0"/>
               <a:t> </a:t>
             </a:r>
             <a:r>
-              <a:rPr lang="de-DE" dirty="0" err="1" smtClean="0">
-                <a:cs typeface="Courier New" panose="02070309020205020404" pitchFamily="49" charset="0"/>
-              </a:rPr>
-              <a:t>writing</a:t>
-            </a:r>
-            <a:endParaRPr lang="de-DE" dirty="0" smtClean="0">
-              <a:cs typeface="Courier New" panose="02070309020205020404" pitchFamily="49" charset="0"/>
-            </a:endParaRPr>
-          </a:p>
-          <a:p>
-            <a:pPr lvl="1"/>
-            <a:r>
-              <a:rPr lang="en-US" dirty="0"/>
-              <a:t>portable </a:t>
-            </a:r>
-            <a:r>
-              <a:rPr lang="en-US" dirty="0" err="1"/>
-              <a:t>graymap</a:t>
-            </a:r>
-            <a:r>
-              <a:rPr lang="en-US" dirty="0"/>
-              <a:t> format </a:t>
-            </a:r>
-            <a:r>
-              <a:rPr lang="en-US" sz="1600" dirty="0">
-                <a:latin typeface="Courier New" panose="02070309020205020404" pitchFamily="49" charset="0"/>
-                <a:cs typeface="Courier New" panose="02070309020205020404" pitchFamily="49" charset="0"/>
-              </a:rPr>
-              <a:t>.</a:t>
-            </a:r>
-            <a:r>
-              <a:rPr lang="en-US" sz="1600" dirty="0" err="1" smtClean="0">
-                <a:latin typeface="Courier New" panose="02070309020205020404" pitchFamily="49" charset="0"/>
-                <a:cs typeface="Courier New" panose="02070309020205020404" pitchFamily="49" charset="0"/>
-              </a:rPr>
-              <a:t>pgm</a:t>
-            </a:r>
-            <a:r>
-              <a:rPr lang="en-US" sz="1600" dirty="0">
-                <a:latin typeface="Courier New" panose="02070309020205020404" pitchFamily="49" charset="0"/>
-                <a:cs typeface="Courier New" panose="02070309020205020404" pitchFamily="49" charset="0"/>
-              </a:rPr>
+              <a:rPr lang="de-DE" b="1" dirty="0" err="1" smtClean="0"/>
+              <a:t>attenuation</a:t>
+            </a:r>
+            <a:r>
+              <a:rPr lang="de-DE" b="1" dirty="0" smtClean="0"/>
               <a:t> </a:t>
             </a:r>
             <a:r>
-              <a:rPr lang="en-US" dirty="0" smtClean="0"/>
-              <a:t>(Portable </a:t>
-            </a:r>
-            <a:r>
-              <a:rPr lang="de-DE" dirty="0" err="1" smtClean="0"/>
-              <a:t>Anymap</a:t>
-            </a:r>
-            <a:r>
-              <a:rPr lang="de-DE" dirty="0" smtClean="0"/>
-              <a:t> </a:t>
-            </a:r>
-            <a:r>
-              <a:rPr lang="de-DE" dirty="0" err="1"/>
-              <a:t>or</a:t>
-            </a:r>
-            <a:r>
-              <a:rPr lang="de-DE" dirty="0"/>
-              <a:t> </a:t>
-            </a:r>
-            <a:r>
-              <a:rPr lang="de-DE" dirty="0" err="1"/>
-              <a:t>Netpbm</a:t>
-            </a:r>
-            <a:r>
-              <a:rPr lang="de-DE" dirty="0"/>
-              <a:t> </a:t>
-            </a:r>
-            <a:r>
-              <a:rPr lang="de-DE" dirty="0" err="1" smtClean="0"/>
-              <a:t>format</a:t>
-            </a:r>
-            <a:r>
-              <a:rPr lang="de-DE" dirty="0" smtClean="0"/>
-              <a:t>)</a:t>
-            </a:r>
-          </a:p>
-          <a:p>
-            <a:pPr lvl="1"/>
-            <a:r>
-              <a:rPr lang="de-DE" dirty="0" err="1" smtClean="0"/>
-              <a:t>One</a:t>
-            </a:r>
-            <a:r>
-              <a:rPr lang="de-DE" dirty="0" smtClean="0"/>
-              <a:t> </a:t>
-            </a:r>
-            <a:r>
-              <a:rPr lang="de-DE" dirty="0" err="1" smtClean="0"/>
-              <a:t>of</a:t>
-            </a:r>
-            <a:r>
-              <a:rPr lang="de-DE" dirty="0" smtClean="0"/>
-              <a:t> </a:t>
-            </a:r>
-            <a:r>
-              <a:rPr lang="de-DE" dirty="0" err="1" smtClean="0"/>
-              <a:t>the</a:t>
-            </a:r>
-            <a:r>
-              <a:rPr lang="de-DE" dirty="0" smtClean="0"/>
-              <a:t> </a:t>
-            </a:r>
-            <a:r>
-              <a:rPr lang="de-DE" dirty="0" err="1" smtClean="0"/>
-              <a:t>easiest</a:t>
-            </a:r>
-            <a:r>
-              <a:rPr lang="de-DE" dirty="0" smtClean="0"/>
-              <a:t> </a:t>
-            </a:r>
-            <a:r>
-              <a:rPr lang="de-DE" dirty="0" err="1" smtClean="0"/>
-              <a:t>image</a:t>
-            </a:r>
-            <a:r>
-              <a:rPr lang="de-DE" dirty="0" smtClean="0"/>
-              <a:t> </a:t>
-            </a:r>
-            <a:r>
-              <a:rPr lang="de-DE" dirty="0" err="1" smtClean="0"/>
-              <a:t>formats</a:t>
-            </a:r>
-            <a:endParaRPr lang="de-DE" dirty="0" smtClean="0"/>
-          </a:p>
-          <a:p>
-            <a:pPr lvl="2"/>
-            <a:r>
-              <a:rPr lang="de-DE" dirty="0" smtClean="0"/>
-              <a:t>Super </a:t>
-            </a:r>
-            <a:r>
-              <a:rPr lang="de-DE" dirty="0" err="1" smtClean="0"/>
-              <a:t>short</a:t>
-            </a:r>
-            <a:r>
-              <a:rPr lang="de-DE" dirty="0" smtClean="0"/>
-              <a:t> </a:t>
-            </a:r>
-            <a:r>
-              <a:rPr lang="de-DE" dirty="0" err="1" smtClean="0"/>
-              <a:t>header</a:t>
-            </a:r>
-            <a:r>
-              <a:rPr lang="de-DE" dirty="0" smtClean="0"/>
-              <a:t> </a:t>
-            </a:r>
-            <a:r>
-              <a:rPr lang="de-DE" dirty="0" err="1" smtClean="0"/>
-              <a:t>followed</a:t>
-            </a:r>
-            <a:r>
-              <a:rPr lang="de-DE" dirty="0" smtClean="0"/>
-              <a:t> </a:t>
-            </a:r>
-            <a:r>
-              <a:rPr lang="de-DE" dirty="0" err="1" smtClean="0"/>
-              <a:t>by</a:t>
-            </a:r>
-            <a:r>
-              <a:rPr lang="de-DE" dirty="0" smtClean="0"/>
-              <a:t> </a:t>
-            </a:r>
-            <a:r>
-              <a:rPr lang="de-DE" dirty="0" err="1" smtClean="0"/>
-              <a:t>color</a:t>
-            </a:r>
-            <a:r>
-              <a:rPr lang="de-DE" dirty="0" smtClean="0"/>
-              <a:t> </a:t>
-            </a:r>
-            <a:r>
-              <a:rPr lang="de-DE" dirty="0" err="1" smtClean="0"/>
-              <a:t>values</a:t>
-            </a:r>
-            <a:r>
-              <a:rPr lang="de-DE" dirty="0" smtClean="0"/>
-              <a:t> in ASCII </a:t>
-            </a:r>
-            <a:r>
-              <a:rPr lang="de-DE" dirty="0" err="1" smtClean="0"/>
-              <a:t>separated</a:t>
-            </a:r>
-            <a:r>
-              <a:rPr lang="de-DE" dirty="0" smtClean="0"/>
-              <a:t> </a:t>
-            </a:r>
-            <a:r>
-              <a:rPr lang="de-DE" dirty="0" err="1" smtClean="0"/>
-              <a:t>by</a:t>
-            </a:r>
-            <a:r>
-              <a:rPr lang="de-DE" dirty="0" smtClean="0"/>
-              <a:t> </a:t>
-            </a:r>
-            <a:r>
-              <a:rPr lang="de-DE" dirty="0" err="1" smtClean="0"/>
-              <a:t>whitespaces</a:t>
-            </a:r>
-            <a:endParaRPr lang="de-DE" dirty="0"/>
+              <a:rPr lang="de-DE" b="1" dirty="0" err="1"/>
+              <a:t>coefficients</a:t>
+            </a:r>
+            <a:endParaRPr lang="de-DE" b="1" dirty="0"/>
           </a:p>
           <a:p>
             <a:pPr marL="0" indent="0">
@@ -6424,10 +5999,112 @@
           </a:p>
         </p:txBody>
       </p:sp>
+      <p:sp>
+        <p:nvSpPr>
+          <p:cNvPr id="6" name="Textfeld 5"/>
+          <p:cNvSpPr txBox="1"/>
+          <p:nvPr/>
+        </p:nvSpPr>
+        <p:spPr>
+          <a:xfrm>
+            <a:off x="7064375" y="4038414"/>
+            <a:ext cx="1927225" cy="2308324"/>
+          </a:xfrm>
+          <a:prstGeom prst="rect">
+            <a:avLst/>
+          </a:prstGeom>
+          <a:noFill/>
+        </p:spPr>
+        <p:txBody>
+          <a:bodyPr wrap="square" rtlCol="0">
+            <a:spAutoFit/>
+          </a:bodyPr>
+          <a:lstStyle/>
+          <a:p>
+            <a:r>
+              <a:rPr lang="en-US" sz="1200" dirty="0" smtClean="0"/>
+              <a:t>Tables by:</a:t>
+            </a:r>
+          </a:p>
+          <a:p>
+            <a:r>
+              <a:rPr lang="en-US" sz="1200" dirty="0"/>
+              <a:t>S. M. Seltzer J. H. Hubbell. Tables of x-ray mass attenuation coefficients and mass</a:t>
+            </a:r>
+          </a:p>
+          <a:p>
+            <a:r>
+              <a:rPr lang="en-US" sz="1200" dirty="0"/>
+              <a:t>energy-absorption coefficients from 1 </a:t>
+            </a:r>
+            <a:r>
+              <a:rPr lang="en-US" sz="1200" dirty="0" err="1"/>
+              <a:t>kev</a:t>
+            </a:r>
+            <a:r>
+              <a:rPr lang="en-US" sz="1200" dirty="0"/>
+              <a:t> to 20 </a:t>
+            </a:r>
+            <a:r>
+              <a:rPr lang="en-US" sz="1200" dirty="0" err="1"/>
+              <a:t>mev</a:t>
+            </a:r>
+            <a:r>
+              <a:rPr lang="en-US" sz="1200" dirty="0"/>
+              <a:t> for elements z = 1 to 92 and 48</a:t>
+            </a:r>
+          </a:p>
+          <a:p>
+            <a:r>
+              <a:rPr lang="en-US" sz="1200" dirty="0"/>
+              <a:t>additional substances of </a:t>
+            </a:r>
+            <a:r>
+              <a:rPr lang="en-US" sz="1200" dirty="0" err="1"/>
+              <a:t>dosimetric</a:t>
+            </a:r>
+            <a:r>
+              <a:rPr lang="en-US" sz="1200" dirty="0"/>
+              <a:t> interest, May 1996.</a:t>
+            </a:r>
+            <a:endParaRPr lang="de-DE" sz="1200" dirty="0"/>
+          </a:p>
+        </p:txBody>
+      </p:sp>
+      <p:pic>
+        <p:nvPicPr>
+          <p:cNvPr id="8" name="Grafik 7"/>
+          <p:cNvPicPr>
+            <a:picLocks noChangeAspect="1"/>
+          </p:cNvPicPr>
+          <p:nvPr/>
+        </p:nvPicPr>
+        <p:blipFill>
+          <a:blip r:embed="rId2">
+            <a:extLst>
+              <a:ext uri="{28A0092B-C50C-407E-A947-70E740481C1C}">
+                <a14:useLocalDpi xmlns:a14="http://schemas.microsoft.com/office/drawing/2010/main" val="0"/>
+              </a:ext>
+            </a:extLst>
+          </a:blip>
+          <a:stretch>
+            <a:fillRect/>
+          </a:stretch>
+        </p:blipFill>
+        <p:spPr>
+          <a:xfrm>
+            <a:off x="1828713" y="2263316"/>
+            <a:ext cx="5204618" cy="4063665"/>
+          </a:xfrm>
+          <a:prstGeom prst="rect">
+            <a:avLst/>
+          </a:prstGeom>
+        </p:spPr>
+      </p:pic>
     </p:spTree>
     <p:extLst>
       <p:ext uri="{BB962C8B-B14F-4D97-AF65-F5344CB8AC3E}">
-        <p14:creationId xmlns:p14="http://schemas.microsoft.com/office/powerpoint/2010/main" val="412523310"/>
+        <p14:creationId xmlns:p14="http://schemas.microsoft.com/office/powerpoint/2010/main" val="554986704"/>
       </p:ext>
     </p:extLst>
   </p:cSld>
@@ -6488,7 +6165,6 @@
               <a:rPr lang="de-DE" dirty="0"/>
               <a:t> CT</a:t>
             </a:r>
-            <a:endParaRPr lang="de-DE" dirty="0"/>
           </a:p>
         </p:txBody>
       </p:sp>
@@ -6502,12 +6178,7 @@
             <p:ph idx="1"/>
           </p:nvPr>
         </p:nvSpPr>
-        <p:spPr>
-          <a:xfrm>
-            <a:off x="358775" y="1828800"/>
-            <a:ext cx="6498208" cy="4343400"/>
-          </a:xfrm>
-        </p:spPr>
+        <p:spPr/>
         <p:txBody>
           <a:bodyPr/>
           <a:lstStyle/>
@@ -6516,133 +6187,299 @@
               <a:buNone/>
             </a:pPr>
             <a:r>
-              <a:rPr lang="en-US" b="1" dirty="0" smtClean="0"/>
-              <a:t>More easily implementable CT artefacts</a:t>
-            </a:r>
+              <a:rPr lang="de-DE" b="1" dirty="0" err="1" smtClean="0"/>
+              <a:t>Configuration</a:t>
+            </a:r>
+            <a:r>
+              <a:rPr lang="de-DE" b="1" dirty="0" smtClean="0"/>
+              <a:t> </a:t>
+            </a:r>
+            <a:r>
+              <a:rPr lang="de-DE" b="1" dirty="0" err="1" smtClean="0"/>
+              <a:t>file</a:t>
+            </a:r>
+            <a:endParaRPr lang="de-DE" b="1" dirty="0" smtClean="0"/>
           </a:p>
           <a:p>
             <a:pPr marL="0" indent="0">
               <a:buNone/>
             </a:pPr>
-            <a:endParaRPr lang="en-US" b="1" dirty="0"/>
-          </a:p>
-          <a:p>
-            <a:r>
-              <a:rPr lang="en-US" dirty="0"/>
-              <a:t>Ring </a:t>
-            </a:r>
-            <a:r>
-              <a:rPr lang="en-US" dirty="0" smtClean="0"/>
-              <a:t>artefacts</a:t>
-            </a:r>
-          </a:p>
-          <a:p>
-            <a:pPr lvl="1"/>
-            <a:r>
-              <a:rPr lang="en-US" dirty="0" smtClean="0"/>
-              <a:t>Caused by </a:t>
-            </a:r>
-            <a:r>
-              <a:rPr lang="en-US" dirty="0" err="1" smtClean="0"/>
-              <a:t>miscalibrated</a:t>
-            </a:r>
-            <a:r>
-              <a:rPr lang="en-US" dirty="0" smtClean="0"/>
-              <a:t> detector</a:t>
-            </a:r>
-          </a:p>
-          <a:p>
-            <a:pPr lvl="1"/>
-            <a:r>
-              <a:rPr lang="en-US" dirty="0" smtClean="0"/>
-              <a:t>Multiply/Add intensity value by random numbers at the end of the ray</a:t>
-            </a:r>
-          </a:p>
-          <a:p>
-            <a:pPr lvl="1"/>
-            <a:endParaRPr lang="en-US" dirty="0" smtClean="0"/>
-          </a:p>
-          <a:p>
-            <a:r>
-              <a:rPr lang="en-US" dirty="0" smtClean="0"/>
-              <a:t>Poisson Noise</a:t>
-            </a:r>
-          </a:p>
-          <a:p>
-            <a:pPr lvl="1"/>
-            <a:r>
-              <a:rPr lang="en-US" dirty="0" smtClean="0"/>
-              <a:t>Caused by discrete particle nature of light at low X-Ray doses</a:t>
-            </a:r>
-          </a:p>
-          <a:p>
-            <a:pPr lvl="1"/>
-            <a:r>
-              <a:rPr lang="en-US" dirty="0" smtClean="0"/>
-              <a:t>Modify relative </a:t>
-            </a:r>
-            <a:r>
-              <a:rPr lang="en-US" dirty="0"/>
-              <a:t>photon count at the start of </a:t>
-            </a:r>
-            <a:r>
-              <a:rPr lang="en-US" dirty="0" smtClean="0"/>
-              <a:t>the ray</a:t>
-            </a:r>
-          </a:p>
-          <a:p>
-            <a:pPr lvl="1"/>
-            <a:endParaRPr lang="en-US" dirty="0" smtClean="0"/>
-          </a:p>
-          <a:p>
-            <a:r>
-              <a:rPr lang="en-US" dirty="0" smtClean="0"/>
-              <a:t>Motion artefacts</a:t>
-            </a:r>
-          </a:p>
-          <a:p>
-            <a:pPr lvl="1"/>
-            <a:r>
-              <a:rPr lang="en-US" dirty="0" smtClean="0"/>
-              <a:t>Caused by the patient moving during the scan</a:t>
-            </a:r>
-          </a:p>
-          <a:p>
-            <a:pPr lvl="1"/>
-            <a:r>
-              <a:rPr lang="en-US" dirty="0" smtClean="0"/>
-              <a:t>Merge </a:t>
-            </a:r>
-            <a:r>
-              <a:rPr lang="en-US" dirty="0" err="1" smtClean="0"/>
-              <a:t>sinograms</a:t>
-            </a:r>
-            <a:r>
-              <a:rPr lang="en-US" dirty="0" smtClean="0"/>
-              <a:t> from two or more simulation runs</a:t>
-            </a:r>
-            <a:endParaRPr lang="en-US" dirty="0"/>
+            <a:endParaRPr lang="de-DE" b="1" dirty="0"/>
           </a:p>
           <a:p>
             <a:pPr marL="0" indent="0">
               <a:buNone/>
             </a:pPr>
-            <a:endParaRPr lang="en-US" b="1" dirty="0" smtClean="0"/>
+            <a:r>
+              <a:rPr lang="de-DE" sz="1600" b="1" dirty="0" err="1" smtClean="0">
+                <a:latin typeface="Courier New" panose="02070309020205020404" pitchFamily="49" charset="0"/>
+                <a:cs typeface="Courier New" panose="02070309020205020404" pitchFamily="49" charset="0"/>
+              </a:rPr>
+              <a:t>pathToSlice</a:t>
+            </a:r>
+            <a:r>
+              <a:rPr lang="de-DE" sz="1600" b="1" dirty="0" smtClean="0">
+                <a:latin typeface="Courier New" panose="02070309020205020404" pitchFamily="49" charset="0"/>
+                <a:cs typeface="Courier New" panose="02070309020205020404" pitchFamily="49" charset="0"/>
+              </a:rPr>
+              <a:t>=</a:t>
+            </a:r>
+            <a:r>
+              <a:rPr lang="de-DE" sz="1600" b="1" dirty="0" err="1" smtClean="0">
+                <a:latin typeface="Courier New" panose="02070309020205020404" pitchFamily="49" charset="0"/>
+                <a:cs typeface="Courier New" panose="02070309020205020404" pitchFamily="49" charset="0"/>
+              </a:rPr>
+              <a:t>slices</a:t>
+            </a:r>
+            <a:r>
+              <a:rPr lang="de-DE" sz="1600" b="1" dirty="0" smtClean="0">
+                <a:latin typeface="Courier New" panose="02070309020205020404" pitchFamily="49" charset="0"/>
+                <a:cs typeface="Courier New" panose="02070309020205020404" pitchFamily="49" charset="0"/>
+              </a:rPr>
+              <a:t>/Segmentation2</a:t>
+            </a:r>
           </a:p>
           <a:p>
             <a:pPr marL="0" indent="0">
               <a:buNone/>
             </a:pPr>
-            <a:endParaRPr lang="en-US" sz="1600" b="1" dirty="0" smtClean="0"/>
+            <a:r>
+              <a:rPr lang="de-DE" sz="1600" b="1" dirty="0" err="1" smtClean="0">
+                <a:latin typeface="Courier New" panose="02070309020205020404" pitchFamily="49" charset="0"/>
+                <a:cs typeface="Courier New" panose="02070309020205020404" pitchFamily="49" charset="0"/>
+              </a:rPr>
+              <a:t>pathToOutputReconstruction</a:t>
+            </a:r>
+            <a:r>
+              <a:rPr lang="de-DE" sz="1600" b="1" dirty="0" smtClean="0">
+                <a:latin typeface="Courier New" panose="02070309020205020404" pitchFamily="49" charset="0"/>
+                <a:cs typeface="Courier New" panose="02070309020205020404" pitchFamily="49" charset="0"/>
+              </a:rPr>
+              <a:t>=</a:t>
+            </a:r>
+            <a:r>
+              <a:rPr lang="de-DE" sz="1600" b="1" dirty="0" err="1" smtClean="0">
+                <a:latin typeface="Courier New" panose="02070309020205020404" pitchFamily="49" charset="0"/>
+                <a:cs typeface="Courier New" panose="02070309020205020404" pitchFamily="49" charset="0"/>
+              </a:rPr>
+              <a:t>outData.pgm</a:t>
+            </a:r>
+            <a:endParaRPr lang="de-DE" sz="1600" b="1" dirty="0" smtClean="0">
+              <a:latin typeface="Courier New" panose="02070309020205020404" pitchFamily="49" charset="0"/>
+              <a:cs typeface="Courier New" panose="02070309020205020404" pitchFamily="49" charset="0"/>
+            </a:endParaRPr>
           </a:p>
           <a:p>
             <a:pPr marL="0" indent="0">
               <a:buNone/>
             </a:pPr>
-            <a:endParaRPr lang="en-US" sz="1600" b="1" dirty="0">
+            <a:r>
+              <a:rPr lang="de-DE" sz="1600" b="1" dirty="0" err="1" smtClean="0">
+                <a:latin typeface="Courier New" panose="02070309020205020404" pitchFamily="49" charset="0"/>
+                <a:cs typeface="Courier New" panose="02070309020205020404" pitchFamily="49" charset="0"/>
+              </a:rPr>
+              <a:t>pathToOutputSinogram</a:t>
+            </a:r>
+            <a:r>
+              <a:rPr lang="de-DE" sz="1600" b="1" dirty="0" smtClean="0">
+                <a:latin typeface="Courier New" panose="02070309020205020404" pitchFamily="49" charset="0"/>
+                <a:cs typeface="Courier New" panose="02070309020205020404" pitchFamily="49" charset="0"/>
+              </a:rPr>
+              <a:t>=</a:t>
+            </a:r>
+            <a:r>
+              <a:rPr lang="de-DE" sz="1600" b="1" dirty="0" err="1" smtClean="0">
+                <a:latin typeface="Courier New" panose="02070309020205020404" pitchFamily="49" charset="0"/>
+                <a:cs typeface="Courier New" panose="02070309020205020404" pitchFamily="49" charset="0"/>
+              </a:rPr>
+              <a:t>simulatedSinogram.pgm</a:t>
+            </a:r>
+            <a:endParaRPr lang="de-DE" sz="1600" b="1" dirty="0" smtClean="0">
               <a:latin typeface="Courier New" panose="02070309020205020404" pitchFamily="49" charset="0"/>
               <a:cs typeface="Courier New" panose="02070309020205020404" pitchFamily="49" charset="0"/>
             </a:endParaRPr>
+          </a:p>
+          <a:p>
+            <a:pPr marL="0" indent="0">
+              <a:buNone/>
+            </a:pPr>
+            <a:r>
+              <a:rPr lang="de-DE" sz="1600" b="1" dirty="0" err="1" smtClean="0">
+                <a:latin typeface="Courier New" panose="02070309020205020404" pitchFamily="49" charset="0"/>
+                <a:cs typeface="Courier New" panose="02070309020205020404" pitchFamily="49" charset="0"/>
+              </a:rPr>
+              <a:t>pathToXRaySpectra</a:t>
+            </a:r>
+            <a:r>
+              <a:rPr lang="de-DE" sz="1600" b="1" dirty="0" smtClean="0">
+                <a:latin typeface="Courier New" panose="02070309020205020404" pitchFamily="49" charset="0"/>
+                <a:cs typeface="Courier New" panose="02070309020205020404" pitchFamily="49" charset="0"/>
+              </a:rPr>
+              <a:t>=Data/</a:t>
+            </a:r>
+            <a:r>
+              <a:rPr lang="de-DE" sz="1600" b="1" dirty="0" err="1" smtClean="0">
+                <a:latin typeface="Courier New" panose="02070309020205020404" pitchFamily="49" charset="0"/>
+                <a:cs typeface="Courier New" panose="02070309020205020404" pitchFamily="49" charset="0"/>
+              </a:rPr>
+              <a:t>XRaySpectra</a:t>
+            </a:r>
+            <a:endParaRPr lang="de-DE" sz="1600" b="1" dirty="0" smtClean="0">
+              <a:latin typeface="Courier New" panose="02070309020205020404" pitchFamily="49" charset="0"/>
+              <a:cs typeface="Courier New" panose="02070309020205020404" pitchFamily="49" charset="0"/>
+            </a:endParaRPr>
+          </a:p>
+          <a:p>
+            <a:pPr marL="0" indent="0">
+              <a:buNone/>
+            </a:pPr>
+            <a:r>
+              <a:rPr lang="de-DE" sz="1600" b="1" dirty="0" err="1" smtClean="0">
+                <a:latin typeface="Courier New" panose="02070309020205020404" pitchFamily="49" charset="0"/>
+                <a:cs typeface="Courier New" panose="02070309020205020404" pitchFamily="49" charset="0"/>
+              </a:rPr>
+              <a:t>minEnergy</a:t>
+            </a:r>
+            <a:r>
+              <a:rPr lang="de-DE" sz="1600" b="1" dirty="0" smtClean="0">
+                <a:latin typeface="Courier New" panose="02070309020205020404" pitchFamily="49" charset="0"/>
+                <a:cs typeface="Courier New" panose="02070309020205020404" pitchFamily="49" charset="0"/>
+              </a:rPr>
+              <a:t>=20</a:t>
+            </a:r>
+          </a:p>
+          <a:p>
+            <a:pPr marL="0" indent="0">
+              <a:buNone/>
+            </a:pPr>
+            <a:r>
+              <a:rPr lang="de-DE" sz="1600" b="1" dirty="0" err="1" smtClean="0">
+                <a:latin typeface="Courier New" panose="02070309020205020404" pitchFamily="49" charset="0"/>
+                <a:cs typeface="Courier New" panose="02070309020205020404" pitchFamily="49" charset="0"/>
+              </a:rPr>
+              <a:t>maxEnergy</a:t>
+            </a:r>
+            <a:r>
+              <a:rPr lang="de-DE" sz="1600" b="1" dirty="0" smtClean="0">
+                <a:latin typeface="Courier New" panose="02070309020205020404" pitchFamily="49" charset="0"/>
+                <a:cs typeface="Courier New" panose="02070309020205020404" pitchFamily="49" charset="0"/>
+              </a:rPr>
+              <a:t>=140</a:t>
+            </a:r>
+          </a:p>
+          <a:p>
+            <a:pPr marL="0" indent="0">
+              <a:buNone/>
+            </a:pPr>
+            <a:r>
+              <a:rPr lang="de-DE" sz="1600" b="1" dirty="0" err="1" smtClean="0">
+                <a:latin typeface="Courier New" panose="02070309020205020404" pitchFamily="49" charset="0"/>
+                <a:cs typeface="Courier New" panose="02070309020205020404" pitchFamily="49" charset="0"/>
+              </a:rPr>
+              <a:t>energyLevels</a:t>
+            </a:r>
+            <a:r>
+              <a:rPr lang="de-DE" sz="1600" b="1" dirty="0" smtClean="0">
+                <a:latin typeface="Courier New" panose="02070309020205020404" pitchFamily="49" charset="0"/>
+                <a:cs typeface="Courier New" panose="02070309020205020404" pitchFamily="49" charset="0"/>
+              </a:rPr>
+              <a:t>=8</a:t>
+            </a:r>
+          </a:p>
+          <a:p>
+            <a:pPr marL="0" indent="0">
+              <a:buNone/>
+            </a:pPr>
+            <a:r>
+              <a:rPr lang="de-DE" sz="1600" b="1" dirty="0" err="1" smtClean="0">
+                <a:latin typeface="Courier New" panose="02070309020205020404" pitchFamily="49" charset="0"/>
+                <a:cs typeface="Courier New" panose="02070309020205020404" pitchFamily="49" charset="0"/>
+              </a:rPr>
+              <a:t>numberOfProjectionAngles</a:t>
+            </a:r>
+            <a:r>
+              <a:rPr lang="de-DE" sz="1600" b="1" dirty="0" smtClean="0">
+                <a:latin typeface="Courier New" panose="02070309020205020404" pitchFamily="49" charset="0"/>
+                <a:cs typeface="Courier New" panose="02070309020205020404" pitchFamily="49" charset="0"/>
+              </a:rPr>
+              <a:t>=64</a:t>
+            </a:r>
+          </a:p>
+          <a:p>
+            <a:pPr marL="0" indent="0">
+              <a:buNone/>
+            </a:pPr>
+            <a:r>
+              <a:rPr lang="de-DE" sz="1600" b="1" dirty="0" err="1" smtClean="0">
+                <a:latin typeface="Courier New" panose="02070309020205020404" pitchFamily="49" charset="0"/>
+                <a:cs typeface="Courier New" panose="02070309020205020404" pitchFamily="49" charset="0"/>
+              </a:rPr>
+              <a:t>numberOfThreads</a:t>
+            </a:r>
+            <a:r>
+              <a:rPr lang="de-DE" sz="1600" b="1" dirty="0" smtClean="0">
+                <a:latin typeface="Courier New" panose="02070309020205020404" pitchFamily="49" charset="0"/>
+                <a:cs typeface="Courier New" panose="02070309020205020404" pitchFamily="49" charset="0"/>
+              </a:rPr>
+              <a:t>=4</a:t>
+            </a:r>
+          </a:p>
+          <a:p>
+            <a:pPr marL="0" indent="0">
+              <a:buNone/>
+            </a:pPr>
+            <a:r>
+              <a:rPr lang="de-DE" sz="1600" b="1" dirty="0" err="1" smtClean="0">
+                <a:latin typeface="Courier New" panose="02070309020205020404" pitchFamily="49" charset="0"/>
+                <a:cs typeface="Courier New" panose="02070309020205020404" pitchFamily="49" charset="0"/>
+              </a:rPr>
+              <a:t>tubeEnergy</a:t>
+            </a:r>
+            <a:r>
+              <a:rPr lang="de-DE" sz="1600" b="1" dirty="0" smtClean="0">
+                <a:latin typeface="Courier New" panose="02070309020205020404" pitchFamily="49" charset="0"/>
+                <a:cs typeface="Courier New" panose="02070309020205020404" pitchFamily="49" charset="0"/>
+              </a:rPr>
+              <a:t>=140</a:t>
+            </a:r>
+          </a:p>
+          <a:p>
+            <a:pPr marL="0" indent="0">
+              <a:buNone/>
+            </a:pPr>
+            <a:r>
+              <a:rPr lang="de-DE" sz="1600" b="1" dirty="0" err="1" smtClean="0">
+                <a:latin typeface="Courier New" panose="02070309020205020404" pitchFamily="49" charset="0"/>
+                <a:cs typeface="Courier New" panose="02070309020205020404" pitchFamily="49" charset="0"/>
+              </a:rPr>
+              <a:t>detectorThreshold</a:t>
+            </a:r>
+            <a:r>
+              <a:rPr lang="de-DE" sz="1600" b="1" dirty="0" smtClean="0">
+                <a:latin typeface="Courier New" panose="02070309020205020404" pitchFamily="49" charset="0"/>
+                <a:cs typeface="Courier New" panose="02070309020205020404" pitchFamily="49" charset="0"/>
+              </a:rPr>
+              <a:t>=100</a:t>
+            </a:r>
+          </a:p>
+          <a:p>
+            <a:pPr marL="0" indent="0">
+              <a:buNone/>
+            </a:pPr>
+            <a:r>
+              <a:rPr lang="de-DE" sz="1600" b="1" dirty="0" err="1" smtClean="0">
+                <a:latin typeface="Courier New" panose="02070309020205020404" pitchFamily="49" charset="0"/>
+                <a:cs typeface="Courier New" panose="02070309020205020404" pitchFamily="49" charset="0"/>
+              </a:rPr>
+              <a:t>attenuationMultiplicator</a:t>
+            </a:r>
+            <a:r>
+              <a:rPr lang="de-DE" sz="1600" b="1" dirty="0" smtClean="0">
+                <a:latin typeface="Courier New" panose="02070309020205020404" pitchFamily="49" charset="0"/>
+                <a:cs typeface="Courier New" panose="02070309020205020404" pitchFamily="49" charset="0"/>
+              </a:rPr>
+              <a:t>=10</a:t>
+            </a:r>
           </a:p>
           <a:p>
             <a:pPr marL="0" indent="0">
@@ -6706,6 +6543,1579 @@
                 <a:defRPr/>
               </a:pPr>
               <a:t>12</a:t>
+            </a:fld>
+            <a:endParaRPr lang="de-DE" altLang="de-DE"/>
+          </a:p>
+        </p:txBody>
+      </p:sp>
+    </p:spTree>
+    <p:extLst>
+      <p:ext uri="{BB962C8B-B14F-4D97-AF65-F5344CB8AC3E}">
+        <p14:creationId xmlns:p14="http://schemas.microsoft.com/office/powerpoint/2010/main" val="1409757352"/>
+      </p:ext>
+    </p:extLst>
+  </p:cSld>
+  <p:clrMapOvr>
+    <a:masterClrMapping/>
+  </p:clrMapOvr>
+  <p:timing>
+    <p:tnLst>
+      <p:par>
+        <p:cTn id="1" dur="indefinite" restart="never" nodeType="tmRoot"/>
+      </p:par>
+    </p:tnLst>
+  </p:timing>
+</p:sld>
+</file>
+
+<file path=ppt/slides/slide13.xml><?xml version="1.0" encoding="utf-8"?>
+<p:sld xmlns:a="http://schemas.openxmlformats.org/drawingml/2006/main" xmlns:r="http://schemas.openxmlformats.org/officeDocument/2006/relationships" xmlns:p="http://schemas.openxmlformats.org/presentationml/2006/main">
+  <p:cSld>
+    <p:spTree>
+      <p:nvGrpSpPr>
+        <p:cNvPr id="1" name=""/>
+        <p:cNvGrpSpPr/>
+        <p:nvPr/>
+      </p:nvGrpSpPr>
+      <p:grpSpPr>
+        <a:xfrm>
+          <a:off x="0" y="0"/>
+          <a:ext cx="0" cy="0"/>
+          <a:chOff x="0" y="0"/>
+          <a:chExt cx="0" cy="0"/>
+        </a:xfrm>
+      </p:grpSpPr>
+      <p:sp>
+        <p:nvSpPr>
+          <p:cNvPr id="2" name="Titel 1"/>
+          <p:cNvSpPr>
+            <a:spLocks noGrp="1"/>
+          </p:cNvSpPr>
+          <p:nvPr>
+            <p:ph type="title"/>
+          </p:nvPr>
+        </p:nvSpPr>
+        <p:spPr/>
+        <p:txBody>
+          <a:bodyPr/>
+          <a:lstStyle/>
+          <a:p>
+            <a:r>
+              <a:rPr lang="de-DE" dirty="0"/>
+              <a:t>Simulation </a:t>
+            </a:r>
+            <a:r>
+              <a:rPr lang="de-DE" dirty="0" err="1"/>
+              <a:t>of</a:t>
+            </a:r>
+            <a:r>
+              <a:rPr lang="de-DE" dirty="0"/>
+              <a:t> CT</a:t>
+            </a:r>
+          </a:p>
+        </p:txBody>
+      </p:sp>
+      <p:sp>
+        <p:nvSpPr>
+          <p:cNvPr id="3" name="Inhaltsplatzhalter 2"/>
+          <p:cNvSpPr>
+            <a:spLocks noGrp="1"/>
+          </p:cNvSpPr>
+          <p:nvPr>
+            <p:ph idx="1"/>
+          </p:nvPr>
+        </p:nvSpPr>
+        <p:spPr/>
+        <p:txBody>
+          <a:bodyPr/>
+          <a:lstStyle/>
+          <a:p>
+            <a:pPr marL="0" indent="0">
+              <a:buNone/>
+            </a:pPr>
+            <a:r>
+              <a:rPr lang="en-US" b="1" dirty="0"/>
+              <a:t>Miscellaneous parts of the </a:t>
+            </a:r>
+            <a:r>
+              <a:rPr lang="en-US" b="1" dirty="0" smtClean="0"/>
+              <a:t>simulator</a:t>
+            </a:r>
+          </a:p>
+          <a:p>
+            <a:pPr marL="0" indent="0">
+              <a:buNone/>
+            </a:pPr>
+            <a:endParaRPr lang="en-US" b="1" dirty="0"/>
+          </a:p>
+          <a:p>
+            <a:r>
+              <a:rPr lang="en-US" dirty="0" smtClean="0"/>
+              <a:t>Out paradigm was not to rely on any third party libraries</a:t>
+            </a:r>
+          </a:p>
+          <a:p>
+            <a:pPr lvl="1"/>
+            <a:r>
+              <a:rPr lang="en-US" dirty="0" smtClean="0"/>
+              <a:t>So </a:t>
+            </a:r>
+            <a:r>
+              <a:rPr lang="de-DE" dirty="0" err="1"/>
+              <a:t>some</a:t>
+            </a:r>
+            <a:r>
+              <a:rPr lang="de-DE" dirty="0"/>
+              <a:t> </a:t>
+            </a:r>
+            <a:r>
+              <a:rPr lang="de-DE" dirty="0" err="1" smtClean="0"/>
+              <a:t>more</a:t>
+            </a:r>
+            <a:r>
+              <a:rPr lang="de-DE" dirty="0" smtClean="0"/>
+              <a:t> </a:t>
+            </a:r>
+            <a:r>
+              <a:rPr lang="de-DE" dirty="0" err="1" smtClean="0"/>
+              <a:t>code</a:t>
+            </a:r>
+            <a:r>
+              <a:rPr lang="de-DE" dirty="0" smtClean="0"/>
+              <a:t> </a:t>
+            </a:r>
+            <a:r>
+              <a:rPr lang="de-DE" dirty="0" err="1" smtClean="0"/>
+              <a:t>had</a:t>
+            </a:r>
+            <a:r>
+              <a:rPr lang="de-DE" dirty="0" smtClean="0"/>
+              <a:t> </a:t>
+            </a:r>
+            <a:r>
+              <a:rPr lang="de-DE" dirty="0" err="1"/>
+              <a:t>to</a:t>
+            </a:r>
+            <a:r>
+              <a:rPr lang="de-DE" dirty="0"/>
+              <a:t> </a:t>
+            </a:r>
+            <a:r>
+              <a:rPr lang="de-DE" dirty="0" err="1"/>
+              <a:t>be</a:t>
+            </a:r>
+            <a:r>
+              <a:rPr lang="de-DE" dirty="0"/>
+              <a:t> </a:t>
+            </a:r>
+            <a:r>
+              <a:rPr lang="de-DE" dirty="0" err="1" smtClean="0"/>
+              <a:t>implemented</a:t>
+            </a:r>
+            <a:r>
+              <a:rPr lang="de-DE" dirty="0" smtClean="0"/>
+              <a:t>…</a:t>
+            </a:r>
+            <a:endParaRPr lang="en-US" dirty="0" smtClean="0"/>
+          </a:p>
+          <a:p>
+            <a:pPr marL="0" indent="0">
+              <a:buNone/>
+            </a:pPr>
+            <a:endParaRPr lang="en-US" sz="1600" b="1" dirty="0">
+              <a:latin typeface="Courier New" panose="02070309020205020404" pitchFamily="49" charset="0"/>
+              <a:cs typeface="Courier New" panose="02070309020205020404" pitchFamily="49" charset="0"/>
+            </a:endParaRPr>
+          </a:p>
+          <a:p>
+            <a:r>
+              <a:rPr lang="en-US" sz="1600" dirty="0" smtClean="0">
+                <a:cs typeface="Courier New" panose="02070309020205020404" pitchFamily="49" charset="0"/>
+              </a:rPr>
+              <a:t>Own logger (inspired by loggers like log4j)</a:t>
+            </a:r>
+          </a:p>
+          <a:p>
+            <a:pPr lvl="1"/>
+            <a:r>
+              <a:rPr lang="en-US" sz="1200" dirty="0" smtClean="0">
+                <a:cs typeface="Courier New" panose="02070309020205020404" pitchFamily="49" charset="0"/>
+              </a:rPr>
+              <a:t>Different </a:t>
+            </a:r>
+            <a:r>
+              <a:rPr lang="en-US" sz="1200" dirty="0" err="1" smtClean="0">
+                <a:cs typeface="Courier New" panose="02070309020205020404" pitchFamily="49" charset="0"/>
+              </a:rPr>
+              <a:t>loglevels</a:t>
+            </a:r>
+            <a:r>
+              <a:rPr lang="en-US" sz="1200" dirty="0" smtClean="0">
+                <a:cs typeface="Courier New" panose="02070309020205020404" pitchFamily="49" charset="0"/>
+              </a:rPr>
+              <a:t>: </a:t>
+            </a:r>
+            <a:r>
+              <a:rPr lang="en-US" dirty="0" smtClean="0">
+                <a:latin typeface="Courier New" panose="02070309020205020404" pitchFamily="49" charset="0"/>
+                <a:cs typeface="Courier New" panose="02070309020205020404" pitchFamily="49" charset="0"/>
+              </a:rPr>
+              <a:t>ALL </a:t>
+            </a:r>
+            <a:r>
+              <a:rPr lang="en-US" dirty="0">
+                <a:latin typeface="Courier New" panose="02070309020205020404" pitchFamily="49" charset="0"/>
+                <a:cs typeface="Courier New" panose="02070309020205020404" pitchFamily="49" charset="0"/>
+              </a:rPr>
+              <a:t>&gt; TRACE &gt; DEBUG &gt; INFO &gt; WARN &gt; ERR &gt; FATAL &gt; </a:t>
+            </a:r>
+            <a:r>
+              <a:rPr lang="en-US" dirty="0" smtClean="0">
+                <a:latin typeface="Courier New" panose="02070309020205020404" pitchFamily="49" charset="0"/>
+                <a:cs typeface="Courier New" panose="02070309020205020404" pitchFamily="49" charset="0"/>
+              </a:rPr>
+              <a:t>OFF</a:t>
+            </a:r>
+          </a:p>
+          <a:p>
+            <a:pPr lvl="1"/>
+            <a:r>
+              <a:rPr lang="en-US" dirty="0" smtClean="0">
+                <a:cs typeface="Courier New" panose="02070309020205020404" pitchFamily="49" charset="0"/>
+              </a:rPr>
+              <a:t>Heavily relies on macros to guarantee no major impact on performance</a:t>
+            </a:r>
+          </a:p>
+          <a:p>
+            <a:pPr lvl="1"/>
+            <a:r>
+              <a:rPr lang="en-US" dirty="0">
+                <a:cs typeface="Courier New" panose="02070309020205020404" pitchFamily="49" charset="0"/>
+              </a:rPr>
+              <a:t>Outputs </a:t>
+            </a:r>
+            <a:r>
+              <a:rPr lang="en-US" dirty="0" err="1">
+                <a:cs typeface="Courier New" panose="02070309020205020404" pitchFamily="49" charset="0"/>
+              </a:rPr>
+              <a:t>loglevel</a:t>
+            </a:r>
+            <a:r>
+              <a:rPr lang="en-US" dirty="0">
+                <a:cs typeface="Courier New" panose="02070309020205020404" pitchFamily="49" charset="0"/>
+              </a:rPr>
+              <a:t>, source </a:t>
+            </a:r>
+            <a:r>
+              <a:rPr lang="en-US" dirty="0" smtClean="0">
+                <a:cs typeface="Courier New" panose="02070309020205020404" pitchFamily="49" charset="0"/>
+              </a:rPr>
+              <a:t>code file</a:t>
+            </a:r>
+            <a:r>
+              <a:rPr lang="en-US" dirty="0">
+                <a:cs typeface="Courier New" panose="02070309020205020404" pitchFamily="49" charset="0"/>
+              </a:rPr>
+              <a:t>, function, line and message</a:t>
+            </a:r>
+            <a:r>
+              <a:rPr lang="en-US" dirty="0" smtClean="0">
+                <a:cs typeface="Courier New" panose="02070309020205020404" pitchFamily="49" charset="0"/>
+              </a:rPr>
+              <a:t>. In “verbose mode”</a:t>
+            </a:r>
+          </a:p>
+          <a:p>
+            <a:pPr lvl="1"/>
+            <a:r>
+              <a:rPr lang="en-US" dirty="0" smtClean="0">
+                <a:cs typeface="Courier New" panose="02070309020205020404" pitchFamily="49" charset="0"/>
+              </a:rPr>
+              <a:t>Can also write output to file</a:t>
+            </a:r>
+          </a:p>
+          <a:p>
+            <a:pPr lvl="1"/>
+            <a:endParaRPr lang="en-US" dirty="0">
+              <a:cs typeface="Courier New" panose="02070309020205020404" pitchFamily="49" charset="0"/>
+            </a:endParaRPr>
+          </a:p>
+          <a:p>
+            <a:r>
+              <a:rPr lang="de-DE" dirty="0">
+                <a:cs typeface="Courier New" panose="02070309020205020404" pitchFamily="49" charset="0"/>
+              </a:rPr>
+              <a:t>Image </a:t>
+            </a:r>
+            <a:r>
+              <a:rPr lang="de-DE" dirty="0" err="1">
+                <a:cs typeface="Courier New" panose="02070309020205020404" pitchFamily="49" charset="0"/>
+              </a:rPr>
+              <a:t>reading</a:t>
+            </a:r>
+            <a:r>
+              <a:rPr lang="de-DE" dirty="0">
+                <a:cs typeface="Courier New" panose="02070309020205020404" pitchFamily="49" charset="0"/>
+              </a:rPr>
+              <a:t> </a:t>
+            </a:r>
+            <a:r>
+              <a:rPr lang="de-DE" dirty="0" err="1">
+                <a:cs typeface="Courier New" panose="02070309020205020404" pitchFamily="49" charset="0"/>
+              </a:rPr>
+              <a:t>and</a:t>
+            </a:r>
+            <a:r>
+              <a:rPr lang="de-DE" dirty="0">
+                <a:cs typeface="Courier New" panose="02070309020205020404" pitchFamily="49" charset="0"/>
+              </a:rPr>
+              <a:t> </a:t>
+            </a:r>
+            <a:r>
+              <a:rPr lang="de-DE" dirty="0" err="1" smtClean="0">
+                <a:cs typeface="Courier New" panose="02070309020205020404" pitchFamily="49" charset="0"/>
+              </a:rPr>
+              <a:t>writing</a:t>
+            </a:r>
+            <a:endParaRPr lang="de-DE" dirty="0" smtClean="0">
+              <a:cs typeface="Courier New" panose="02070309020205020404" pitchFamily="49" charset="0"/>
+            </a:endParaRPr>
+          </a:p>
+          <a:p>
+            <a:pPr lvl="1"/>
+            <a:r>
+              <a:rPr lang="en-US" dirty="0"/>
+              <a:t>portable </a:t>
+            </a:r>
+            <a:r>
+              <a:rPr lang="en-US" dirty="0" err="1"/>
+              <a:t>graymap</a:t>
+            </a:r>
+            <a:r>
+              <a:rPr lang="en-US" dirty="0"/>
+              <a:t> format </a:t>
+            </a:r>
+            <a:r>
+              <a:rPr lang="en-US" sz="1600" dirty="0">
+                <a:latin typeface="Courier New" panose="02070309020205020404" pitchFamily="49" charset="0"/>
+                <a:cs typeface="Courier New" panose="02070309020205020404" pitchFamily="49" charset="0"/>
+              </a:rPr>
+              <a:t>.</a:t>
+            </a:r>
+            <a:r>
+              <a:rPr lang="en-US" sz="1600" dirty="0" err="1" smtClean="0">
+                <a:latin typeface="Courier New" panose="02070309020205020404" pitchFamily="49" charset="0"/>
+                <a:cs typeface="Courier New" panose="02070309020205020404" pitchFamily="49" charset="0"/>
+              </a:rPr>
+              <a:t>pgm</a:t>
+            </a:r>
+            <a:r>
+              <a:rPr lang="en-US" sz="1600" dirty="0">
+                <a:latin typeface="Courier New" panose="02070309020205020404" pitchFamily="49" charset="0"/>
+                <a:cs typeface="Courier New" panose="02070309020205020404" pitchFamily="49" charset="0"/>
+              </a:rPr>
+              <a:t> </a:t>
+            </a:r>
+            <a:r>
+              <a:rPr lang="en-US" dirty="0" smtClean="0"/>
+              <a:t>(Portable </a:t>
+            </a:r>
+            <a:r>
+              <a:rPr lang="de-DE" dirty="0" err="1" smtClean="0"/>
+              <a:t>Anymap</a:t>
+            </a:r>
+            <a:r>
+              <a:rPr lang="de-DE" dirty="0" smtClean="0"/>
+              <a:t> </a:t>
+            </a:r>
+            <a:r>
+              <a:rPr lang="de-DE" dirty="0" err="1"/>
+              <a:t>or</a:t>
+            </a:r>
+            <a:r>
+              <a:rPr lang="de-DE" dirty="0"/>
+              <a:t> </a:t>
+            </a:r>
+            <a:r>
+              <a:rPr lang="de-DE" dirty="0" err="1"/>
+              <a:t>Netpbm</a:t>
+            </a:r>
+            <a:r>
+              <a:rPr lang="de-DE" dirty="0"/>
+              <a:t> </a:t>
+            </a:r>
+            <a:r>
+              <a:rPr lang="de-DE" dirty="0" err="1" smtClean="0"/>
+              <a:t>format</a:t>
+            </a:r>
+            <a:r>
+              <a:rPr lang="de-DE" dirty="0" smtClean="0"/>
+              <a:t>)</a:t>
+            </a:r>
+          </a:p>
+          <a:p>
+            <a:pPr lvl="1"/>
+            <a:r>
+              <a:rPr lang="de-DE" dirty="0" err="1" smtClean="0"/>
+              <a:t>One</a:t>
+            </a:r>
+            <a:r>
+              <a:rPr lang="de-DE" dirty="0" smtClean="0"/>
+              <a:t> </a:t>
+            </a:r>
+            <a:r>
+              <a:rPr lang="de-DE" dirty="0" err="1" smtClean="0"/>
+              <a:t>of</a:t>
+            </a:r>
+            <a:r>
+              <a:rPr lang="de-DE" dirty="0" smtClean="0"/>
+              <a:t> </a:t>
+            </a:r>
+            <a:r>
+              <a:rPr lang="de-DE" dirty="0" err="1" smtClean="0"/>
+              <a:t>the</a:t>
+            </a:r>
+            <a:r>
+              <a:rPr lang="de-DE" dirty="0" smtClean="0"/>
+              <a:t> </a:t>
+            </a:r>
+            <a:r>
+              <a:rPr lang="de-DE" dirty="0" err="1" smtClean="0"/>
+              <a:t>easiest</a:t>
+            </a:r>
+            <a:r>
+              <a:rPr lang="de-DE" dirty="0" smtClean="0"/>
+              <a:t> </a:t>
+            </a:r>
+            <a:r>
+              <a:rPr lang="de-DE" dirty="0" err="1" smtClean="0"/>
+              <a:t>image</a:t>
+            </a:r>
+            <a:r>
+              <a:rPr lang="de-DE" dirty="0" smtClean="0"/>
+              <a:t> </a:t>
+            </a:r>
+            <a:r>
+              <a:rPr lang="de-DE" dirty="0" err="1" smtClean="0"/>
+              <a:t>formats</a:t>
+            </a:r>
+            <a:endParaRPr lang="de-DE" dirty="0" smtClean="0"/>
+          </a:p>
+          <a:p>
+            <a:pPr lvl="2"/>
+            <a:r>
+              <a:rPr lang="de-DE" dirty="0" smtClean="0"/>
+              <a:t>Super </a:t>
+            </a:r>
+            <a:r>
+              <a:rPr lang="de-DE" dirty="0" err="1" smtClean="0"/>
+              <a:t>short</a:t>
+            </a:r>
+            <a:r>
+              <a:rPr lang="de-DE" dirty="0" smtClean="0"/>
+              <a:t> </a:t>
+            </a:r>
+            <a:r>
+              <a:rPr lang="de-DE" dirty="0" err="1" smtClean="0"/>
+              <a:t>header</a:t>
+            </a:r>
+            <a:r>
+              <a:rPr lang="de-DE" dirty="0" smtClean="0"/>
+              <a:t> </a:t>
+            </a:r>
+            <a:r>
+              <a:rPr lang="de-DE" dirty="0" err="1" smtClean="0"/>
+              <a:t>followed</a:t>
+            </a:r>
+            <a:r>
+              <a:rPr lang="de-DE" dirty="0" smtClean="0"/>
+              <a:t> </a:t>
+            </a:r>
+            <a:r>
+              <a:rPr lang="de-DE" dirty="0" err="1" smtClean="0"/>
+              <a:t>by</a:t>
+            </a:r>
+            <a:r>
+              <a:rPr lang="de-DE" dirty="0" smtClean="0"/>
+              <a:t> </a:t>
+            </a:r>
+            <a:r>
+              <a:rPr lang="de-DE" dirty="0" err="1" smtClean="0"/>
+              <a:t>color</a:t>
+            </a:r>
+            <a:r>
+              <a:rPr lang="de-DE" dirty="0" smtClean="0"/>
+              <a:t> </a:t>
+            </a:r>
+            <a:r>
+              <a:rPr lang="de-DE" dirty="0" err="1" smtClean="0"/>
+              <a:t>values</a:t>
+            </a:r>
+            <a:r>
+              <a:rPr lang="de-DE" dirty="0" smtClean="0"/>
+              <a:t> in ASCII </a:t>
+            </a:r>
+            <a:r>
+              <a:rPr lang="de-DE" dirty="0" err="1" smtClean="0"/>
+              <a:t>separated</a:t>
+            </a:r>
+            <a:r>
+              <a:rPr lang="de-DE" dirty="0" smtClean="0"/>
+              <a:t> </a:t>
+            </a:r>
+            <a:r>
+              <a:rPr lang="de-DE" dirty="0" err="1" smtClean="0"/>
+              <a:t>by</a:t>
+            </a:r>
+            <a:r>
+              <a:rPr lang="de-DE" dirty="0" smtClean="0"/>
+              <a:t> </a:t>
+            </a:r>
+            <a:r>
+              <a:rPr lang="de-DE" dirty="0" err="1" smtClean="0"/>
+              <a:t>whitespaces</a:t>
+            </a:r>
+            <a:endParaRPr lang="de-DE" dirty="0"/>
+          </a:p>
+          <a:p>
+            <a:pPr marL="0" indent="0">
+              <a:buNone/>
+            </a:pPr>
+            <a:endParaRPr lang="de-DE" dirty="0"/>
+          </a:p>
+        </p:txBody>
+      </p:sp>
+      <p:sp>
+        <p:nvSpPr>
+          <p:cNvPr id="4" name="Fußzeilenplatzhalter 3"/>
+          <p:cNvSpPr>
+            <a:spLocks noGrp="1"/>
+          </p:cNvSpPr>
+          <p:nvPr>
+            <p:ph type="ftr" sz="quarter" idx="11"/>
+          </p:nvPr>
+        </p:nvSpPr>
+        <p:spPr/>
+        <p:txBody>
+          <a:bodyPr/>
+          <a:lstStyle/>
+          <a:p>
+            <a:pPr>
+              <a:defRPr/>
+            </a:pPr>
+            <a:r>
+              <a:rPr lang="en-US" altLang="de-DE" smtClean="0"/>
+              <a:t>Simulation of CT metal artefacts </a:t>
+            </a:r>
+            <a:r>
+              <a:rPr lang="de-DE" smtClean="0"/>
+              <a:t>– Alexander Winkler</a:t>
+            </a:r>
+            <a:endParaRPr lang="de-DE" dirty="0"/>
+          </a:p>
+        </p:txBody>
+      </p:sp>
+      <p:sp>
+        <p:nvSpPr>
+          <p:cNvPr id="5" name="Foliennummernplatzhalter 4"/>
+          <p:cNvSpPr>
+            <a:spLocks noGrp="1"/>
+          </p:cNvSpPr>
+          <p:nvPr>
+            <p:ph type="sldNum" sz="quarter" idx="12"/>
+          </p:nvPr>
+        </p:nvSpPr>
+        <p:spPr/>
+        <p:txBody>
+          <a:bodyPr/>
+          <a:lstStyle/>
+          <a:p>
+            <a:pPr>
+              <a:defRPr/>
+            </a:pPr>
+            <a:fld id="{9138EDDC-C098-49BB-8518-65BF03D04AD4}" type="slidenum">
+              <a:rPr lang="de-DE" altLang="de-DE" smtClean="0"/>
+              <a:pPr>
+                <a:defRPr/>
+              </a:pPr>
+              <a:t>13</a:t>
+            </a:fld>
+            <a:endParaRPr lang="de-DE" altLang="de-DE"/>
+          </a:p>
+        </p:txBody>
+      </p:sp>
+    </p:spTree>
+    <p:extLst>
+      <p:ext uri="{BB962C8B-B14F-4D97-AF65-F5344CB8AC3E}">
+        <p14:creationId xmlns:p14="http://schemas.microsoft.com/office/powerpoint/2010/main" val="412523310"/>
+      </p:ext>
+    </p:extLst>
+  </p:cSld>
+  <p:clrMapOvr>
+    <a:masterClrMapping/>
+  </p:clrMapOvr>
+  <p:timing>
+    <p:tnLst>
+      <p:par>
+        <p:cTn id="1" dur="indefinite" restart="never" nodeType="tmRoot"/>
+      </p:par>
+    </p:tnLst>
+  </p:timing>
+</p:sld>
+</file>
+
+<file path=ppt/slides/slide14.xml><?xml version="1.0" encoding="utf-8"?>
+<p:sld xmlns:a="http://schemas.openxmlformats.org/drawingml/2006/main" xmlns:r="http://schemas.openxmlformats.org/officeDocument/2006/relationships" xmlns:p="http://schemas.openxmlformats.org/presentationml/2006/main">
+  <p:cSld>
+    <p:spTree>
+      <p:nvGrpSpPr>
+        <p:cNvPr id="1" name=""/>
+        <p:cNvGrpSpPr/>
+        <p:nvPr/>
+      </p:nvGrpSpPr>
+      <p:grpSpPr>
+        <a:xfrm>
+          <a:off x="0" y="0"/>
+          <a:ext cx="0" cy="0"/>
+          <a:chOff x="0" y="0"/>
+          <a:chExt cx="0" cy="0"/>
+        </a:xfrm>
+      </p:grpSpPr>
+      <p:sp>
+        <p:nvSpPr>
+          <p:cNvPr id="2" name="Titel 1"/>
+          <p:cNvSpPr>
+            <a:spLocks noGrp="1"/>
+          </p:cNvSpPr>
+          <p:nvPr>
+            <p:ph type="title"/>
+          </p:nvPr>
+        </p:nvSpPr>
+        <p:spPr/>
+        <p:txBody>
+          <a:bodyPr/>
+          <a:lstStyle/>
+          <a:p>
+            <a:r>
+              <a:rPr lang="de-DE" dirty="0" err="1"/>
+              <a:t>Results</a:t>
+            </a:r>
+            <a:endParaRPr lang="de-DE" dirty="0"/>
+          </a:p>
+        </p:txBody>
+      </p:sp>
+      <p:sp>
+        <p:nvSpPr>
+          <p:cNvPr id="3" name="Inhaltsplatzhalter 2"/>
+          <p:cNvSpPr>
+            <a:spLocks noGrp="1"/>
+          </p:cNvSpPr>
+          <p:nvPr>
+            <p:ph idx="1"/>
+          </p:nvPr>
+        </p:nvSpPr>
+        <p:spPr>
+          <a:xfrm>
+            <a:off x="358774" y="1828800"/>
+            <a:ext cx="8424863" cy="4343400"/>
+          </a:xfrm>
+        </p:spPr>
+        <p:txBody>
+          <a:bodyPr/>
+          <a:lstStyle/>
+          <a:p>
+            <a:r>
+              <a:rPr lang="en-US" dirty="0" smtClean="0"/>
+              <a:t>Images take long to compute (5-60 minutes on my laptop)</a:t>
+            </a:r>
+          </a:p>
+          <a:p>
+            <a:r>
+              <a:rPr lang="en-US" dirty="0" smtClean="0"/>
+              <a:t>CPU speed and number of threads/cores is the limiting factor</a:t>
+            </a:r>
+          </a:p>
+          <a:p>
+            <a:r>
+              <a:rPr lang="en-US" dirty="0" smtClean="0"/>
+              <a:t>Computation speed is direct proportional to</a:t>
+            </a:r>
+          </a:p>
+          <a:p>
+            <a:pPr lvl="1"/>
+            <a:r>
+              <a:rPr lang="en-US" dirty="0" smtClean="0"/>
+              <a:t>Number of projections</a:t>
+            </a:r>
+          </a:p>
+          <a:p>
+            <a:pPr lvl="1"/>
+            <a:r>
+              <a:rPr lang="en-US" dirty="0" smtClean="0"/>
+              <a:t>Number of energy levels</a:t>
+            </a:r>
+          </a:p>
+          <a:p>
+            <a:pPr lvl="1"/>
+            <a:endParaRPr lang="en-US" dirty="0" smtClean="0"/>
+          </a:p>
+          <a:p>
+            <a:r>
+              <a:rPr lang="en-US" dirty="0"/>
+              <a:t>Computation speed </a:t>
+            </a:r>
+            <a:r>
+              <a:rPr lang="en-US" dirty="0" smtClean="0"/>
+              <a:t>is indirect proportional to the number of threads</a:t>
+            </a:r>
+          </a:p>
+          <a:p>
+            <a:endParaRPr lang="en-US" dirty="0" smtClean="0"/>
+          </a:p>
+          <a:p>
+            <a:r>
+              <a:rPr lang="en-US" dirty="0" smtClean="0"/>
+              <a:t>We think that simulation of the CT would be a good candidate for the calculation on the graphics card</a:t>
+            </a:r>
+          </a:p>
+          <a:p>
+            <a:pPr lvl="1"/>
+            <a:r>
+              <a:rPr lang="en-US" dirty="0" smtClean="0"/>
+              <a:t>All rays from all projections can be run in parallel, no dependencies on each other</a:t>
+            </a:r>
+          </a:p>
+          <a:p>
+            <a:pPr lvl="1"/>
+            <a:r>
+              <a:rPr lang="en-US" dirty="0" smtClean="0"/>
+              <a:t>Current simulator is written in C, a port to CUDA-C should be possible with reasonable amount of work</a:t>
+            </a:r>
+          </a:p>
+          <a:p>
+            <a:pPr marL="0" indent="0">
+              <a:buNone/>
+            </a:pPr>
+            <a:endParaRPr lang="en-US" b="1" dirty="0" smtClean="0"/>
+          </a:p>
+          <a:p>
+            <a:pPr marL="0" indent="0">
+              <a:buNone/>
+            </a:pPr>
+            <a:endParaRPr lang="en-US" sz="1600" b="1" dirty="0" smtClean="0"/>
+          </a:p>
+          <a:p>
+            <a:pPr marL="0" indent="0">
+              <a:buNone/>
+            </a:pPr>
+            <a:endParaRPr lang="en-US" sz="1600" b="1" dirty="0">
+              <a:latin typeface="Courier New" panose="02070309020205020404" pitchFamily="49" charset="0"/>
+              <a:cs typeface="Courier New" panose="02070309020205020404" pitchFamily="49" charset="0"/>
+            </a:endParaRPr>
+          </a:p>
+          <a:p>
+            <a:pPr marL="0" indent="0">
+              <a:buNone/>
+            </a:pPr>
+            <a:endParaRPr lang="de-DE" dirty="0"/>
+          </a:p>
+        </p:txBody>
+      </p:sp>
+      <p:sp>
+        <p:nvSpPr>
+          <p:cNvPr id="4" name="Fußzeilenplatzhalter 3"/>
+          <p:cNvSpPr>
+            <a:spLocks noGrp="1"/>
+          </p:cNvSpPr>
+          <p:nvPr>
+            <p:ph type="ftr" sz="quarter" idx="11"/>
+          </p:nvPr>
+        </p:nvSpPr>
+        <p:spPr/>
+        <p:txBody>
+          <a:bodyPr/>
+          <a:lstStyle/>
+          <a:p>
+            <a:pPr>
+              <a:defRPr/>
+            </a:pPr>
+            <a:r>
+              <a:rPr lang="en-US" altLang="de-DE" smtClean="0"/>
+              <a:t>Simulation of CT metal artefacts </a:t>
+            </a:r>
+            <a:r>
+              <a:rPr lang="de-DE" smtClean="0"/>
+              <a:t>– Alexander Winkler</a:t>
+            </a:r>
+            <a:endParaRPr lang="de-DE" dirty="0"/>
+          </a:p>
+        </p:txBody>
+      </p:sp>
+      <p:sp>
+        <p:nvSpPr>
+          <p:cNvPr id="5" name="Foliennummernplatzhalter 4"/>
+          <p:cNvSpPr>
+            <a:spLocks noGrp="1"/>
+          </p:cNvSpPr>
+          <p:nvPr>
+            <p:ph type="sldNum" sz="quarter" idx="12"/>
+          </p:nvPr>
+        </p:nvSpPr>
+        <p:spPr/>
+        <p:txBody>
+          <a:bodyPr/>
+          <a:lstStyle/>
+          <a:p>
+            <a:pPr>
+              <a:defRPr/>
+            </a:pPr>
+            <a:fld id="{9138EDDC-C098-49BB-8518-65BF03D04AD4}" type="slidenum">
+              <a:rPr lang="de-DE" altLang="de-DE" smtClean="0"/>
+              <a:pPr>
+                <a:defRPr/>
+              </a:pPr>
+              <a:t>14</a:t>
+            </a:fld>
+            <a:endParaRPr lang="de-DE" altLang="de-DE"/>
+          </a:p>
+        </p:txBody>
+      </p:sp>
+    </p:spTree>
+    <p:extLst>
+      <p:ext uri="{BB962C8B-B14F-4D97-AF65-F5344CB8AC3E}">
+        <p14:creationId xmlns:p14="http://schemas.microsoft.com/office/powerpoint/2010/main" val="570515974"/>
+      </p:ext>
+    </p:extLst>
+  </p:cSld>
+  <p:clrMapOvr>
+    <a:masterClrMapping/>
+  </p:clrMapOvr>
+  <p:timing>
+    <p:tnLst>
+      <p:par>
+        <p:cTn id="1" dur="indefinite" restart="never" nodeType="tmRoot"/>
+      </p:par>
+    </p:tnLst>
+  </p:timing>
+</p:sld>
+</file>
+
+<file path=ppt/slides/slide15.xml><?xml version="1.0" encoding="utf-8"?>
+<p:sld xmlns:a="http://schemas.openxmlformats.org/drawingml/2006/main" xmlns:r="http://schemas.openxmlformats.org/officeDocument/2006/relationships" xmlns:p="http://schemas.openxmlformats.org/presentationml/2006/main">
+  <p:cSld>
+    <p:spTree>
+      <p:nvGrpSpPr>
+        <p:cNvPr id="1" name=""/>
+        <p:cNvGrpSpPr/>
+        <p:nvPr/>
+      </p:nvGrpSpPr>
+      <p:grpSpPr>
+        <a:xfrm>
+          <a:off x="0" y="0"/>
+          <a:ext cx="0" cy="0"/>
+          <a:chOff x="0" y="0"/>
+          <a:chExt cx="0" cy="0"/>
+        </a:xfrm>
+      </p:grpSpPr>
+      <p:sp>
+        <p:nvSpPr>
+          <p:cNvPr id="2" name="Titel 1"/>
+          <p:cNvSpPr>
+            <a:spLocks noGrp="1"/>
+          </p:cNvSpPr>
+          <p:nvPr>
+            <p:ph type="title"/>
+          </p:nvPr>
+        </p:nvSpPr>
+        <p:spPr/>
+        <p:txBody>
+          <a:bodyPr/>
+          <a:lstStyle/>
+          <a:p>
+            <a:r>
+              <a:rPr lang="de-DE" dirty="0" err="1"/>
+              <a:t>Results</a:t>
+            </a:r>
+            <a:endParaRPr lang="de-DE" dirty="0"/>
+          </a:p>
+        </p:txBody>
+      </p:sp>
+      <p:sp>
+        <p:nvSpPr>
+          <p:cNvPr id="3" name="Inhaltsplatzhalter 2"/>
+          <p:cNvSpPr>
+            <a:spLocks noGrp="1"/>
+          </p:cNvSpPr>
+          <p:nvPr>
+            <p:ph idx="1"/>
+          </p:nvPr>
+        </p:nvSpPr>
+        <p:spPr>
+          <a:xfrm>
+            <a:off x="358774" y="1828800"/>
+            <a:ext cx="8424863" cy="4343400"/>
+          </a:xfrm>
+        </p:spPr>
+        <p:txBody>
+          <a:bodyPr/>
+          <a:lstStyle/>
+          <a:p>
+            <a:pPr lvl="1"/>
+            <a:endParaRPr lang="en-US" dirty="0" smtClean="0"/>
+          </a:p>
+          <a:p>
+            <a:pPr marL="0" indent="0">
+              <a:buNone/>
+            </a:pPr>
+            <a:endParaRPr lang="en-US" b="1" dirty="0" smtClean="0"/>
+          </a:p>
+          <a:p>
+            <a:pPr marL="0" indent="0">
+              <a:buNone/>
+            </a:pPr>
+            <a:endParaRPr lang="en-US" sz="1600" b="1" dirty="0" smtClean="0"/>
+          </a:p>
+          <a:p>
+            <a:pPr marL="0" indent="0">
+              <a:buNone/>
+            </a:pPr>
+            <a:endParaRPr lang="en-US" sz="1600" b="1" dirty="0">
+              <a:latin typeface="Courier New" panose="02070309020205020404" pitchFamily="49" charset="0"/>
+              <a:cs typeface="Courier New" panose="02070309020205020404" pitchFamily="49" charset="0"/>
+            </a:endParaRPr>
+          </a:p>
+          <a:p>
+            <a:pPr marL="0" indent="0">
+              <a:buNone/>
+            </a:pPr>
+            <a:endParaRPr lang="de-DE" dirty="0"/>
+          </a:p>
+        </p:txBody>
+      </p:sp>
+      <p:sp>
+        <p:nvSpPr>
+          <p:cNvPr id="4" name="Fußzeilenplatzhalter 3"/>
+          <p:cNvSpPr>
+            <a:spLocks noGrp="1"/>
+          </p:cNvSpPr>
+          <p:nvPr>
+            <p:ph type="ftr" sz="quarter" idx="11"/>
+          </p:nvPr>
+        </p:nvSpPr>
+        <p:spPr/>
+        <p:txBody>
+          <a:bodyPr/>
+          <a:lstStyle/>
+          <a:p>
+            <a:pPr>
+              <a:defRPr/>
+            </a:pPr>
+            <a:r>
+              <a:rPr lang="en-US" altLang="de-DE" smtClean="0"/>
+              <a:t>Simulation of CT metal artefacts </a:t>
+            </a:r>
+            <a:r>
+              <a:rPr lang="de-DE" smtClean="0"/>
+              <a:t>– Alexander Winkler</a:t>
+            </a:r>
+            <a:endParaRPr lang="de-DE" dirty="0"/>
+          </a:p>
+        </p:txBody>
+      </p:sp>
+      <p:sp>
+        <p:nvSpPr>
+          <p:cNvPr id="5" name="Foliennummernplatzhalter 4"/>
+          <p:cNvSpPr>
+            <a:spLocks noGrp="1"/>
+          </p:cNvSpPr>
+          <p:nvPr>
+            <p:ph type="sldNum" sz="quarter" idx="12"/>
+          </p:nvPr>
+        </p:nvSpPr>
+        <p:spPr/>
+        <p:txBody>
+          <a:bodyPr/>
+          <a:lstStyle/>
+          <a:p>
+            <a:pPr>
+              <a:defRPr/>
+            </a:pPr>
+            <a:fld id="{9138EDDC-C098-49BB-8518-65BF03D04AD4}" type="slidenum">
+              <a:rPr lang="de-DE" altLang="de-DE" smtClean="0"/>
+              <a:pPr>
+                <a:defRPr/>
+              </a:pPr>
+              <a:t>15</a:t>
+            </a:fld>
+            <a:endParaRPr lang="de-DE" altLang="de-DE"/>
+          </a:p>
+        </p:txBody>
+      </p:sp>
+      <p:pic>
+        <p:nvPicPr>
+          <p:cNvPr id="6" name="Grafik 5"/>
+          <p:cNvPicPr>
+            <a:picLocks noChangeAspect="1"/>
+          </p:cNvPicPr>
+          <p:nvPr/>
+        </p:nvPicPr>
+        <p:blipFill>
+          <a:blip r:embed="rId2">
+            <a:extLst>
+              <a:ext uri="{28A0092B-C50C-407E-A947-70E740481C1C}">
+                <a14:useLocalDpi xmlns:a14="http://schemas.microsoft.com/office/drawing/2010/main" val="0"/>
+              </a:ext>
+            </a:extLst>
+          </a:blip>
+          <a:stretch>
+            <a:fillRect/>
+          </a:stretch>
+        </p:blipFill>
+        <p:spPr>
+          <a:xfrm>
+            <a:off x="440762" y="1798320"/>
+            <a:ext cx="4055038" cy="4055038"/>
+          </a:xfrm>
+          <a:prstGeom prst="rect">
+            <a:avLst/>
+          </a:prstGeom>
+        </p:spPr>
+      </p:pic>
+      <p:pic>
+        <p:nvPicPr>
+          <p:cNvPr id="7" name="Grafik 6"/>
+          <p:cNvPicPr>
+            <a:picLocks noChangeAspect="1"/>
+          </p:cNvPicPr>
+          <p:nvPr/>
+        </p:nvPicPr>
+        <p:blipFill>
+          <a:blip r:embed="rId3">
+            <a:extLst>
+              <a:ext uri="{28A0092B-C50C-407E-A947-70E740481C1C}">
+                <a14:useLocalDpi xmlns:a14="http://schemas.microsoft.com/office/drawing/2010/main" val="0"/>
+              </a:ext>
+            </a:extLst>
+          </a:blip>
+          <a:stretch>
+            <a:fillRect/>
+          </a:stretch>
+        </p:blipFill>
+        <p:spPr>
+          <a:xfrm>
+            <a:off x="4745037" y="1798320"/>
+            <a:ext cx="4038600" cy="4038600"/>
+          </a:xfrm>
+          <a:prstGeom prst="rect">
+            <a:avLst/>
+          </a:prstGeom>
+        </p:spPr>
+      </p:pic>
+    </p:spTree>
+    <p:extLst>
+      <p:ext uri="{BB962C8B-B14F-4D97-AF65-F5344CB8AC3E}">
+        <p14:creationId xmlns:p14="http://schemas.microsoft.com/office/powerpoint/2010/main" val="345770885"/>
+      </p:ext>
+    </p:extLst>
+  </p:cSld>
+  <p:clrMapOvr>
+    <a:masterClrMapping/>
+  </p:clrMapOvr>
+  <p:timing>
+    <p:tnLst>
+      <p:par>
+        <p:cTn id="1" dur="indefinite" restart="never" nodeType="tmRoot"/>
+      </p:par>
+    </p:tnLst>
+  </p:timing>
+</p:sld>
+</file>
+
+<file path=ppt/slides/slide16.xml><?xml version="1.0" encoding="utf-8"?>
+<p:sld xmlns:a="http://schemas.openxmlformats.org/drawingml/2006/main" xmlns:r="http://schemas.openxmlformats.org/officeDocument/2006/relationships" xmlns:p="http://schemas.openxmlformats.org/presentationml/2006/main">
+  <p:cSld>
+    <p:spTree>
+      <p:nvGrpSpPr>
+        <p:cNvPr id="1" name=""/>
+        <p:cNvGrpSpPr/>
+        <p:nvPr/>
+      </p:nvGrpSpPr>
+      <p:grpSpPr>
+        <a:xfrm>
+          <a:off x="0" y="0"/>
+          <a:ext cx="0" cy="0"/>
+          <a:chOff x="0" y="0"/>
+          <a:chExt cx="0" cy="0"/>
+        </a:xfrm>
+      </p:grpSpPr>
+      <p:sp>
+        <p:nvSpPr>
+          <p:cNvPr id="2" name="Titel 1"/>
+          <p:cNvSpPr>
+            <a:spLocks noGrp="1"/>
+          </p:cNvSpPr>
+          <p:nvPr>
+            <p:ph type="title"/>
+          </p:nvPr>
+        </p:nvSpPr>
+        <p:spPr/>
+        <p:txBody>
+          <a:bodyPr/>
+          <a:lstStyle/>
+          <a:p>
+            <a:r>
+              <a:rPr lang="de-DE" dirty="0" err="1"/>
+              <a:t>Results</a:t>
+            </a:r>
+            <a:endParaRPr lang="de-DE" dirty="0"/>
+          </a:p>
+        </p:txBody>
+      </p:sp>
+      <p:sp>
+        <p:nvSpPr>
+          <p:cNvPr id="3" name="Inhaltsplatzhalter 2"/>
+          <p:cNvSpPr>
+            <a:spLocks noGrp="1"/>
+          </p:cNvSpPr>
+          <p:nvPr>
+            <p:ph idx="1"/>
+          </p:nvPr>
+        </p:nvSpPr>
+        <p:spPr>
+          <a:xfrm>
+            <a:off x="358774" y="1828800"/>
+            <a:ext cx="8424863" cy="4343400"/>
+          </a:xfrm>
+        </p:spPr>
+        <p:txBody>
+          <a:bodyPr/>
+          <a:lstStyle/>
+          <a:p>
+            <a:pPr lvl="1"/>
+            <a:endParaRPr lang="en-US" dirty="0" smtClean="0"/>
+          </a:p>
+          <a:p>
+            <a:pPr marL="0" indent="0">
+              <a:buNone/>
+            </a:pPr>
+            <a:endParaRPr lang="en-US" b="1" dirty="0" smtClean="0"/>
+          </a:p>
+          <a:p>
+            <a:pPr marL="0" indent="0">
+              <a:buNone/>
+            </a:pPr>
+            <a:endParaRPr lang="en-US" sz="1600" b="1" dirty="0" smtClean="0"/>
+          </a:p>
+          <a:p>
+            <a:pPr marL="0" indent="0">
+              <a:buNone/>
+            </a:pPr>
+            <a:endParaRPr lang="en-US" sz="1600" b="1" dirty="0">
+              <a:latin typeface="Courier New" panose="02070309020205020404" pitchFamily="49" charset="0"/>
+              <a:cs typeface="Courier New" panose="02070309020205020404" pitchFamily="49" charset="0"/>
+            </a:endParaRPr>
+          </a:p>
+          <a:p>
+            <a:pPr marL="0" indent="0">
+              <a:buNone/>
+            </a:pPr>
+            <a:endParaRPr lang="de-DE" dirty="0"/>
+          </a:p>
+        </p:txBody>
+      </p:sp>
+      <p:sp>
+        <p:nvSpPr>
+          <p:cNvPr id="4" name="Fußzeilenplatzhalter 3"/>
+          <p:cNvSpPr>
+            <a:spLocks noGrp="1"/>
+          </p:cNvSpPr>
+          <p:nvPr>
+            <p:ph type="ftr" sz="quarter" idx="11"/>
+          </p:nvPr>
+        </p:nvSpPr>
+        <p:spPr/>
+        <p:txBody>
+          <a:bodyPr/>
+          <a:lstStyle/>
+          <a:p>
+            <a:pPr>
+              <a:defRPr/>
+            </a:pPr>
+            <a:r>
+              <a:rPr lang="en-US" altLang="de-DE" smtClean="0"/>
+              <a:t>Simulation of CT metal artefacts </a:t>
+            </a:r>
+            <a:r>
+              <a:rPr lang="de-DE" smtClean="0"/>
+              <a:t>– Alexander Winkler</a:t>
+            </a:r>
+            <a:endParaRPr lang="de-DE" dirty="0"/>
+          </a:p>
+        </p:txBody>
+      </p:sp>
+      <p:sp>
+        <p:nvSpPr>
+          <p:cNvPr id="5" name="Foliennummernplatzhalter 4"/>
+          <p:cNvSpPr>
+            <a:spLocks noGrp="1"/>
+          </p:cNvSpPr>
+          <p:nvPr>
+            <p:ph type="sldNum" sz="quarter" idx="12"/>
+          </p:nvPr>
+        </p:nvSpPr>
+        <p:spPr/>
+        <p:txBody>
+          <a:bodyPr/>
+          <a:lstStyle/>
+          <a:p>
+            <a:pPr>
+              <a:defRPr/>
+            </a:pPr>
+            <a:fld id="{9138EDDC-C098-49BB-8518-65BF03D04AD4}" type="slidenum">
+              <a:rPr lang="de-DE" altLang="de-DE" smtClean="0"/>
+              <a:pPr>
+                <a:defRPr/>
+              </a:pPr>
+              <a:t>16</a:t>
+            </a:fld>
+            <a:endParaRPr lang="de-DE" altLang="de-DE"/>
+          </a:p>
+        </p:txBody>
+      </p:sp>
+      <p:pic>
+        <p:nvPicPr>
+          <p:cNvPr id="9" name="Grafik 8"/>
+          <p:cNvPicPr>
+            <a:picLocks noChangeAspect="1"/>
+          </p:cNvPicPr>
+          <p:nvPr/>
+        </p:nvPicPr>
+        <p:blipFill>
+          <a:blip r:embed="rId2">
+            <a:extLst>
+              <a:ext uri="{28A0092B-C50C-407E-A947-70E740481C1C}">
+                <a14:useLocalDpi xmlns:a14="http://schemas.microsoft.com/office/drawing/2010/main" val="0"/>
+              </a:ext>
+            </a:extLst>
+          </a:blip>
+          <a:stretch>
+            <a:fillRect/>
+          </a:stretch>
+        </p:blipFill>
+        <p:spPr>
+          <a:xfrm>
+            <a:off x="359946" y="1842868"/>
+            <a:ext cx="4038600" cy="4038600"/>
+          </a:xfrm>
+          <a:prstGeom prst="rect">
+            <a:avLst/>
+          </a:prstGeom>
+        </p:spPr>
+      </p:pic>
+      <p:pic>
+        <p:nvPicPr>
+          <p:cNvPr id="10" name="Grafik 9"/>
+          <p:cNvPicPr>
+            <a:picLocks noChangeAspect="1"/>
+          </p:cNvPicPr>
+          <p:nvPr/>
+        </p:nvPicPr>
+        <p:blipFill>
+          <a:blip r:embed="rId3">
+            <a:extLst>
+              <a:ext uri="{28A0092B-C50C-407E-A947-70E740481C1C}">
+                <a14:useLocalDpi xmlns:a14="http://schemas.microsoft.com/office/drawing/2010/main" val="0"/>
+              </a:ext>
+            </a:extLst>
+          </a:blip>
+          <a:stretch>
+            <a:fillRect/>
+          </a:stretch>
+        </p:blipFill>
+        <p:spPr>
+          <a:xfrm>
+            <a:off x="4745037" y="1842868"/>
+            <a:ext cx="4038600" cy="4038600"/>
+          </a:xfrm>
+          <a:prstGeom prst="rect">
+            <a:avLst/>
+          </a:prstGeom>
+        </p:spPr>
+      </p:pic>
+    </p:spTree>
+    <p:extLst>
+      <p:ext uri="{BB962C8B-B14F-4D97-AF65-F5344CB8AC3E}">
+        <p14:creationId xmlns:p14="http://schemas.microsoft.com/office/powerpoint/2010/main" val="626434629"/>
+      </p:ext>
+    </p:extLst>
+  </p:cSld>
+  <p:clrMapOvr>
+    <a:masterClrMapping/>
+  </p:clrMapOvr>
+  <p:timing>
+    <p:tnLst>
+      <p:par>
+        <p:cTn id="1" dur="indefinite" restart="never" nodeType="tmRoot"/>
+      </p:par>
+    </p:tnLst>
+  </p:timing>
+</p:sld>
+</file>
+
+<file path=ppt/slides/slide17.xml><?xml version="1.0" encoding="utf-8"?>
+<p:sld xmlns:a="http://schemas.openxmlformats.org/drawingml/2006/main" xmlns:r="http://schemas.openxmlformats.org/officeDocument/2006/relationships" xmlns:p="http://schemas.openxmlformats.org/presentationml/2006/main">
+  <p:cSld>
+    <p:spTree>
+      <p:nvGrpSpPr>
+        <p:cNvPr id="1" name=""/>
+        <p:cNvGrpSpPr/>
+        <p:nvPr/>
+      </p:nvGrpSpPr>
+      <p:grpSpPr>
+        <a:xfrm>
+          <a:off x="0" y="0"/>
+          <a:ext cx="0" cy="0"/>
+          <a:chOff x="0" y="0"/>
+          <a:chExt cx="0" cy="0"/>
+        </a:xfrm>
+      </p:grpSpPr>
+      <p:sp>
+        <p:nvSpPr>
+          <p:cNvPr id="2" name="Titel 1"/>
+          <p:cNvSpPr>
+            <a:spLocks noGrp="1"/>
+          </p:cNvSpPr>
+          <p:nvPr>
+            <p:ph type="title"/>
+          </p:nvPr>
+        </p:nvSpPr>
+        <p:spPr/>
+        <p:txBody>
+          <a:bodyPr/>
+          <a:lstStyle/>
+          <a:p>
+            <a:r>
+              <a:rPr lang="de-DE" dirty="0" smtClean="0"/>
+              <a:t>Future Work</a:t>
+            </a:r>
+            <a:endParaRPr lang="de-DE" dirty="0"/>
+          </a:p>
+        </p:txBody>
+      </p:sp>
+      <p:sp>
+        <p:nvSpPr>
+          <p:cNvPr id="3" name="Inhaltsplatzhalter 2"/>
+          <p:cNvSpPr>
+            <a:spLocks noGrp="1"/>
+          </p:cNvSpPr>
+          <p:nvPr>
+            <p:ph idx="1"/>
+          </p:nvPr>
+        </p:nvSpPr>
+        <p:spPr>
+          <a:xfrm>
+            <a:off x="358775" y="1828800"/>
+            <a:ext cx="6498208" cy="4343400"/>
+          </a:xfrm>
+        </p:spPr>
+        <p:txBody>
+          <a:bodyPr/>
+          <a:lstStyle/>
+          <a:p>
+            <a:pPr marL="0" indent="0">
+              <a:buNone/>
+            </a:pPr>
+            <a:r>
+              <a:rPr lang="en-US" b="1" dirty="0" smtClean="0"/>
+              <a:t>More easily implementable CT artefacts</a:t>
+            </a:r>
+          </a:p>
+          <a:p>
+            <a:pPr marL="0" indent="0">
+              <a:buNone/>
+            </a:pPr>
+            <a:endParaRPr lang="en-US" b="1" dirty="0"/>
+          </a:p>
+          <a:p>
+            <a:r>
+              <a:rPr lang="en-US" dirty="0"/>
+              <a:t>Ring </a:t>
+            </a:r>
+            <a:r>
+              <a:rPr lang="en-US" dirty="0" smtClean="0"/>
+              <a:t>artefacts</a:t>
+            </a:r>
+          </a:p>
+          <a:p>
+            <a:pPr lvl="1"/>
+            <a:r>
+              <a:rPr lang="en-US" dirty="0" smtClean="0"/>
+              <a:t>Caused by </a:t>
+            </a:r>
+            <a:r>
+              <a:rPr lang="en-US" dirty="0" err="1" smtClean="0"/>
+              <a:t>miscalibrated</a:t>
+            </a:r>
+            <a:r>
+              <a:rPr lang="en-US" dirty="0" smtClean="0"/>
+              <a:t> detector</a:t>
+            </a:r>
+          </a:p>
+          <a:p>
+            <a:pPr lvl="1"/>
+            <a:r>
+              <a:rPr lang="en-US" dirty="0" smtClean="0"/>
+              <a:t>Multiply/Add intensity value by random numbers at the end of the ray</a:t>
+            </a:r>
+          </a:p>
+          <a:p>
+            <a:pPr lvl="1"/>
+            <a:endParaRPr lang="en-US" dirty="0" smtClean="0"/>
+          </a:p>
+          <a:p>
+            <a:r>
+              <a:rPr lang="en-US" dirty="0" smtClean="0"/>
+              <a:t>Poisson Noise</a:t>
+            </a:r>
+          </a:p>
+          <a:p>
+            <a:pPr lvl="1"/>
+            <a:r>
+              <a:rPr lang="en-US" dirty="0" smtClean="0"/>
+              <a:t>Caused by discrete particle nature of light at low X-Ray doses</a:t>
+            </a:r>
+          </a:p>
+          <a:p>
+            <a:pPr lvl="1"/>
+            <a:r>
+              <a:rPr lang="en-US" dirty="0" smtClean="0"/>
+              <a:t>Modify relative </a:t>
+            </a:r>
+            <a:r>
+              <a:rPr lang="en-US" dirty="0"/>
+              <a:t>photon count at the start of </a:t>
+            </a:r>
+            <a:r>
+              <a:rPr lang="en-US" dirty="0" smtClean="0"/>
+              <a:t>the ray</a:t>
+            </a:r>
+          </a:p>
+          <a:p>
+            <a:pPr lvl="1"/>
+            <a:endParaRPr lang="en-US" dirty="0" smtClean="0"/>
+          </a:p>
+          <a:p>
+            <a:r>
+              <a:rPr lang="en-US" dirty="0" smtClean="0"/>
+              <a:t>Motion artefacts</a:t>
+            </a:r>
+          </a:p>
+          <a:p>
+            <a:pPr lvl="1"/>
+            <a:r>
+              <a:rPr lang="en-US" dirty="0" smtClean="0"/>
+              <a:t>Caused by the patient moving during the scan</a:t>
+            </a:r>
+          </a:p>
+          <a:p>
+            <a:pPr lvl="1"/>
+            <a:r>
+              <a:rPr lang="en-US" dirty="0" smtClean="0"/>
+              <a:t>Merge </a:t>
+            </a:r>
+            <a:r>
+              <a:rPr lang="en-US" dirty="0" err="1" smtClean="0"/>
+              <a:t>sinograms</a:t>
+            </a:r>
+            <a:r>
+              <a:rPr lang="en-US" dirty="0" smtClean="0"/>
+              <a:t> from two or more simulation runs</a:t>
+            </a:r>
+            <a:endParaRPr lang="en-US" dirty="0"/>
+          </a:p>
+          <a:p>
+            <a:pPr marL="0" indent="0">
+              <a:buNone/>
+            </a:pPr>
+            <a:endParaRPr lang="en-US" b="1" dirty="0" smtClean="0"/>
+          </a:p>
+          <a:p>
+            <a:pPr marL="0" indent="0">
+              <a:buNone/>
+            </a:pPr>
+            <a:endParaRPr lang="en-US" sz="1600" b="1" dirty="0" smtClean="0"/>
+          </a:p>
+          <a:p>
+            <a:pPr marL="0" indent="0">
+              <a:buNone/>
+            </a:pPr>
+            <a:endParaRPr lang="en-US" sz="1600" b="1" dirty="0">
+              <a:latin typeface="Courier New" panose="02070309020205020404" pitchFamily="49" charset="0"/>
+              <a:cs typeface="Courier New" panose="02070309020205020404" pitchFamily="49" charset="0"/>
+            </a:endParaRPr>
+          </a:p>
+          <a:p>
+            <a:pPr marL="0" indent="0">
+              <a:buNone/>
+            </a:pPr>
+            <a:endParaRPr lang="de-DE" dirty="0"/>
+          </a:p>
+        </p:txBody>
+      </p:sp>
+      <p:sp>
+        <p:nvSpPr>
+          <p:cNvPr id="4" name="Fußzeilenplatzhalter 3"/>
+          <p:cNvSpPr>
+            <a:spLocks noGrp="1"/>
+          </p:cNvSpPr>
+          <p:nvPr>
+            <p:ph type="ftr" sz="quarter" idx="11"/>
+          </p:nvPr>
+        </p:nvSpPr>
+        <p:spPr/>
+        <p:txBody>
+          <a:bodyPr/>
+          <a:lstStyle/>
+          <a:p>
+            <a:pPr>
+              <a:defRPr/>
+            </a:pPr>
+            <a:r>
+              <a:rPr lang="en-US" altLang="de-DE" smtClean="0"/>
+              <a:t>Simulation of CT metal artefacts </a:t>
+            </a:r>
+            <a:r>
+              <a:rPr lang="de-DE" smtClean="0"/>
+              <a:t>– Alexander Winkler</a:t>
+            </a:r>
+            <a:endParaRPr lang="de-DE" dirty="0"/>
+          </a:p>
+        </p:txBody>
+      </p:sp>
+      <p:sp>
+        <p:nvSpPr>
+          <p:cNvPr id="5" name="Foliennummernplatzhalter 4"/>
+          <p:cNvSpPr>
+            <a:spLocks noGrp="1"/>
+          </p:cNvSpPr>
+          <p:nvPr>
+            <p:ph type="sldNum" sz="quarter" idx="12"/>
+          </p:nvPr>
+        </p:nvSpPr>
+        <p:spPr/>
+        <p:txBody>
+          <a:bodyPr/>
+          <a:lstStyle/>
+          <a:p>
+            <a:pPr>
+              <a:defRPr/>
+            </a:pPr>
+            <a:fld id="{9138EDDC-C098-49BB-8518-65BF03D04AD4}" type="slidenum">
+              <a:rPr lang="de-DE" altLang="de-DE" smtClean="0"/>
+              <a:pPr>
+                <a:defRPr/>
+              </a:pPr>
+              <a:t>17</a:t>
             </a:fld>
             <a:endParaRPr lang="de-DE" altLang="de-DE"/>
           </a:p>
@@ -6820,7 +8230,7 @@
 </p:sld>
 </file>
 
-<file path=ppt/slides/slide13.xml><?xml version="1.0" encoding="utf-8"?>
+<file path=ppt/slides/slide18.xml><?xml version="1.0" encoding="utf-8"?>
 <p:sld xmlns:a="http://schemas.openxmlformats.org/drawingml/2006/main" xmlns:r="http://schemas.openxmlformats.org/officeDocument/2006/relationships" xmlns:p="http://schemas.openxmlformats.org/presentationml/2006/main">
   <p:cSld>
     <p:spTree>
@@ -6839,151 +8249,7 @@
       </p:grpSpPr>
       <p:sp>
         <p:nvSpPr>
-          <p:cNvPr id="2" name="Titel 1"/>
-          <p:cNvSpPr>
-            <a:spLocks noGrp="1"/>
-          </p:cNvSpPr>
-          <p:nvPr>
-            <p:ph type="title"/>
-          </p:nvPr>
-        </p:nvSpPr>
-        <p:spPr/>
-        <p:txBody>
-          <a:bodyPr/>
-          <a:lstStyle/>
-          <a:p>
-            <a:r>
-              <a:rPr lang="de-DE" dirty="0" err="1"/>
-              <a:t>Results</a:t>
-            </a:r>
-            <a:endParaRPr lang="de-DE" dirty="0"/>
-          </a:p>
-        </p:txBody>
-      </p:sp>
-      <p:sp>
-        <p:nvSpPr>
-          <p:cNvPr id="3" name="Inhaltsplatzhalter 2"/>
-          <p:cNvSpPr>
-            <a:spLocks noGrp="1"/>
-          </p:cNvSpPr>
-          <p:nvPr>
-            <p:ph idx="1"/>
-          </p:nvPr>
-        </p:nvSpPr>
-        <p:spPr>
-          <a:xfrm>
-            <a:off x="358774" y="1828800"/>
-            <a:ext cx="8424863" cy="4343400"/>
-          </a:xfrm>
-        </p:spPr>
-        <p:txBody>
-          <a:bodyPr/>
-          <a:lstStyle/>
-          <a:p>
-            <a:r>
-              <a:rPr lang="en-US" dirty="0" smtClean="0"/>
-              <a:t>Images take long to compute (5-60 minutes on my laptop)</a:t>
-            </a:r>
-          </a:p>
-          <a:p>
-            <a:r>
-              <a:rPr lang="en-US" dirty="0" smtClean="0"/>
-              <a:t>CPU speed and number of threads/cores is the limiting factor</a:t>
-            </a:r>
-          </a:p>
-          <a:p>
-            <a:r>
-              <a:rPr lang="en-US" dirty="0" smtClean="0"/>
-              <a:t>Computation speed is direct proportional to</a:t>
-            </a:r>
-          </a:p>
-          <a:p>
-            <a:pPr lvl="1"/>
-            <a:r>
-              <a:rPr lang="en-US" dirty="0" smtClean="0"/>
-              <a:t>Number of projections</a:t>
-            </a:r>
-          </a:p>
-          <a:p>
-            <a:pPr lvl="1"/>
-            <a:r>
-              <a:rPr lang="en-US" dirty="0" smtClean="0"/>
-              <a:t>Number of energy levels</a:t>
-            </a:r>
-          </a:p>
-          <a:p>
-            <a:pPr lvl="1"/>
-            <a:endParaRPr lang="en-US" dirty="0" smtClean="0"/>
-          </a:p>
-          <a:p>
-            <a:r>
-              <a:rPr lang="en-US" dirty="0"/>
-              <a:t>Computation speed is  </a:t>
-            </a:r>
-            <a:r>
-              <a:rPr lang="en-US" dirty="0" smtClean="0"/>
-              <a:t>indirect proportional to the number of threads</a:t>
-            </a:r>
-          </a:p>
-          <a:p>
-            <a:endParaRPr lang="en-US" dirty="0" smtClean="0"/>
-          </a:p>
-          <a:p>
-            <a:r>
-              <a:rPr lang="en-US" dirty="0" smtClean="0"/>
-              <a:t>We think that simulation of the CT would be a good candidate for the calculation on the graphics card</a:t>
-            </a:r>
-          </a:p>
-          <a:p>
-            <a:pPr lvl="1"/>
-            <a:r>
-              <a:rPr lang="en-US" dirty="0" smtClean="0"/>
-              <a:t>All rays from all projections can be run in parallel, no dependencies on each other</a:t>
-            </a:r>
-          </a:p>
-          <a:p>
-            <a:pPr lvl="1"/>
-            <a:r>
-              <a:rPr lang="en-US" dirty="0" smtClean="0"/>
-              <a:t>Current simulator is written in C, a port to CUDA-C should be possible in reasonable time</a:t>
-            </a:r>
-          </a:p>
-          <a:p>
-            <a:pPr lvl="1"/>
-            <a:endParaRPr lang="en-US" dirty="0" smtClean="0"/>
-          </a:p>
-          <a:p>
-            <a:pPr marL="0" indent="0">
-              <a:buNone/>
-            </a:pPr>
-            <a:endParaRPr lang="en-US" b="1" dirty="0" smtClean="0"/>
-          </a:p>
-          <a:p>
-            <a:pPr marL="0" indent="0">
-              <a:buNone/>
-            </a:pPr>
-            <a:endParaRPr lang="en-US" sz="1600" b="1" dirty="0" smtClean="0"/>
-          </a:p>
-          <a:p>
-            <a:pPr marL="0" indent="0">
-              <a:buNone/>
-            </a:pPr>
-            <a:endParaRPr lang="en-US" sz="1600" b="1" dirty="0">
-              <a:latin typeface="Courier New" panose="02070309020205020404" pitchFamily="49" charset="0"/>
-              <a:cs typeface="Courier New" panose="02070309020205020404" pitchFamily="49" charset="0"/>
-            </a:endParaRPr>
-          </a:p>
-          <a:p>
-            <a:pPr marL="0" indent="0">
-              <a:buNone/>
-            </a:pPr>
-            <a:endParaRPr lang="de-DE" dirty="0"/>
-          </a:p>
-        </p:txBody>
-      </p:sp>
-      <p:sp>
-        <p:nvSpPr>
-          <p:cNvPr id="4" name="Fußzeilenplatzhalter 3"/>
+          <p:cNvPr id="2" name="Fußzeilenplatzhalter 1"/>
           <p:cNvSpPr>
             <a:spLocks noGrp="1"/>
           </p:cNvSpPr>
@@ -7000,564 +8266,6 @@
               <a:defRPr/>
             </a:pPr>
             <a:r>
-              <a:rPr lang="en-US" altLang="de-DE" smtClean="0"/>
-              <a:t>Simulation of CT metal artefacts </a:t>
-            </a:r>
-            <a:r>
-              <a:rPr lang="de-DE" smtClean="0"/>
-              <a:t>– Alexander Winkler</a:t>
-            </a:r>
-            <a:endParaRPr lang="de-DE" dirty="0"/>
-          </a:p>
-        </p:txBody>
-      </p:sp>
-      <p:sp>
-        <p:nvSpPr>
-          <p:cNvPr id="5" name="Foliennummernplatzhalter 4"/>
-          <p:cNvSpPr>
-            <a:spLocks noGrp="1"/>
-          </p:cNvSpPr>
-          <p:nvPr>
-            <p:ph type="sldNum" sz="quarter" idx="12"/>
-          </p:nvPr>
-        </p:nvSpPr>
-        <p:spPr/>
-        <p:txBody>
-          <a:bodyPr/>
-          <a:lstStyle/>
-          <a:p>
-            <a:pPr>
-              <a:defRPr/>
-            </a:pPr>
-            <a:fld id="{9138EDDC-C098-49BB-8518-65BF03D04AD4}" type="slidenum">
-              <a:rPr lang="de-DE" altLang="de-DE" smtClean="0"/>
-              <a:pPr>
-                <a:defRPr/>
-              </a:pPr>
-              <a:t>13</a:t>
-            </a:fld>
-            <a:endParaRPr lang="de-DE" altLang="de-DE"/>
-          </a:p>
-        </p:txBody>
-      </p:sp>
-    </p:spTree>
-    <p:extLst>
-      <p:ext uri="{BB962C8B-B14F-4D97-AF65-F5344CB8AC3E}">
-        <p14:creationId xmlns:p14="http://schemas.microsoft.com/office/powerpoint/2010/main" val="570515974"/>
-      </p:ext>
-    </p:extLst>
-  </p:cSld>
-  <p:clrMapOvr>
-    <a:masterClrMapping/>
-  </p:clrMapOvr>
-  <p:timing>
-    <p:tnLst>
-      <p:par>
-        <p:cTn id="1" dur="indefinite" restart="never" nodeType="tmRoot"/>
-      </p:par>
-    </p:tnLst>
-  </p:timing>
-</p:sld>
-</file>
-
-<file path=ppt/slides/slide14.xml><?xml version="1.0" encoding="utf-8"?>
-<p:sld xmlns:a="http://schemas.openxmlformats.org/drawingml/2006/main" xmlns:r="http://schemas.openxmlformats.org/officeDocument/2006/relationships" xmlns:p="http://schemas.openxmlformats.org/presentationml/2006/main">
-  <p:cSld>
-    <p:spTree>
-      <p:nvGrpSpPr>
-        <p:cNvPr id="1" name=""/>
-        <p:cNvGrpSpPr/>
-        <p:nvPr/>
-      </p:nvGrpSpPr>
-      <p:grpSpPr>
-        <a:xfrm>
-          <a:off x="0" y="0"/>
-          <a:ext cx="0" cy="0"/>
-          <a:chOff x="0" y="0"/>
-          <a:chExt cx="0" cy="0"/>
-        </a:xfrm>
-      </p:grpSpPr>
-      <p:sp>
-        <p:nvSpPr>
-          <p:cNvPr id="2" name="Titel 1"/>
-          <p:cNvSpPr>
-            <a:spLocks noGrp="1"/>
-          </p:cNvSpPr>
-          <p:nvPr>
-            <p:ph type="title"/>
-          </p:nvPr>
-        </p:nvSpPr>
-        <p:spPr/>
-        <p:txBody>
-          <a:bodyPr/>
-          <a:lstStyle/>
-          <a:p>
-            <a:r>
-              <a:rPr lang="de-DE" dirty="0" err="1"/>
-              <a:t>Results</a:t>
-            </a:r>
-            <a:endParaRPr lang="de-DE" dirty="0"/>
-          </a:p>
-        </p:txBody>
-      </p:sp>
-      <p:sp>
-        <p:nvSpPr>
-          <p:cNvPr id="3" name="Inhaltsplatzhalter 2"/>
-          <p:cNvSpPr>
-            <a:spLocks noGrp="1"/>
-          </p:cNvSpPr>
-          <p:nvPr>
-            <p:ph idx="1"/>
-          </p:nvPr>
-        </p:nvSpPr>
-        <p:spPr>
-          <a:xfrm>
-            <a:off x="358774" y="1828800"/>
-            <a:ext cx="8424863" cy="4343400"/>
-          </a:xfrm>
-        </p:spPr>
-        <p:txBody>
-          <a:bodyPr/>
-          <a:lstStyle/>
-          <a:p>
-            <a:pPr lvl="1"/>
-            <a:endParaRPr lang="en-US" dirty="0" smtClean="0"/>
-          </a:p>
-          <a:p>
-            <a:pPr marL="0" indent="0">
-              <a:buNone/>
-            </a:pPr>
-            <a:endParaRPr lang="en-US" b="1" dirty="0" smtClean="0"/>
-          </a:p>
-          <a:p>
-            <a:pPr marL="0" indent="0">
-              <a:buNone/>
-            </a:pPr>
-            <a:endParaRPr lang="en-US" sz="1600" b="1" dirty="0" smtClean="0"/>
-          </a:p>
-          <a:p>
-            <a:pPr marL="0" indent="0">
-              <a:buNone/>
-            </a:pPr>
-            <a:endParaRPr lang="en-US" sz="1600" b="1" dirty="0">
-              <a:latin typeface="Courier New" panose="02070309020205020404" pitchFamily="49" charset="0"/>
-              <a:cs typeface="Courier New" panose="02070309020205020404" pitchFamily="49" charset="0"/>
-            </a:endParaRPr>
-          </a:p>
-          <a:p>
-            <a:pPr marL="0" indent="0">
-              <a:buNone/>
-            </a:pPr>
-            <a:endParaRPr lang="de-DE" dirty="0"/>
-          </a:p>
-        </p:txBody>
-      </p:sp>
-      <p:sp>
-        <p:nvSpPr>
-          <p:cNvPr id="4" name="Fußzeilenplatzhalter 3"/>
-          <p:cNvSpPr>
-            <a:spLocks noGrp="1"/>
-          </p:cNvSpPr>
-          <p:nvPr>
-            <p:ph type="ftr" sz="quarter" idx="11"/>
-          </p:nvPr>
-        </p:nvSpPr>
-        <p:spPr/>
-        <p:txBody>
-          <a:bodyPr/>
-          <a:lstStyle/>
-          <a:p>
-            <a:pPr>
-              <a:defRPr/>
-            </a:pPr>
-            <a:r>
-              <a:rPr lang="en-US" altLang="de-DE" smtClean="0"/>
-              <a:t>Simulation of CT metal artefacts </a:t>
-            </a:r>
-            <a:r>
-              <a:rPr lang="de-DE" smtClean="0"/>
-              <a:t>– Alexander Winkler</a:t>
-            </a:r>
-            <a:endParaRPr lang="de-DE" dirty="0"/>
-          </a:p>
-        </p:txBody>
-      </p:sp>
-      <p:sp>
-        <p:nvSpPr>
-          <p:cNvPr id="5" name="Foliennummernplatzhalter 4"/>
-          <p:cNvSpPr>
-            <a:spLocks noGrp="1"/>
-          </p:cNvSpPr>
-          <p:nvPr>
-            <p:ph type="sldNum" sz="quarter" idx="12"/>
-          </p:nvPr>
-        </p:nvSpPr>
-        <p:spPr/>
-        <p:txBody>
-          <a:bodyPr/>
-          <a:lstStyle/>
-          <a:p>
-            <a:pPr>
-              <a:defRPr/>
-            </a:pPr>
-            <a:fld id="{9138EDDC-C098-49BB-8518-65BF03D04AD4}" type="slidenum">
-              <a:rPr lang="de-DE" altLang="de-DE" smtClean="0"/>
-              <a:pPr>
-                <a:defRPr/>
-              </a:pPr>
-              <a:t>14</a:t>
-            </a:fld>
-            <a:endParaRPr lang="de-DE" altLang="de-DE"/>
-          </a:p>
-        </p:txBody>
-      </p:sp>
-      <p:pic>
-        <p:nvPicPr>
-          <p:cNvPr id="6" name="Grafik 5"/>
-          <p:cNvPicPr>
-            <a:picLocks noChangeAspect="1"/>
-          </p:cNvPicPr>
-          <p:nvPr/>
-        </p:nvPicPr>
-        <p:blipFill>
-          <a:blip r:embed="rId2">
-            <a:extLst>
-              <a:ext uri="{28A0092B-C50C-407E-A947-70E740481C1C}">
-                <a14:useLocalDpi xmlns:a14="http://schemas.microsoft.com/office/drawing/2010/main" val="0"/>
-              </a:ext>
-            </a:extLst>
-          </a:blip>
-          <a:stretch>
-            <a:fillRect/>
-          </a:stretch>
-        </p:blipFill>
-        <p:spPr>
-          <a:xfrm>
-            <a:off x="440762" y="1798320"/>
-            <a:ext cx="4055038" cy="4055038"/>
-          </a:xfrm>
-          <a:prstGeom prst="rect">
-            <a:avLst/>
-          </a:prstGeom>
-        </p:spPr>
-      </p:pic>
-      <p:pic>
-        <p:nvPicPr>
-          <p:cNvPr id="7" name="Grafik 6"/>
-          <p:cNvPicPr>
-            <a:picLocks noChangeAspect="1"/>
-          </p:cNvPicPr>
-          <p:nvPr/>
-        </p:nvPicPr>
-        <p:blipFill>
-          <a:blip r:embed="rId3">
-            <a:extLst>
-              <a:ext uri="{28A0092B-C50C-407E-A947-70E740481C1C}">
-                <a14:useLocalDpi xmlns:a14="http://schemas.microsoft.com/office/drawing/2010/main" val="0"/>
-              </a:ext>
-            </a:extLst>
-          </a:blip>
-          <a:stretch>
-            <a:fillRect/>
-          </a:stretch>
-        </p:blipFill>
-        <p:spPr>
-          <a:xfrm>
-            <a:off x="4745037" y="1798320"/>
-            <a:ext cx="4038600" cy="4038600"/>
-          </a:xfrm>
-          <a:prstGeom prst="rect">
-            <a:avLst/>
-          </a:prstGeom>
-        </p:spPr>
-      </p:pic>
-    </p:spTree>
-    <p:extLst>
-      <p:ext uri="{BB962C8B-B14F-4D97-AF65-F5344CB8AC3E}">
-        <p14:creationId xmlns:p14="http://schemas.microsoft.com/office/powerpoint/2010/main" val="345770885"/>
-      </p:ext>
-    </p:extLst>
-  </p:cSld>
-  <p:clrMapOvr>
-    <a:masterClrMapping/>
-  </p:clrMapOvr>
-  <p:timing>
-    <p:tnLst>
-      <p:par>
-        <p:cTn id="1" dur="indefinite" restart="never" nodeType="tmRoot"/>
-      </p:par>
-    </p:tnLst>
-  </p:timing>
-</p:sld>
-</file>
-
-<file path=ppt/slides/slide15.xml><?xml version="1.0" encoding="utf-8"?>
-<p:sld xmlns:a="http://schemas.openxmlformats.org/drawingml/2006/main" xmlns:r="http://schemas.openxmlformats.org/officeDocument/2006/relationships" xmlns:p="http://schemas.openxmlformats.org/presentationml/2006/main">
-  <p:cSld>
-    <p:spTree>
-      <p:nvGrpSpPr>
-        <p:cNvPr id="1" name=""/>
-        <p:cNvGrpSpPr/>
-        <p:nvPr/>
-      </p:nvGrpSpPr>
-      <p:grpSpPr>
-        <a:xfrm>
-          <a:off x="0" y="0"/>
-          <a:ext cx="0" cy="0"/>
-          <a:chOff x="0" y="0"/>
-          <a:chExt cx="0" cy="0"/>
-        </a:xfrm>
-      </p:grpSpPr>
-      <p:sp>
-        <p:nvSpPr>
-          <p:cNvPr id="2" name="Titel 1"/>
-          <p:cNvSpPr>
-            <a:spLocks noGrp="1"/>
-          </p:cNvSpPr>
-          <p:nvPr>
-            <p:ph type="title"/>
-          </p:nvPr>
-        </p:nvSpPr>
-        <p:spPr/>
-        <p:txBody>
-          <a:bodyPr/>
-          <a:lstStyle/>
-          <a:p>
-            <a:r>
-              <a:rPr lang="de-DE" dirty="0" err="1"/>
-              <a:t>Results</a:t>
-            </a:r>
-            <a:endParaRPr lang="de-DE" dirty="0"/>
-          </a:p>
-        </p:txBody>
-      </p:sp>
-      <p:sp>
-        <p:nvSpPr>
-          <p:cNvPr id="3" name="Inhaltsplatzhalter 2"/>
-          <p:cNvSpPr>
-            <a:spLocks noGrp="1"/>
-          </p:cNvSpPr>
-          <p:nvPr>
-            <p:ph idx="1"/>
-          </p:nvPr>
-        </p:nvSpPr>
-        <p:spPr>
-          <a:xfrm>
-            <a:off x="358774" y="1828800"/>
-            <a:ext cx="8424863" cy="4343400"/>
-          </a:xfrm>
-        </p:spPr>
-        <p:txBody>
-          <a:bodyPr/>
-          <a:lstStyle/>
-          <a:p>
-            <a:pPr lvl="1"/>
-            <a:endParaRPr lang="en-US" dirty="0" smtClean="0"/>
-          </a:p>
-          <a:p>
-            <a:pPr marL="0" indent="0">
-              <a:buNone/>
-            </a:pPr>
-            <a:endParaRPr lang="en-US" b="1" dirty="0" smtClean="0"/>
-          </a:p>
-          <a:p>
-            <a:pPr marL="0" indent="0">
-              <a:buNone/>
-            </a:pPr>
-            <a:endParaRPr lang="en-US" sz="1600" b="1" dirty="0" smtClean="0"/>
-          </a:p>
-          <a:p>
-            <a:pPr marL="0" indent="0">
-              <a:buNone/>
-            </a:pPr>
-            <a:endParaRPr lang="en-US" sz="1600" b="1" dirty="0">
-              <a:latin typeface="Courier New" panose="02070309020205020404" pitchFamily="49" charset="0"/>
-              <a:cs typeface="Courier New" panose="02070309020205020404" pitchFamily="49" charset="0"/>
-            </a:endParaRPr>
-          </a:p>
-          <a:p>
-            <a:pPr marL="0" indent="0">
-              <a:buNone/>
-            </a:pPr>
-            <a:endParaRPr lang="de-DE" dirty="0"/>
-          </a:p>
-        </p:txBody>
-      </p:sp>
-      <p:sp>
-        <p:nvSpPr>
-          <p:cNvPr id="4" name="Fußzeilenplatzhalter 3"/>
-          <p:cNvSpPr>
-            <a:spLocks noGrp="1"/>
-          </p:cNvSpPr>
-          <p:nvPr>
-            <p:ph type="ftr" sz="quarter" idx="11"/>
-          </p:nvPr>
-        </p:nvSpPr>
-        <p:spPr/>
-        <p:txBody>
-          <a:bodyPr/>
-          <a:lstStyle/>
-          <a:p>
-            <a:pPr>
-              <a:defRPr/>
-            </a:pPr>
-            <a:r>
-              <a:rPr lang="en-US" altLang="de-DE" smtClean="0"/>
-              <a:t>Simulation of CT metal artefacts </a:t>
-            </a:r>
-            <a:r>
-              <a:rPr lang="de-DE" smtClean="0"/>
-              <a:t>– Alexander Winkler</a:t>
-            </a:r>
-            <a:endParaRPr lang="de-DE" dirty="0"/>
-          </a:p>
-        </p:txBody>
-      </p:sp>
-      <p:sp>
-        <p:nvSpPr>
-          <p:cNvPr id="5" name="Foliennummernplatzhalter 4"/>
-          <p:cNvSpPr>
-            <a:spLocks noGrp="1"/>
-          </p:cNvSpPr>
-          <p:nvPr>
-            <p:ph type="sldNum" sz="quarter" idx="12"/>
-          </p:nvPr>
-        </p:nvSpPr>
-        <p:spPr/>
-        <p:txBody>
-          <a:bodyPr/>
-          <a:lstStyle/>
-          <a:p>
-            <a:pPr>
-              <a:defRPr/>
-            </a:pPr>
-            <a:fld id="{9138EDDC-C098-49BB-8518-65BF03D04AD4}" type="slidenum">
-              <a:rPr lang="de-DE" altLang="de-DE" smtClean="0"/>
-              <a:pPr>
-                <a:defRPr/>
-              </a:pPr>
-              <a:t>15</a:t>
-            </a:fld>
-            <a:endParaRPr lang="de-DE" altLang="de-DE"/>
-          </a:p>
-        </p:txBody>
-      </p:sp>
-      <p:pic>
-        <p:nvPicPr>
-          <p:cNvPr id="9" name="Grafik 8"/>
-          <p:cNvPicPr>
-            <a:picLocks noChangeAspect="1"/>
-          </p:cNvPicPr>
-          <p:nvPr/>
-        </p:nvPicPr>
-        <p:blipFill>
-          <a:blip r:embed="rId2">
-            <a:extLst>
-              <a:ext uri="{28A0092B-C50C-407E-A947-70E740481C1C}">
-                <a14:useLocalDpi xmlns:a14="http://schemas.microsoft.com/office/drawing/2010/main" val="0"/>
-              </a:ext>
-            </a:extLst>
-          </a:blip>
-          <a:stretch>
-            <a:fillRect/>
-          </a:stretch>
-        </p:blipFill>
-        <p:spPr>
-          <a:xfrm>
-            <a:off x="359946" y="1842868"/>
-            <a:ext cx="4038600" cy="4038600"/>
-          </a:xfrm>
-          <a:prstGeom prst="rect">
-            <a:avLst/>
-          </a:prstGeom>
-        </p:spPr>
-      </p:pic>
-      <p:pic>
-        <p:nvPicPr>
-          <p:cNvPr id="10" name="Grafik 9"/>
-          <p:cNvPicPr>
-            <a:picLocks noChangeAspect="1"/>
-          </p:cNvPicPr>
-          <p:nvPr/>
-        </p:nvPicPr>
-        <p:blipFill>
-          <a:blip r:embed="rId3">
-            <a:extLst>
-              <a:ext uri="{28A0092B-C50C-407E-A947-70E740481C1C}">
-                <a14:useLocalDpi xmlns:a14="http://schemas.microsoft.com/office/drawing/2010/main" val="0"/>
-              </a:ext>
-            </a:extLst>
-          </a:blip>
-          <a:stretch>
-            <a:fillRect/>
-          </a:stretch>
-        </p:blipFill>
-        <p:spPr>
-          <a:xfrm>
-            <a:off x="4745037" y="1842868"/>
-            <a:ext cx="4038600" cy="4038600"/>
-          </a:xfrm>
-          <a:prstGeom prst="rect">
-            <a:avLst/>
-          </a:prstGeom>
-        </p:spPr>
-      </p:pic>
-    </p:spTree>
-    <p:extLst>
-      <p:ext uri="{BB962C8B-B14F-4D97-AF65-F5344CB8AC3E}">
-        <p14:creationId xmlns:p14="http://schemas.microsoft.com/office/powerpoint/2010/main" val="626434629"/>
-      </p:ext>
-    </p:extLst>
-  </p:cSld>
-  <p:clrMapOvr>
-    <a:masterClrMapping/>
-  </p:clrMapOvr>
-  <p:timing>
-    <p:tnLst>
-      <p:par>
-        <p:cTn id="1" dur="indefinite" restart="never" nodeType="tmRoot"/>
-      </p:par>
-    </p:tnLst>
-  </p:timing>
-</p:sld>
-</file>
-
-<file path=ppt/slides/slide16.xml><?xml version="1.0" encoding="utf-8"?>
-<p:sld xmlns:a="http://schemas.openxmlformats.org/drawingml/2006/main" xmlns:r="http://schemas.openxmlformats.org/officeDocument/2006/relationships" xmlns:p="http://schemas.openxmlformats.org/presentationml/2006/main">
-  <p:cSld>
-    <p:spTree>
-      <p:nvGrpSpPr>
-        <p:cNvPr id="1" name=""/>
-        <p:cNvGrpSpPr/>
-        <p:nvPr/>
-      </p:nvGrpSpPr>
-      <p:grpSpPr>
-        <a:xfrm>
-          <a:off x="0" y="0"/>
-          <a:ext cx="0" cy="0"/>
-          <a:chOff x="0" y="0"/>
-          <a:chExt cx="0" cy="0"/>
-        </a:xfrm>
-      </p:grpSpPr>
-      <p:sp>
-        <p:nvSpPr>
-          <p:cNvPr id="2" name="Fußzeilenplatzhalter 1"/>
-          <p:cNvSpPr>
-            <a:spLocks noGrp="1"/>
-          </p:cNvSpPr>
-          <p:nvPr>
-            <p:ph type="ftr" sz="quarter" idx="11"/>
-          </p:nvPr>
-        </p:nvSpPr>
-        <p:spPr/>
-        <p:txBody>
-          <a:bodyPr/>
-          <a:lstStyle/>
-          <a:p>
-            <a:pPr>
-              <a:defRPr/>
-            </a:pPr>
-            <a:r>
               <a:rPr lang="en-US" altLang="de-DE" dirty="0"/>
               <a:t>Simulation of CT metal </a:t>
             </a:r>
@@ -7567,11 +8275,7 @@
             </a:r>
             <a:r>
               <a:rPr lang="de-DE" dirty="0" smtClean="0"/>
-              <a:t>– </a:t>
-            </a:r>
-            <a:r>
-              <a:rPr lang="de-DE" dirty="0" smtClean="0"/>
-              <a:t>Alexander Winkler</a:t>
+              <a:t>– Alexander Winkler</a:t>
             </a:r>
             <a:endParaRPr lang="de-DE" dirty="0"/>
           </a:p>
@@ -7600,7 +8304,7 @@
               <a:pPr>
                 <a:defRPr/>
               </a:pPr>
-              <a:t>16</a:t>
+              <a:t>18</a:t>
             </a:fld>
             <a:endParaRPr lang="de-DE" altLang="de-DE"/>
           </a:p>
@@ -7756,8 +8460,12 @@
               <a:t> </a:t>
             </a:r>
             <a:r>
+              <a:rPr lang="en-US" b="1" dirty="0" smtClean="0"/>
+              <a:t>implants</a:t>
+            </a:r>
+            <a:r>
               <a:rPr lang="en-US" dirty="0" smtClean="0"/>
-              <a:t>implants </a:t>
+              <a:t> </a:t>
             </a:r>
             <a:r>
               <a:rPr lang="en-US" dirty="0"/>
@@ -7924,7 +8632,11 @@
             </a:pPr>
             <a:r>
               <a:rPr lang="en-US" altLang="de-DE" dirty="0"/>
-              <a:t>Simulation of CT metal artefacts</a:t>
+              <a:t>Simulation of CT metal </a:t>
+            </a:r>
+            <a:r>
+              <a:rPr lang="en-US" altLang="de-DE" dirty="0" smtClean="0"/>
+              <a:t>artefacts </a:t>
             </a:r>
             <a:r>
               <a:rPr lang="de-DE" dirty="0" smtClean="0"/>
@@ -8092,101 +8804,40 @@
               <a:buNone/>
             </a:pPr>
             <a:r>
-              <a:rPr lang="de-DE" dirty="0"/>
-              <a:t>Generation </a:t>
-            </a:r>
-            <a:r>
-              <a:rPr lang="de-DE" dirty="0" err="1"/>
-              <a:t>of</a:t>
-            </a:r>
-            <a:r>
-              <a:rPr lang="de-DE" dirty="0"/>
-              <a:t> X-Ray </a:t>
-            </a:r>
-            <a:r>
-              <a:rPr lang="de-DE" dirty="0" err="1" smtClean="0"/>
-              <a:t>radiation</a:t>
-            </a:r>
-            <a:endParaRPr lang="de-DE" dirty="0" smtClean="0"/>
+              <a:rPr lang="en-US" b="1" dirty="0" smtClean="0"/>
+              <a:t>Generation of X-Ray radiation</a:t>
+            </a:r>
           </a:p>
           <a:p>
             <a:pPr marL="0" indent="0">
               <a:buNone/>
             </a:pPr>
-            <a:endParaRPr lang="de-DE" dirty="0" smtClean="0"/>
+            <a:endParaRPr lang="en-US" dirty="0" smtClean="0"/>
           </a:p>
           <a:p>
             <a:r>
               <a:rPr lang="en-US" dirty="0" smtClean="0"/>
-              <a:t>to </a:t>
-            </a:r>
-            <a:r>
-              <a:rPr lang="en-US" dirty="0"/>
-              <a:t>generate X-Ray radiation an X-Ray tube is </a:t>
+              <a:t>to generate X-Ray radiation an </a:t>
+            </a:r>
+            <a:r>
+              <a:rPr lang="en-US" b="1" dirty="0" smtClean="0"/>
+              <a:t>X-Ray tube </a:t>
             </a:r>
             <a:r>
               <a:rPr lang="en-US" dirty="0" smtClean="0"/>
-              <a:t>used</a:t>
-            </a:r>
-          </a:p>
-          <a:p>
-            <a:r>
-              <a:rPr lang="de-DE" dirty="0" err="1" smtClean="0"/>
-              <a:t>Consisting</a:t>
-            </a:r>
-            <a:r>
-              <a:rPr lang="de-DE" dirty="0" smtClean="0"/>
-              <a:t> </a:t>
-            </a:r>
-            <a:r>
-              <a:rPr lang="de-DE" dirty="0" err="1" smtClean="0"/>
-              <a:t>of</a:t>
-            </a:r>
-            <a:r>
-              <a:rPr lang="de-DE" dirty="0" smtClean="0"/>
-              <a:t> a </a:t>
-            </a:r>
-            <a:r>
-              <a:rPr lang="de-DE" dirty="0" err="1" smtClean="0"/>
-              <a:t>cathode</a:t>
-            </a:r>
-            <a:r>
-              <a:rPr lang="de-DE" dirty="0" smtClean="0"/>
-              <a:t> </a:t>
-            </a:r>
-            <a:r>
-              <a:rPr lang="de-DE" dirty="0" err="1"/>
-              <a:t>and</a:t>
-            </a:r>
-            <a:r>
-              <a:rPr lang="de-DE" dirty="0"/>
-              <a:t> a </a:t>
-            </a:r>
-            <a:r>
-              <a:rPr lang="de-DE" dirty="0" err="1" smtClean="0"/>
-              <a:t>rotating</a:t>
-            </a:r>
-            <a:r>
-              <a:rPr lang="de-DE" dirty="0"/>
-              <a:t> </a:t>
-            </a:r>
-            <a:r>
-              <a:rPr lang="en-US" dirty="0"/>
-              <a:t>tungsten </a:t>
-            </a:r>
+              <a:t>is used</a:t>
+            </a:r>
+          </a:p>
+          <a:p>
             <a:r>
               <a:rPr lang="en-US" dirty="0" smtClean="0"/>
-              <a:t>anode</a:t>
-            </a:r>
-          </a:p>
-          <a:p>
-            <a:r>
-              <a:rPr lang="en-US" dirty="0"/>
-              <a:t>electrons from the cathode </a:t>
-            </a:r>
+              <a:t>consists of a cathode and a rotating (tungsten) anode</a:t>
+            </a:r>
+          </a:p>
+          <a:p>
             <a:r>
               <a:rPr lang="en-US" dirty="0" smtClean="0"/>
-              <a:t>hit</a:t>
+              <a:t>electrons from the cathode hit</a:t>
             </a:r>
           </a:p>
           <a:p>
@@ -8194,40 +8845,28 @@
               <a:buNone/>
             </a:pPr>
             <a:r>
-              <a:rPr lang="en-US" dirty="0"/>
-              <a:t> </a:t>
-            </a:r>
-            <a:r>
               <a:rPr lang="en-US" dirty="0" smtClean="0"/>
-              <a:t>     the anode</a:t>
+              <a:t>      the anode</a:t>
             </a:r>
           </a:p>
           <a:p>
             <a:pPr lvl="1"/>
             <a:r>
-              <a:rPr lang="de-DE" dirty="0" smtClean="0"/>
+              <a:rPr lang="en-US" dirty="0" smtClean="0"/>
               <a:t>Bremsstrahlung</a:t>
             </a:r>
           </a:p>
           <a:p>
             <a:pPr lvl="1"/>
             <a:r>
-              <a:rPr lang="de-DE" dirty="0" err="1" smtClean="0"/>
-              <a:t>Characteristic</a:t>
-            </a:r>
-            <a:r>
-              <a:rPr lang="de-DE" dirty="0" smtClean="0"/>
-              <a:t> X-Rays</a:t>
-            </a:r>
-          </a:p>
-          <a:p>
-            <a:r>
-              <a:rPr lang="en-US" dirty="0"/>
-              <a:t>Both effects together result </a:t>
-            </a:r>
-            <a:r>
               <a:rPr lang="en-US" dirty="0" smtClean="0"/>
-              <a:t>in</a:t>
+              <a:t>Characteristic emission lines</a:t>
+            </a:r>
+          </a:p>
+          <a:p>
+            <a:r>
+              <a:rPr lang="en-US" dirty="0" smtClean="0"/>
+              <a:t>Both effects together result in</a:t>
             </a:r>
           </a:p>
           <a:p>
@@ -8235,12 +8874,12 @@
               <a:buNone/>
             </a:pPr>
             <a:r>
-              <a:rPr lang="en-US" dirty="0"/>
-              <a:t> </a:t>
-            </a:r>
-            <a:r>
               <a:rPr lang="en-US" dirty="0" smtClean="0"/>
-              <a:t>     the total emission spectrum</a:t>
+              <a:t>      the total </a:t>
+            </a:r>
+            <a:r>
+              <a:rPr lang="en-US" b="1" dirty="0" smtClean="0"/>
+              <a:t>emission spectrum</a:t>
             </a:r>
           </a:p>
           <a:p>
@@ -8249,13 +8888,9 @@
             </a:pPr>
             <a:r>
               <a:rPr lang="en-US" dirty="0" smtClean="0"/>
-              <a:t>      of </a:t>
-            </a:r>
-            <a:r>
-              <a:rPr lang="en-US" dirty="0"/>
-              <a:t>the X-Ray source</a:t>
-            </a:r>
-            <a:endParaRPr lang="de-DE" dirty="0"/>
+              <a:t>      of the X-Ray source</a:t>
+            </a:r>
+            <a:endParaRPr lang="en-US" dirty="0"/>
           </a:p>
         </p:txBody>
       </p:sp>
@@ -8327,7 +8962,7 @@
           <p:nvPr/>
         </p:nvPicPr>
         <p:blipFill>
-          <a:blip r:embed="rId2" cstate="print">
+          <a:blip r:embed="rId3" cstate="print">
             <a:extLst>
               <a:ext uri="{28A0092B-C50C-407E-A947-70E740481C1C}">
                 <a14:useLocalDpi xmlns:a14="http://schemas.microsoft.com/office/drawing/2010/main" val="0"/>
@@ -8424,8 +9059,8 @@
           </a:p>
         </p:txBody>
       </p:sp>
-      <mc:AlternateContent xmlns:mc="http://schemas.openxmlformats.org/markup-compatibility/2006">
-        <mc:Choice xmlns:a14="http://schemas.microsoft.com/office/drawing/2010/main" Requires="a14">
+      <mc:AlternateContent xmlns:mc="http://schemas.openxmlformats.org/markup-compatibility/2006" xmlns:a14="http://schemas.microsoft.com/office/drawing/2010/main">
+        <mc:Choice Requires="a14">
           <p:sp>
             <p:nvSpPr>
               <p:cNvPr id="3" name="Inhaltsplatzhalter 2"/>
@@ -9227,7 +9862,7 @@
             </p:txBody>
           </p:sp>
         </mc:Choice>
-        <mc:Fallback>
+        <mc:Fallback xmlns="">
           <p:sp>
             <p:nvSpPr>
               <p:cNvPr id="3" name="Inhaltsplatzhalter 2"/>
@@ -9396,494 +10031,166 @@
           </a:p>
         </p:txBody>
       </p:sp>
-      <mc:AlternateContent xmlns:mc="http://schemas.openxmlformats.org/markup-compatibility/2006">
-        <mc:Choice xmlns:a14="http://schemas.microsoft.com/office/drawing/2010/main" Requires="a14">
-          <p:sp>
-            <p:nvSpPr>
-              <p:cNvPr id="3" name="Inhaltsplatzhalter 2"/>
-              <p:cNvSpPr>
-                <a:spLocks noGrp="1"/>
-              </p:cNvSpPr>
-              <p:nvPr>
-                <p:ph idx="1"/>
-              </p:nvPr>
-            </p:nvSpPr>
-            <p:spPr/>
-            <p:txBody>
-              <a:bodyPr/>
-              <a:lstStyle/>
-              <a:p>
-                <a:pPr marL="0" indent="0">
-                  <a:buNone/>
-                </a:pPr>
-                <a:r>
-                  <a:rPr lang="de-DE" b="1" dirty="0" smtClean="0"/>
-                  <a:t>Beam </a:t>
-                </a:r>
-                <a:r>
-                  <a:rPr lang="de-DE" b="1" dirty="0" err="1" smtClean="0"/>
-                  <a:t>hardening</a:t>
-                </a:r>
-                <a:endParaRPr lang="de-DE" b="1" dirty="0" smtClean="0"/>
-              </a:p>
-              <a:p>
-                <a:pPr marL="0" indent="0">
-                  <a:buNone/>
-                </a:pPr>
-                <a:endParaRPr lang="de-DE" dirty="0"/>
-              </a:p>
-              <a:p>
-                <a:r>
-                  <a:rPr lang="en-US" dirty="0" smtClean="0"/>
-                  <a:t>Radiation attenuation</a:t>
-                </a:r>
-              </a:p>
-              <a:p>
-                <a:pPr marL="0" indent="0">
-                  <a:buNone/>
-                </a:pPr>
-                <a:r>
-                  <a:rPr lang="en-US" dirty="0" smtClean="0"/>
-                  <a:t>      is </a:t>
-                </a:r>
-                <a:r>
-                  <a:rPr lang="en-US" dirty="0"/>
-                  <a:t>not </a:t>
-                </a:r>
-                <a:r>
-                  <a:rPr lang="en-US" dirty="0" smtClean="0"/>
-                  <a:t>only dependent</a:t>
-                </a:r>
-              </a:p>
-              <a:p>
-                <a:pPr marL="0" indent="0">
-                  <a:buNone/>
-                </a:pPr>
-                <a:r>
-                  <a:rPr lang="en-US" dirty="0"/>
-                  <a:t> </a:t>
-                </a:r>
-                <a:r>
-                  <a:rPr lang="en-US" dirty="0" smtClean="0"/>
-                  <a:t>     on </a:t>
-                </a:r>
-                <a:r>
-                  <a:rPr lang="en-US" dirty="0"/>
-                  <a:t>path length but </a:t>
-                </a:r>
-                <a:r>
-                  <a:rPr lang="en-US" dirty="0" smtClean="0"/>
-                  <a:t>also</a:t>
-                </a:r>
-              </a:p>
-              <a:p>
-                <a:pPr marL="0" indent="0">
-                  <a:buNone/>
-                </a:pPr>
-                <a:r>
-                  <a:rPr lang="en-US" dirty="0" smtClean="0"/>
-                  <a:t>      wavelength dependent</a:t>
-                </a:r>
-              </a:p>
-              <a:p>
-                <a:r>
-                  <a:rPr lang="en-US" dirty="0" smtClean="0"/>
-                  <a:t>Lambert-Beer’s Law is a</a:t>
-                </a:r>
-              </a:p>
-              <a:p>
-                <a:pPr marL="0" indent="0">
-                  <a:buNone/>
-                </a:pPr>
-                <a:r>
-                  <a:rPr lang="en-US" dirty="0" smtClean="0"/>
-                  <a:t>      simplification</a:t>
-                </a:r>
-              </a:p>
-              <a:p>
-                <a:r>
-                  <a:rPr lang="en-US" dirty="0" smtClean="0"/>
-                  <a:t>Taking energy dependence into</a:t>
-                </a:r>
-              </a:p>
-              <a:p>
-                <a:pPr marL="0" indent="0">
-                  <a:buNone/>
-                </a:pPr>
-                <a:r>
-                  <a:rPr lang="en-US" dirty="0" smtClean="0"/>
-                  <a:t>      account this leads to</a:t>
-                </a:r>
-              </a:p>
-              <a:p>
-                <a:pPr marL="0" indent="0">
-                  <a:buNone/>
-                </a:pPr>
-                <a:r>
-                  <a:rPr lang="de-DE" b="0" dirty="0" smtClean="0"/>
-                  <a:t>      </a:t>
-                </a:r>
-                <a14:m>
-                  <m:oMath xmlns:m="http://schemas.openxmlformats.org/officeDocument/2006/math">
-                    <m:r>
-                      <a:rPr lang="de-DE" b="0" i="1" smtClean="0">
-                        <a:latin typeface="Cambria Math" panose="02040503050406030204" pitchFamily="18" charset="0"/>
-                      </a:rPr>
-                      <m:t>𝐼</m:t>
-                    </m:r>
-                    <m:d>
-                      <m:dPr>
-                        <m:ctrlPr>
-                          <a:rPr lang="de-DE" b="0" i="1" smtClean="0">
-                            <a:latin typeface="Cambria Math" panose="02040503050406030204" pitchFamily="18" charset="0"/>
-                          </a:rPr>
-                        </m:ctrlPr>
-                      </m:dPr>
-                      <m:e>
-                        <m:r>
-                          <a:rPr lang="de-DE" b="0" i="1" smtClean="0">
-                            <a:latin typeface="Cambria Math" panose="02040503050406030204" pitchFamily="18" charset="0"/>
-                          </a:rPr>
-                          <m:t>𝑠</m:t>
-                        </m:r>
-                      </m:e>
-                    </m:d>
-                    <m:r>
-                      <a:rPr lang="de-DE" b="0" i="1" smtClean="0">
-                        <a:latin typeface="Cambria Math" panose="02040503050406030204" pitchFamily="18" charset="0"/>
-                      </a:rPr>
-                      <m:t>= </m:t>
-                    </m:r>
-                    <m:nary>
-                      <m:naryPr>
-                        <m:limLoc m:val="undOvr"/>
-                        <m:ctrlPr>
-                          <a:rPr lang="de-DE" b="0" i="1" smtClean="0">
-                            <a:latin typeface="Cambria Math" panose="02040503050406030204" pitchFamily="18" charset="0"/>
-                          </a:rPr>
-                        </m:ctrlPr>
-                      </m:naryPr>
-                      <m:sub>
-                        <m:r>
-                          <m:rPr>
-                            <m:brk m:alnAt="24"/>
-                          </m:rPr>
-                          <a:rPr lang="de-DE" b="0" i="1" smtClean="0">
-                            <a:latin typeface="Cambria Math" panose="02040503050406030204" pitchFamily="18" charset="0"/>
-                          </a:rPr>
-                          <m:t>0</m:t>
-                        </m:r>
-                      </m:sub>
-                      <m:sup>
-                        <m:sSub>
-                          <m:sSubPr>
-                            <m:ctrlPr>
-                              <a:rPr lang="de-DE" b="0" i="1" smtClean="0">
-                                <a:latin typeface="Cambria Math" panose="02040503050406030204" pitchFamily="18" charset="0"/>
-                              </a:rPr>
-                            </m:ctrlPr>
-                          </m:sSubPr>
-                          <m:e>
-                            <m:r>
-                              <a:rPr lang="de-DE" b="0" i="1" smtClean="0">
-                                <a:latin typeface="Cambria Math" panose="02040503050406030204" pitchFamily="18" charset="0"/>
-                              </a:rPr>
-                              <m:t>𝐸</m:t>
-                            </m:r>
-                          </m:e>
-                          <m:sub>
-                            <m:r>
-                              <m:rPr>
-                                <m:nor/>
-                              </m:rPr>
-                              <a:rPr lang="de-DE" b="0" i="0" smtClean="0">
-                                <a:latin typeface="Cambria Math" panose="02040503050406030204" pitchFamily="18" charset="0"/>
-                              </a:rPr>
-                              <m:t>max</m:t>
-                            </m:r>
-                          </m:sub>
-                        </m:sSub>
-                      </m:sup>
-                      <m:e>
-                        <m:sSub>
-                          <m:sSubPr>
-                            <m:ctrlPr>
-                              <a:rPr lang="de-DE" b="0" i="1" smtClean="0">
-                                <a:latin typeface="Cambria Math" panose="02040503050406030204" pitchFamily="18" charset="0"/>
-                              </a:rPr>
-                            </m:ctrlPr>
-                          </m:sSubPr>
-                          <m:e>
-                            <m:r>
-                              <a:rPr lang="de-DE" b="0" i="1" smtClean="0">
-                                <a:latin typeface="Cambria Math" panose="02040503050406030204" pitchFamily="18" charset="0"/>
-                              </a:rPr>
-                              <m:t>𝐼</m:t>
-                            </m:r>
-                          </m:e>
-                          <m:sub>
-                            <m:r>
-                              <a:rPr lang="de-DE" b="0" i="1" smtClean="0">
-                                <a:latin typeface="Cambria Math" panose="02040503050406030204" pitchFamily="18" charset="0"/>
-                              </a:rPr>
-                              <m:t>0</m:t>
-                            </m:r>
-                          </m:sub>
-                        </m:sSub>
-                        <m:r>
-                          <a:rPr lang="de-DE" b="0" i="1" smtClean="0">
-                            <a:latin typeface="Cambria Math" panose="02040503050406030204" pitchFamily="18" charset="0"/>
-                          </a:rPr>
-                          <m:t>(</m:t>
-                        </m:r>
-                        <m:r>
-                          <a:rPr lang="de-DE" b="0" i="1" smtClean="0">
-                            <a:latin typeface="Cambria Math" panose="02040503050406030204" pitchFamily="18" charset="0"/>
-                          </a:rPr>
-                          <m:t>𝐸</m:t>
-                        </m:r>
-                        <m:r>
-                          <a:rPr lang="de-DE" b="0" i="1" smtClean="0">
-                            <a:latin typeface="Cambria Math" panose="02040503050406030204" pitchFamily="18" charset="0"/>
-                          </a:rPr>
-                          <m:t>)</m:t>
-                        </m:r>
-                        <m:sSup>
-                          <m:sSupPr>
-                            <m:ctrlPr>
-                              <a:rPr lang="de-DE" b="0" i="1" smtClean="0">
-                                <a:latin typeface="Cambria Math" panose="02040503050406030204" pitchFamily="18" charset="0"/>
-                              </a:rPr>
-                            </m:ctrlPr>
-                          </m:sSupPr>
-                          <m:e>
-                            <m:r>
-                              <a:rPr lang="de-DE" b="0" i="1" smtClean="0">
-                                <a:latin typeface="Cambria Math" panose="02040503050406030204" pitchFamily="18" charset="0"/>
-                              </a:rPr>
-                              <m:t>𝑒</m:t>
-                            </m:r>
-                          </m:e>
-                          <m:sup>
-                            <m:r>
-                              <a:rPr lang="de-DE" b="0" i="1" smtClean="0">
-                                <a:latin typeface="Cambria Math" panose="02040503050406030204" pitchFamily="18" charset="0"/>
-                              </a:rPr>
-                              <m:t>−</m:t>
-                            </m:r>
-                            <m:nary>
-                              <m:naryPr>
-                                <m:ctrlPr>
-                                  <a:rPr lang="de-DE" b="0" i="1" smtClean="0">
-                                    <a:latin typeface="Cambria Math" panose="02040503050406030204" pitchFamily="18" charset="0"/>
-                                  </a:rPr>
-                                </m:ctrlPr>
-                              </m:naryPr>
-                              <m:sub>
-                                <m:r>
-                                  <m:rPr>
-                                    <m:brk m:alnAt="23"/>
-                                  </m:rPr>
-                                  <a:rPr lang="de-DE" b="0" i="1" smtClean="0">
-                                    <a:latin typeface="Cambria Math" panose="02040503050406030204" pitchFamily="18" charset="0"/>
-                                  </a:rPr>
-                                  <m:t>𝑜</m:t>
-                                </m:r>
-                              </m:sub>
-                              <m:sup>
-                                <m:r>
-                                  <a:rPr lang="de-DE" b="0" i="1" smtClean="0">
-                                    <a:latin typeface="Cambria Math" panose="02040503050406030204" pitchFamily="18" charset="0"/>
-                                  </a:rPr>
-                                  <m:t>𝑠</m:t>
-                                </m:r>
-                              </m:sup>
-                              <m:e>
-                                <m:r>
-                                  <a:rPr lang="de-DE" b="0" i="1" smtClean="0">
-                                    <a:latin typeface="Cambria Math" panose="02040503050406030204" pitchFamily="18" charset="0"/>
-                                    <a:ea typeface="Cambria Math" panose="02040503050406030204" pitchFamily="18" charset="0"/>
-                                  </a:rPr>
-                                  <m:t>𝜇</m:t>
-                                </m:r>
-                                <m:d>
-                                  <m:dPr>
-                                    <m:ctrlPr>
-                                      <a:rPr lang="de-DE" b="0" i="1" smtClean="0">
-                                        <a:latin typeface="Cambria Math" panose="02040503050406030204" pitchFamily="18" charset="0"/>
-                                        <a:ea typeface="Cambria Math" panose="02040503050406030204" pitchFamily="18" charset="0"/>
-                                      </a:rPr>
-                                    </m:ctrlPr>
-                                  </m:dPr>
-                                  <m:e>
-                                    <m:r>
-                                      <a:rPr lang="de-DE" b="0" i="1" smtClean="0">
-                                        <a:latin typeface="Cambria Math" panose="02040503050406030204" pitchFamily="18" charset="0"/>
-                                        <a:ea typeface="Cambria Math" panose="02040503050406030204" pitchFamily="18" charset="0"/>
-                                      </a:rPr>
-                                      <m:t>𝜂</m:t>
-                                    </m:r>
-                                    <m:r>
-                                      <a:rPr lang="de-DE" b="0" i="1" smtClean="0">
-                                        <a:latin typeface="Cambria Math" panose="02040503050406030204" pitchFamily="18" charset="0"/>
-                                        <a:ea typeface="Cambria Math" panose="02040503050406030204" pitchFamily="18" charset="0"/>
-                                      </a:rPr>
-                                      <m:t>,</m:t>
-                                    </m:r>
-                                    <m:r>
-                                      <a:rPr lang="de-DE" b="0" i="1" smtClean="0">
-                                        <a:latin typeface="Cambria Math" panose="02040503050406030204" pitchFamily="18" charset="0"/>
-                                        <a:ea typeface="Cambria Math" panose="02040503050406030204" pitchFamily="18" charset="0"/>
-                                      </a:rPr>
-                                      <m:t>𝐸</m:t>
-                                    </m:r>
-                                  </m:e>
-                                </m:d>
-                                <m:r>
-                                  <m:rPr>
-                                    <m:nor/>
-                                  </m:rPr>
-                                  <a:rPr lang="de-DE" b="0" i="0" smtClean="0">
-                                    <a:latin typeface="Cambria Math" panose="02040503050406030204" pitchFamily="18" charset="0"/>
-                                    <a:ea typeface="Cambria Math" panose="02040503050406030204" pitchFamily="18" charset="0"/>
-                                  </a:rPr>
-                                  <m:t>d</m:t>
-                                </m:r>
-                                <m:r>
-                                  <a:rPr lang="de-DE" b="0" i="1" smtClean="0">
-                                    <a:latin typeface="Cambria Math" panose="02040503050406030204" pitchFamily="18" charset="0"/>
-                                    <a:ea typeface="Cambria Math" panose="02040503050406030204" pitchFamily="18" charset="0"/>
-                                  </a:rPr>
-                                  <m:t>𝜂</m:t>
-                                </m:r>
-                              </m:e>
-                            </m:nary>
-                          </m:sup>
-                        </m:sSup>
-                      </m:e>
-                    </m:nary>
-                    <m:r>
-                      <m:rPr>
-                        <m:nor/>
-                      </m:rPr>
-                      <a:rPr lang="de-DE" b="0" i="0" smtClean="0">
-                        <a:latin typeface="Cambria Math" panose="02040503050406030204" pitchFamily="18" charset="0"/>
-                      </a:rPr>
-                      <m:t>d</m:t>
-                    </m:r>
-                    <m:r>
-                      <a:rPr lang="de-DE" b="0" i="1" smtClean="0">
-                        <a:latin typeface="Cambria Math" panose="02040503050406030204" pitchFamily="18" charset="0"/>
-                      </a:rPr>
-                      <m:t>𝐸</m:t>
-                    </m:r>
-                  </m:oMath>
-                </a14:m>
-                <a:endParaRPr lang="de-DE" dirty="0" smtClean="0"/>
-              </a:p>
-              <a:p>
-                <a:pPr/>
-                <a:r>
-                  <a:rPr lang="de-DE" dirty="0" err="1" smtClean="0"/>
-                  <a:t>Reconstruction</a:t>
-                </a:r>
-                <a:r>
-                  <a:rPr lang="de-DE" dirty="0" smtClean="0"/>
-                  <a:t> </a:t>
-                </a:r>
-                <a:r>
-                  <a:rPr lang="de-DE" dirty="0" err="1" smtClean="0"/>
-                  <a:t>does</a:t>
-                </a:r>
-                <a:r>
-                  <a:rPr lang="de-DE" dirty="0" smtClean="0"/>
-                  <a:t> not </a:t>
-                </a:r>
-                <a:r>
-                  <a:rPr lang="de-DE" dirty="0" err="1" smtClean="0"/>
-                  <a:t>take</a:t>
-                </a:r>
-                <a:r>
-                  <a:rPr lang="de-DE" dirty="0" smtClean="0"/>
-                  <a:t> </a:t>
-                </a:r>
-                <a:r>
-                  <a:rPr lang="de-DE" dirty="0" err="1" smtClean="0"/>
-                  <a:t>this</a:t>
-                </a:r>
-                <a:endParaRPr lang="de-DE" dirty="0" smtClean="0"/>
-              </a:p>
-              <a:p>
-                <a:pPr marL="0" indent="0">
-                  <a:buNone/>
-                </a:pPr>
-                <a:r>
-                  <a:rPr lang="de-DE" dirty="0"/>
-                  <a:t> </a:t>
-                </a:r>
-                <a:r>
-                  <a:rPr lang="de-DE" dirty="0" smtClean="0"/>
-                  <a:t>     non linear </a:t>
-                </a:r>
-                <a:r>
-                  <a:rPr lang="de-DE" dirty="0" err="1" smtClean="0"/>
-                  <a:t>realtionship</a:t>
-                </a:r>
-                <a:r>
-                  <a:rPr lang="de-DE" dirty="0" smtClean="0"/>
-                  <a:t> </a:t>
-                </a:r>
-                <a:r>
-                  <a:rPr lang="de-DE" dirty="0" err="1" smtClean="0"/>
-                  <a:t>into</a:t>
-                </a:r>
-                <a:r>
-                  <a:rPr lang="de-DE" dirty="0" smtClean="0"/>
-                  <a:t> </a:t>
-                </a:r>
-                <a:r>
-                  <a:rPr lang="de-DE" dirty="0" err="1" smtClean="0"/>
-                  <a:t>account</a:t>
-                </a:r>
-                <a:endParaRPr lang="de-DE" dirty="0"/>
-              </a:p>
-            </p:txBody>
-          </p:sp>
-        </mc:Choice>
-        <mc:Fallback>
-          <p:sp>
-            <p:nvSpPr>
-              <p:cNvPr id="3" name="Inhaltsplatzhalter 2"/>
-              <p:cNvSpPr>
-                <a:spLocks noGrp="1" noRot="1" noChangeAspect="1" noMove="1" noResize="1" noEditPoints="1" noAdjustHandles="1" noChangeArrowheads="1" noChangeShapeType="1" noTextEdit="1"/>
-              </p:cNvSpPr>
-              <p:nvPr>
-                <p:ph idx="1"/>
-              </p:nvPr>
-            </p:nvSpPr>
-            <p:spPr>
-              <a:blipFill rotWithShape="0">
-                <a:blip r:embed="rId2"/>
-                <a:stretch>
-                  <a:fillRect l="-651" t="-701" b="-5891"/>
-                </a:stretch>
-              </a:blipFill>
-            </p:spPr>
-            <p:txBody>
-              <a:bodyPr/>
-              <a:lstStyle/>
-              <a:p>
-                <a:r>
-                  <a:rPr lang="de-DE">
-                    <a:noFill/>
-                  </a:rPr>
-                  <a:t> </a:t>
-                </a:r>
-              </a:p>
-            </p:txBody>
-          </p:sp>
-        </mc:Fallback>
-      </mc:AlternateContent>
+      <p:sp>
+        <p:nvSpPr>
+          <p:cNvPr id="3" name="Inhaltsplatzhalter 2"/>
+          <p:cNvSpPr>
+            <a:spLocks noGrp="1"/>
+          </p:cNvSpPr>
+          <p:nvPr>
+            <p:ph idx="1"/>
+          </p:nvPr>
+        </p:nvSpPr>
+        <p:spPr>
+          <a:xfrm>
+            <a:off x="358775" y="1828800"/>
+            <a:ext cx="4518025" cy="4343400"/>
+          </a:xfrm>
+        </p:spPr>
+        <p:txBody>
+          <a:bodyPr/>
+          <a:lstStyle/>
+          <a:p>
+            <a:pPr marL="0" indent="0">
+              <a:buNone/>
+            </a:pPr>
+            <a:r>
+              <a:rPr lang="de-DE" b="1" dirty="0" smtClean="0"/>
+              <a:t>Beam </a:t>
+            </a:r>
+            <a:r>
+              <a:rPr lang="de-DE" b="1" dirty="0" err="1" smtClean="0"/>
+              <a:t>hardening</a:t>
+            </a:r>
+            <a:endParaRPr lang="de-DE" b="1" dirty="0" smtClean="0"/>
+          </a:p>
+          <a:p>
+            <a:pPr marL="0" indent="0">
+              <a:buNone/>
+            </a:pPr>
+            <a:endParaRPr lang="de-DE" dirty="0"/>
+          </a:p>
+          <a:p>
+            <a:r>
+              <a:rPr lang="en-US" i="1" dirty="0"/>
+              <a:t>Colloquially</a:t>
+            </a:r>
+            <a:r>
+              <a:rPr lang="en-US" dirty="0"/>
+              <a:t>, X-ray is known to have the property of effectively penetrating </a:t>
+            </a:r>
+            <a:r>
+              <a:rPr lang="en-US" dirty="0" smtClean="0"/>
+              <a:t>material.</a:t>
+            </a:r>
+          </a:p>
+          <a:p>
+            <a:endParaRPr lang="en-US" dirty="0" smtClean="0"/>
+          </a:p>
+          <a:p>
+            <a:r>
+              <a:rPr lang="en-US" dirty="0" smtClean="0"/>
+              <a:t>But radiation </a:t>
+            </a:r>
+            <a:r>
+              <a:rPr lang="en-US" dirty="0"/>
+              <a:t>attenuation </a:t>
+            </a:r>
+            <a:r>
+              <a:rPr lang="en-US" dirty="0" smtClean="0"/>
+              <a:t>is </a:t>
+            </a:r>
+            <a:r>
+              <a:rPr lang="en-US" dirty="0"/>
+              <a:t>not only </a:t>
+            </a:r>
+            <a:r>
+              <a:rPr lang="en-US" dirty="0" smtClean="0"/>
+              <a:t>dependent </a:t>
+            </a:r>
+            <a:r>
+              <a:rPr lang="en-US" dirty="0"/>
+              <a:t>on </a:t>
+            </a:r>
+            <a:r>
+              <a:rPr lang="en-US" b="1" dirty="0" smtClean="0"/>
+              <a:t>path length</a:t>
+            </a:r>
+            <a:endParaRPr lang="en-US" b="1" dirty="0"/>
+          </a:p>
+          <a:p>
+            <a:pPr lvl="1"/>
+            <a:r>
+              <a:rPr lang="en-US" dirty="0"/>
+              <a:t>but is </a:t>
+            </a:r>
+            <a:r>
+              <a:rPr lang="en-US" dirty="0" smtClean="0"/>
+              <a:t>a </a:t>
+            </a:r>
+            <a:r>
+              <a:rPr lang="en-US" dirty="0"/>
+              <a:t>function of the specific, </a:t>
+            </a:r>
+            <a:r>
+              <a:rPr lang="en-US" b="1" dirty="0"/>
+              <a:t>wavelength-dependent </a:t>
+            </a:r>
+            <a:r>
+              <a:rPr lang="en-US" dirty="0"/>
+              <a:t>interaction </a:t>
+            </a:r>
+            <a:r>
+              <a:rPr lang="en-US" dirty="0" smtClean="0"/>
+              <a:t>between X-ray </a:t>
+            </a:r>
+            <a:r>
+              <a:rPr lang="en-US" dirty="0"/>
+              <a:t>and the material concerned</a:t>
+            </a:r>
+            <a:r>
+              <a:rPr lang="en-US" dirty="0" smtClean="0"/>
+              <a:t>.</a:t>
+            </a:r>
+          </a:p>
+          <a:p>
+            <a:pPr lvl="1"/>
+            <a:endParaRPr lang="en-US" dirty="0" smtClean="0"/>
+          </a:p>
+          <a:p>
+            <a:r>
+              <a:rPr lang="en-US" dirty="0"/>
+              <a:t>Lambert-Beer’s Law is </a:t>
+            </a:r>
+            <a:r>
+              <a:rPr lang="en-US" dirty="0" smtClean="0"/>
+              <a:t>a simplification</a:t>
+            </a:r>
+          </a:p>
+          <a:p>
+            <a:pPr lvl="1"/>
+            <a:r>
+              <a:rPr lang="en-US" dirty="0" smtClean="0"/>
+              <a:t>it does not take </a:t>
+            </a:r>
+            <a:r>
+              <a:rPr lang="en-US" b="1" dirty="0" smtClean="0"/>
+              <a:t>beam hardening </a:t>
+            </a:r>
+            <a:r>
+              <a:rPr lang="en-US" dirty="0" smtClean="0"/>
+              <a:t>into account</a:t>
+            </a:r>
+            <a:endParaRPr lang="en-US" dirty="0"/>
+          </a:p>
+          <a:p>
+            <a:pPr marL="0" indent="0">
+              <a:buNone/>
+            </a:pPr>
+            <a:endParaRPr lang="en-US" dirty="0" smtClean="0"/>
+          </a:p>
+        </p:txBody>
+      </p:sp>
       <p:sp>
         <p:nvSpPr>
           <p:cNvPr id="4" name="Fußzeilenplatzhalter 3"/>
@@ -9945,14 +10252,14 @@
       </p:sp>
       <p:pic>
         <p:nvPicPr>
-          <p:cNvPr id="6" name="Grafik 5"/>
+          <p:cNvPr id="11" name="Grafik 10"/>
           <p:cNvPicPr>
             <a:picLocks noChangeAspect="1"/>
           </p:cNvPicPr>
           <p:nvPr/>
         </p:nvPicPr>
         <p:blipFill>
-          <a:blip r:embed="rId3">
+          <a:blip r:embed="rId2">
             <a:extLst>
               <a:ext uri="{28A0092B-C50C-407E-A947-70E740481C1C}">
                 <a14:useLocalDpi xmlns:a14="http://schemas.microsoft.com/office/drawing/2010/main" val="0"/>
@@ -9965,146 +10272,14 @@
         </p:blipFill>
         <p:spPr>
           <a:xfrm>
-            <a:off x="3599306" y="2189854"/>
-            <a:ext cx="5638396" cy="3626055"/>
+            <a:off x="4876800" y="1773766"/>
+            <a:ext cx="4256348" cy="4458230"/>
           </a:xfrm>
           <a:prstGeom prst="rect">
             <a:avLst/>
           </a:prstGeom>
         </p:spPr>
       </p:pic>
-      <p:sp>
-        <p:nvSpPr>
-          <p:cNvPr id="7" name="Textfeld 6"/>
-          <p:cNvSpPr txBox="1"/>
-          <p:nvPr/>
-        </p:nvSpPr>
-        <p:spPr>
-          <a:xfrm>
-            <a:off x="4173502" y="2362200"/>
-            <a:ext cx="574196" cy="400110"/>
-          </a:xfrm>
-          <a:prstGeom prst="rect">
-            <a:avLst/>
-          </a:prstGeom>
-          <a:noFill/>
-        </p:spPr>
-        <p:txBody>
-          <a:bodyPr wrap="none" rtlCol="0">
-            <a:spAutoFit/>
-          </a:bodyPr>
-          <a:lstStyle/>
-          <a:p>
-            <a:r>
-              <a:rPr lang="de-DE" sz="1000" dirty="0" smtClean="0"/>
-              <a:t>High</a:t>
-            </a:r>
-          </a:p>
-          <a:p>
-            <a:r>
-              <a:rPr lang="de-DE" sz="1000" dirty="0" err="1" smtClean="0"/>
-              <a:t>energy</a:t>
-            </a:r>
-            <a:endParaRPr lang="de-DE" sz="1000" dirty="0"/>
-          </a:p>
-        </p:txBody>
-      </p:sp>
-      <p:sp>
-        <p:nvSpPr>
-          <p:cNvPr id="8" name="Textfeld 7"/>
-          <p:cNvSpPr txBox="1"/>
-          <p:nvPr/>
-        </p:nvSpPr>
-        <p:spPr>
-          <a:xfrm>
-            <a:off x="3213339" y="2362200"/>
-            <a:ext cx="574196" cy="400110"/>
-          </a:xfrm>
-          <a:prstGeom prst="rect">
-            <a:avLst/>
-          </a:prstGeom>
-          <a:noFill/>
-        </p:spPr>
-        <p:txBody>
-          <a:bodyPr wrap="none" rtlCol="0">
-            <a:spAutoFit/>
-          </a:bodyPr>
-          <a:lstStyle/>
-          <a:p>
-            <a:r>
-              <a:rPr lang="de-DE" sz="1000" dirty="0" smtClean="0"/>
-              <a:t>Low</a:t>
-            </a:r>
-          </a:p>
-          <a:p>
-            <a:r>
-              <a:rPr lang="de-DE" sz="1000" dirty="0" err="1" smtClean="0"/>
-              <a:t>energy</a:t>
-            </a:r>
-            <a:endParaRPr lang="de-DE" sz="1000" dirty="0"/>
-          </a:p>
-        </p:txBody>
-      </p:sp>
-      <p:sp>
-        <p:nvSpPr>
-          <p:cNvPr id="9" name="Textfeld 8"/>
-          <p:cNvSpPr txBox="1"/>
-          <p:nvPr/>
-        </p:nvSpPr>
-        <p:spPr>
-          <a:xfrm>
-            <a:off x="4484046" y="5752639"/>
-            <a:ext cx="1364476" cy="369332"/>
-          </a:xfrm>
-          <a:prstGeom prst="rect">
-            <a:avLst/>
-          </a:prstGeom>
-          <a:noFill/>
-        </p:spPr>
-        <p:txBody>
-          <a:bodyPr wrap="none" rtlCol="0">
-            <a:spAutoFit/>
-          </a:bodyPr>
-          <a:lstStyle/>
-          <a:p>
-            <a:r>
-              <a:rPr lang="de-DE" dirty="0" smtClean="0"/>
-              <a:t>Ratio 40/24</a:t>
-            </a:r>
-            <a:endParaRPr lang="de-DE" dirty="0"/>
-          </a:p>
-        </p:txBody>
-      </p:sp>
-      <p:sp>
-        <p:nvSpPr>
-          <p:cNvPr id="10" name="Textfeld 9"/>
-          <p:cNvSpPr txBox="1"/>
-          <p:nvPr/>
-        </p:nvSpPr>
-        <p:spPr>
-          <a:xfrm>
-            <a:off x="7724577" y="5752639"/>
-            <a:ext cx="1364476" cy="369332"/>
-          </a:xfrm>
-          <a:prstGeom prst="rect">
-            <a:avLst/>
-          </a:prstGeom>
-          <a:noFill/>
-        </p:spPr>
-        <p:txBody>
-          <a:bodyPr wrap="none" rtlCol="0">
-            <a:spAutoFit/>
-          </a:bodyPr>
-          <a:lstStyle/>
-          <a:p>
-            <a:r>
-              <a:rPr lang="de-DE" dirty="0" smtClean="0"/>
-              <a:t>Ratio 20/18</a:t>
-            </a:r>
-            <a:endParaRPr lang="de-DE" dirty="0"/>
-          </a:p>
-        </p:txBody>
-      </p:sp>
     </p:spTree>
     <p:extLst>
       <p:ext uri="{BB962C8B-B14F-4D97-AF65-F5344CB8AC3E}">
@@ -10158,8 +10333,12 @@
           <a:lstStyle/>
           <a:p>
             <a:r>
+              <a:rPr lang="de-DE" dirty="0" err="1"/>
+              <a:t>Fundamentals</a:t>
+            </a:r>
+            <a:r>
               <a:rPr lang="de-DE" dirty="0"/>
-              <a:t>Simulation </a:t>
+              <a:t> </a:t>
             </a:r>
             <a:r>
               <a:rPr lang="de-DE" dirty="0" err="1"/>
@@ -10167,1116 +10346,176 @@
             </a:r>
             <a:r>
               <a:rPr lang="de-DE" dirty="0"/>
-              <a:t> CT</a:t>
+              <a:t> X-Ray </a:t>
+            </a:r>
+            <a:r>
+              <a:rPr lang="de-DE" dirty="0" err="1"/>
+              <a:t>physics</a:t>
             </a:r>
             <a:endParaRPr lang="de-DE" dirty="0"/>
           </a:p>
         </p:txBody>
       </p:sp>
-      <mc:AlternateContent xmlns:mc="http://schemas.openxmlformats.org/markup-compatibility/2006">
-        <mc:Choice xmlns:a14="http://schemas.microsoft.com/office/drawing/2010/main" Requires="a14">
-          <p:sp>
-            <p:nvSpPr>
-              <p:cNvPr id="3" name="Inhaltsplatzhalter 2"/>
-              <p:cNvSpPr>
-                <a:spLocks noGrp="1"/>
-              </p:cNvSpPr>
-              <p:nvPr>
-                <p:ph idx="1"/>
-              </p:nvPr>
-            </p:nvSpPr>
-            <p:spPr/>
-            <p:txBody>
-              <a:bodyPr/>
-              <a:lstStyle/>
-              <a:p>
-                <a:pPr marL="0" indent="0">
-                  <a:buNone/>
-                </a:pPr>
-                <a:r>
-                  <a:rPr lang="de-DE" b="1" dirty="0" smtClean="0"/>
-                  <a:t>Forward </a:t>
-                </a:r>
-                <a:r>
-                  <a:rPr lang="de-DE" b="1" dirty="0" err="1" smtClean="0"/>
-                  <a:t>Projection</a:t>
-                </a:r>
-                <a:endParaRPr lang="de-DE" b="1" dirty="0"/>
-              </a:p>
-              <a:p>
-                <a:r>
-                  <a:rPr lang="de-DE" dirty="0" smtClean="0"/>
-                  <a:t>Forward </a:t>
-                </a:r>
-                <a:r>
-                  <a:rPr lang="de-DE" dirty="0" err="1" smtClean="0"/>
-                  <a:t>projection</a:t>
-                </a:r>
-                <a:r>
-                  <a:rPr lang="de-DE" dirty="0" smtClean="0"/>
-                  <a:t> </a:t>
-                </a:r>
-                <a:r>
-                  <a:rPr lang="de-DE" dirty="0" err="1" smtClean="0"/>
-                  <a:t>is</a:t>
-                </a:r>
-                <a:r>
-                  <a:rPr lang="de-DE" dirty="0" smtClean="0"/>
-                  <a:t> </a:t>
-                </a:r>
-                <a:r>
-                  <a:rPr lang="de-DE" dirty="0" err="1" smtClean="0"/>
-                  <a:t>essentially</a:t>
-                </a:r>
-                <a:r>
-                  <a:rPr lang="de-DE" dirty="0" smtClean="0"/>
-                  <a:t> a Radon Transform</a:t>
-                </a:r>
-              </a:p>
-              <a:p>
-                <a:pPr lvl="1"/>
-                <a:r>
-                  <a:rPr lang="de-DE" dirty="0" err="1" smtClean="0"/>
-                  <a:t>With</a:t>
-                </a:r>
-                <a:r>
-                  <a:rPr lang="de-DE" dirty="0" smtClean="0"/>
-                  <a:t> </a:t>
-                </a:r>
-                <a:r>
-                  <a:rPr lang="de-DE" dirty="0" err="1" smtClean="0"/>
-                  <a:t>some</a:t>
-                </a:r>
-                <a:r>
-                  <a:rPr lang="de-DE" dirty="0" smtClean="0"/>
-                  <a:t> </a:t>
-                </a:r>
-                <a:r>
-                  <a:rPr lang="de-DE" dirty="0" err="1" smtClean="0"/>
-                  <a:t>special</a:t>
-                </a:r>
-                <a:r>
-                  <a:rPr lang="de-DE" dirty="0" smtClean="0"/>
-                  <a:t> </a:t>
-                </a:r>
-                <a:r>
-                  <a:rPr lang="de-DE" dirty="0" err="1" smtClean="0"/>
-                  <a:t>conditionals</a:t>
-                </a:r>
-                <a:r>
-                  <a:rPr lang="de-DE" dirty="0" smtClean="0"/>
-                  <a:t> </a:t>
-                </a:r>
-                <a:r>
-                  <a:rPr lang="de-DE" dirty="0" err="1" smtClean="0"/>
-                  <a:t>to</a:t>
-                </a:r>
-                <a:r>
-                  <a:rPr lang="de-DE" dirty="0" smtClean="0"/>
-                  <a:t> </a:t>
-                </a:r>
-                <a:r>
-                  <a:rPr lang="de-DE" dirty="0" err="1" smtClean="0"/>
-                  <a:t>simulate</a:t>
-                </a:r>
-                <a:r>
-                  <a:rPr lang="de-DE" dirty="0" smtClean="0"/>
-                  <a:t> </a:t>
-                </a:r>
-                <a:r>
-                  <a:rPr lang="de-DE" dirty="0" err="1" smtClean="0"/>
-                  <a:t>physical</a:t>
-                </a:r>
-                <a:r>
-                  <a:rPr lang="de-DE" dirty="0" smtClean="0"/>
-                  <a:t> </a:t>
-                </a:r>
-                <a:r>
-                  <a:rPr lang="de-DE" dirty="0" err="1" smtClean="0"/>
-                  <a:t>effects</a:t>
-                </a:r>
-                <a:r>
-                  <a:rPr lang="de-DE" dirty="0" smtClean="0"/>
-                  <a:t> not </a:t>
-                </a:r>
-                <a:r>
-                  <a:rPr lang="de-DE" dirty="0" err="1" smtClean="0"/>
-                  <a:t>present</a:t>
-                </a:r>
-                <a:r>
-                  <a:rPr lang="de-DE" dirty="0" smtClean="0"/>
-                  <a:t> in </a:t>
-                </a:r>
-                <a:r>
-                  <a:rPr lang="de-DE" dirty="0" err="1" smtClean="0"/>
-                  <a:t>the</a:t>
-                </a:r>
-                <a:r>
-                  <a:rPr lang="de-DE" dirty="0" smtClean="0"/>
-                  <a:t> </a:t>
-                </a:r>
-                <a:r>
-                  <a:rPr lang="de-DE" dirty="0" err="1" smtClean="0"/>
-                  <a:t>mathematical</a:t>
-                </a:r>
-                <a:r>
-                  <a:rPr lang="de-DE" dirty="0" smtClean="0"/>
-                  <a:t> </a:t>
-                </a:r>
-                <a:r>
-                  <a:rPr lang="de-DE" dirty="0" err="1" smtClean="0"/>
-                  <a:t>model</a:t>
-                </a:r>
-                <a:endParaRPr lang="de-DE" dirty="0" smtClean="0"/>
-              </a:p>
-              <a:p>
-                <a:r>
-                  <a:rPr lang="de-DE" dirty="0" err="1" smtClean="0"/>
-                  <a:t>For</a:t>
-                </a:r>
-                <a:r>
-                  <a:rPr lang="de-DE" dirty="0" smtClean="0"/>
-                  <a:t> </a:t>
-                </a:r>
-                <a:r>
-                  <a:rPr lang="de-DE" dirty="0" err="1" smtClean="0"/>
-                  <a:t>this</a:t>
-                </a:r>
-                <a:r>
-                  <a:rPr lang="de-DE" dirty="0" smtClean="0"/>
-                  <a:t> </a:t>
-                </a:r>
-                <a:r>
-                  <a:rPr lang="de-DE" dirty="0" err="1" smtClean="0"/>
-                  <a:t>simulation</a:t>
-                </a:r>
-                <a:r>
-                  <a:rPr lang="de-DE" dirty="0" smtClean="0"/>
-                  <a:t> parallel beam </a:t>
-                </a:r>
-                <a:r>
-                  <a:rPr lang="de-DE" dirty="0" err="1" smtClean="0"/>
-                  <a:t>geometry</a:t>
-                </a:r>
-                <a:r>
-                  <a:rPr lang="de-DE" dirty="0" smtClean="0"/>
-                  <a:t> was </a:t>
-                </a:r>
-                <a:r>
-                  <a:rPr lang="de-DE" dirty="0" err="1" smtClean="0"/>
-                  <a:t>chosen</a:t>
-                </a:r>
-                <a:endParaRPr lang="de-DE" dirty="0" smtClean="0"/>
-              </a:p>
-              <a:p>
-                <a:pPr lvl="1"/>
-                <a:r>
-                  <a:rPr lang="de-DE" dirty="0" err="1" smtClean="0"/>
-                  <a:t>Equivalent</a:t>
-                </a:r>
-                <a:r>
-                  <a:rPr lang="de-DE" dirty="0" smtClean="0"/>
-                  <a:t> </a:t>
-                </a:r>
-                <a:r>
-                  <a:rPr lang="de-DE" dirty="0" err="1" smtClean="0"/>
-                  <a:t>to</a:t>
-                </a:r>
-                <a:r>
-                  <a:rPr lang="de-DE" dirty="0" smtClean="0"/>
-                  <a:t> </a:t>
-                </a:r>
-                <a:r>
-                  <a:rPr lang="de-DE" dirty="0" err="1" smtClean="0"/>
-                  <a:t>fan</a:t>
-                </a:r>
-                <a:r>
-                  <a:rPr lang="de-DE" dirty="0" smtClean="0"/>
-                  <a:t> beam </a:t>
-                </a:r>
-                <a:r>
-                  <a:rPr lang="de-DE" dirty="0" err="1" smtClean="0"/>
-                  <a:t>geometry</a:t>
-                </a:r>
-                <a:endParaRPr lang="de-DE" dirty="0" smtClean="0"/>
-              </a:p>
-              <a:p>
-                <a:r>
-                  <a:rPr lang="de-DE" dirty="0" smtClean="0"/>
-                  <a:t>Simulation </a:t>
-                </a:r>
-                <a:r>
-                  <a:rPr lang="de-DE" dirty="0" err="1" smtClean="0"/>
-                  <a:t>of</a:t>
-                </a:r>
-                <a:r>
-                  <a:rPr lang="de-DE" dirty="0" smtClean="0"/>
-                  <a:t> an X-Ray </a:t>
-                </a:r>
-                <a:r>
-                  <a:rPr lang="de-DE" dirty="0" err="1" smtClean="0"/>
-                  <a:t>tube</a:t>
-                </a:r>
-                <a:r>
-                  <a:rPr lang="de-DE" dirty="0" smtClean="0"/>
-                  <a:t> at different </a:t>
-                </a:r>
-                <a:r>
-                  <a:rPr lang="de-DE" dirty="0" err="1" smtClean="0"/>
-                  <a:t>voltages</a:t>
-                </a:r>
-                <a:endParaRPr lang="de-DE" dirty="0" smtClean="0"/>
-              </a:p>
-              <a:p>
-                <a:pPr lvl="1"/>
-                <a:r>
-                  <a:rPr lang="de-DE" dirty="0" smtClean="0"/>
-                  <a:t>Lookup </a:t>
-                </a:r>
-                <a:r>
-                  <a:rPr lang="de-DE" dirty="0" err="1" smtClean="0"/>
-                  <a:t>tables</a:t>
-                </a:r>
-                <a:r>
-                  <a:rPr lang="de-DE" dirty="0" smtClean="0"/>
-                  <a:t> </a:t>
-                </a:r>
-                <a:r>
-                  <a:rPr lang="de-DE" dirty="0" err="1" smtClean="0"/>
-                  <a:t>for</a:t>
-                </a:r>
-                <a:r>
-                  <a:rPr lang="de-DE" dirty="0" smtClean="0"/>
-                  <a:t> </a:t>
-                </a:r>
-                <a:r>
-                  <a:rPr lang="de-DE" dirty="0" err="1" smtClean="0"/>
-                  <a:t>spectra</a:t>
-                </a:r>
-                <a:endParaRPr lang="de-DE" dirty="0" smtClean="0"/>
-              </a:p>
-              <a:p>
-                <a:r>
-                  <a:rPr lang="de-DE" dirty="0" smtClean="0"/>
-                  <a:t>Simulation </a:t>
-                </a:r>
-                <a:r>
-                  <a:rPr lang="de-DE" dirty="0" err="1" smtClean="0"/>
-                  <a:t>of</a:t>
-                </a:r>
-                <a:r>
-                  <a:rPr lang="de-DE" dirty="0" smtClean="0"/>
-                  <a:t> </a:t>
-                </a:r>
-                <a:r>
-                  <a:rPr lang="de-DE" dirty="0" err="1" smtClean="0"/>
-                  <a:t>attenuation</a:t>
-                </a:r>
-                <a:endParaRPr lang="de-DE" dirty="0" smtClean="0"/>
-              </a:p>
-              <a:p>
-                <a:pPr lvl="1"/>
-                <a:r>
-                  <a:rPr lang="de-DE" dirty="0" err="1" smtClean="0"/>
-                  <a:t>Segmented</a:t>
-                </a:r>
-                <a:r>
-                  <a:rPr lang="de-DE" dirty="0" smtClean="0"/>
-                  <a:t> </a:t>
-                </a:r>
-                <a:r>
-                  <a:rPr lang="de-DE" dirty="0" err="1" smtClean="0"/>
-                  <a:t>patient</a:t>
-                </a:r>
-                <a:r>
-                  <a:rPr lang="de-DE" dirty="0" smtClean="0"/>
-                  <a:t> </a:t>
-                </a:r>
-                <a:r>
-                  <a:rPr lang="de-DE" dirty="0" err="1" smtClean="0"/>
-                  <a:t>dataset</a:t>
-                </a:r>
-                <a:endParaRPr lang="de-DE" dirty="0" smtClean="0"/>
-              </a:p>
-              <a:p>
-                <a:pPr lvl="1"/>
-                <a:r>
-                  <a:rPr lang="de-DE" dirty="0" smtClean="0"/>
-                  <a:t>Lookup </a:t>
-                </a:r>
-                <a:r>
-                  <a:rPr lang="de-DE" dirty="0" err="1" smtClean="0"/>
-                  <a:t>tables</a:t>
-                </a:r>
-                <a:r>
-                  <a:rPr lang="de-DE" dirty="0" smtClean="0"/>
-                  <a:t> </a:t>
-                </a:r>
-                <a:r>
-                  <a:rPr lang="de-DE" dirty="0" err="1" smtClean="0"/>
-                  <a:t>for</a:t>
-                </a:r>
-                <a:r>
-                  <a:rPr lang="de-DE" dirty="0" smtClean="0"/>
-                  <a:t> </a:t>
-                </a:r>
-                <a:r>
-                  <a:rPr lang="de-DE" dirty="0" err="1" smtClean="0"/>
-                  <a:t>attenuation</a:t>
-                </a:r>
-                <a:r>
-                  <a:rPr lang="de-DE" dirty="0" smtClean="0"/>
-                  <a:t> </a:t>
-                </a:r>
-                <a:r>
-                  <a:rPr lang="de-DE" dirty="0" err="1" smtClean="0"/>
-                  <a:t>values</a:t>
-                </a:r>
-                <a:endParaRPr lang="de-DE" dirty="0" smtClean="0"/>
-              </a:p>
-              <a:p>
-                <a:r>
-                  <a:rPr lang="de-DE" dirty="0" err="1" smtClean="0"/>
-                  <a:t>Complete</a:t>
-                </a:r>
-                <a:r>
-                  <a:rPr lang="de-DE" dirty="0" smtClean="0"/>
-                  <a:t> </a:t>
-                </a:r>
-                <a:r>
-                  <a:rPr lang="de-DE" dirty="0" err="1" smtClean="0"/>
-                  <a:t>forward</a:t>
-                </a:r>
-                <a:r>
-                  <a:rPr lang="de-DE" dirty="0" smtClean="0"/>
-                  <a:t> </a:t>
-                </a:r>
-                <a:r>
-                  <a:rPr lang="de-DE" dirty="0" err="1" smtClean="0"/>
-                  <a:t>projection</a:t>
-                </a:r>
-                <a:r>
-                  <a:rPr lang="de-DE" dirty="0" smtClean="0"/>
-                  <a:t> </a:t>
-                </a:r>
-                <a:r>
-                  <a:rPr lang="de-DE" dirty="0" err="1" smtClean="0"/>
-                  <a:t>can</a:t>
-                </a:r>
-                <a:r>
-                  <a:rPr lang="de-DE" dirty="0" smtClean="0"/>
-                  <a:t> </a:t>
-                </a:r>
-                <a:r>
-                  <a:rPr lang="de-DE" dirty="0" err="1" smtClean="0"/>
-                  <a:t>be</a:t>
-                </a:r>
-                <a:r>
-                  <a:rPr lang="de-DE" dirty="0" smtClean="0"/>
-                  <a:t> </a:t>
-                </a:r>
-                <a:r>
-                  <a:rPr lang="de-DE" dirty="0" err="1" smtClean="0"/>
-                  <a:t>formulated</a:t>
-                </a:r>
-                <a:r>
-                  <a:rPr lang="de-DE" dirty="0" smtClean="0"/>
-                  <a:t> </a:t>
-                </a:r>
-                <a:r>
-                  <a:rPr lang="de-DE" dirty="0" err="1" smtClean="0"/>
-                  <a:t>as</a:t>
-                </a:r>
-                <a:endParaRPr lang="de-DE" dirty="0" smtClean="0"/>
-              </a:p>
-              <a:p>
-                <a:pPr marL="0" indent="0">
-                  <a:buNone/>
-                </a:pPr>
-                <a14:m>
-                  <m:oMathPara xmlns:m="http://schemas.openxmlformats.org/officeDocument/2006/math">
-                    <m:oMathParaPr>
-                      <m:jc m:val="centerGroup"/>
-                    </m:oMathParaPr>
-                    <m:oMath xmlns:m="http://schemas.openxmlformats.org/officeDocument/2006/math">
-                      <m:nary>
-                        <m:naryPr>
-                          <m:chr m:val="∑"/>
-                          <m:supHide m:val="on"/>
-                          <m:ctrlPr>
-                            <a:rPr lang="de-DE" i="1" smtClean="0">
-                              <a:latin typeface="Cambria Math" panose="02040503050406030204" pitchFamily="18" charset="0"/>
-                            </a:rPr>
-                          </m:ctrlPr>
-                        </m:naryPr>
-                        <m:sub>
-                          <m:r>
-                            <m:rPr>
-                              <m:brk m:alnAt="7"/>
-                            </m:rPr>
-                            <a:rPr lang="de-DE" b="0" i="1" smtClean="0">
-                              <a:latin typeface="Cambria Math" panose="02040503050406030204" pitchFamily="18" charset="0"/>
-                            </a:rPr>
-                            <m:t>𝑝</m:t>
-                          </m:r>
-                          <m:r>
-                            <a:rPr lang="de-DE" b="0" i="1" smtClean="0">
-                              <a:latin typeface="Cambria Math" panose="02040503050406030204" pitchFamily="18" charset="0"/>
-                              <a:ea typeface="Cambria Math" panose="02040503050406030204" pitchFamily="18" charset="0"/>
-                            </a:rPr>
-                            <m:t>∈</m:t>
-                          </m:r>
-                          <m:r>
-                            <a:rPr lang="de-DE" b="0" i="1" smtClean="0">
-                              <a:latin typeface="Cambria Math" panose="02040503050406030204" pitchFamily="18" charset="0"/>
-                              <a:ea typeface="Cambria Math" panose="02040503050406030204" pitchFamily="18" charset="0"/>
-                            </a:rPr>
-                            <m:t>𝑃</m:t>
-                          </m:r>
-                        </m:sub>
-                        <m:sup/>
-                        <m:e>
-                          <m:nary>
-                            <m:naryPr>
-                              <m:chr m:val="∑"/>
-                              <m:supHide m:val="on"/>
-                              <m:ctrlPr>
-                                <a:rPr lang="de-DE" i="1" smtClean="0">
-                                  <a:latin typeface="Cambria Math" panose="02040503050406030204" pitchFamily="18" charset="0"/>
-                                </a:rPr>
-                              </m:ctrlPr>
-                            </m:naryPr>
-                            <m:sub>
-                              <m:r>
-                                <m:rPr>
-                                  <m:brk m:alnAt="7"/>
-                                </m:rPr>
-                                <a:rPr lang="de-DE" b="0" i="1" smtClean="0">
-                                  <a:latin typeface="Cambria Math" panose="02040503050406030204" pitchFamily="18" charset="0"/>
-                                </a:rPr>
-                                <m:t>𝑒𝑛</m:t>
-                              </m:r>
-                              <m:r>
-                                <a:rPr lang="de-DE" b="0" i="1" smtClean="0">
-                                  <a:latin typeface="Cambria Math" panose="02040503050406030204" pitchFamily="18" charset="0"/>
-                                  <a:ea typeface="Cambria Math" panose="02040503050406030204" pitchFamily="18" charset="0"/>
-                                </a:rPr>
-                                <m:t>∈</m:t>
-                              </m:r>
-                              <m:r>
-                                <a:rPr lang="de-DE" b="0" i="1" smtClean="0">
-                                  <a:latin typeface="Cambria Math" panose="02040503050406030204" pitchFamily="18" charset="0"/>
-                                  <a:ea typeface="Cambria Math" panose="02040503050406030204" pitchFamily="18" charset="0"/>
-                                </a:rPr>
-                                <m:t>𝐸</m:t>
-                              </m:r>
-                            </m:sub>
-                            <m:sup/>
-                            <m:e>
-                              <m:nary>
-                                <m:naryPr>
-                                  <m:chr m:val="∑"/>
-                                  <m:supHide m:val="on"/>
-                                  <m:ctrlPr>
-                                    <a:rPr lang="de-DE" i="1" smtClean="0">
-                                      <a:latin typeface="Cambria Math" panose="02040503050406030204" pitchFamily="18" charset="0"/>
-                                    </a:rPr>
-                                  </m:ctrlPr>
-                                </m:naryPr>
-                                <m:sub>
-                                  <m:r>
-                                    <m:rPr>
-                                      <m:brk m:alnAt="7"/>
-                                    </m:rPr>
-                                    <a:rPr lang="de-DE" b="0" i="1" smtClean="0">
-                                      <a:latin typeface="Cambria Math" panose="02040503050406030204" pitchFamily="18" charset="0"/>
-                                    </a:rPr>
-                                    <m:t>𝑑</m:t>
-                                  </m:r>
-                                  <m:r>
-                                    <a:rPr lang="de-DE" b="0" i="1" smtClean="0">
-                                      <a:latin typeface="Cambria Math" panose="02040503050406030204" pitchFamily="18" charset="0"/>
-                                      <a:ea typeface="Cambria Math" panose="02040503050406030204" pitchFamily="18" charset="0"/>
-                                    </a:rPr>
-                                    <m:t>∈</m:t>
-                                  </m:r>
-                                  <m:r>
-                                    <a:rPr lang="de-DE" b="0" i="1" smtClean="0">
-                                      <a:latin typeface="Cambria Math" panose="02040503050406030204" pitchFamily="18" charset="0"/>
-                                      <a:ea typeface="Cambria Math" panose="02040503050406030204" pitchFamily="18" charset="0"/>
-                                    </a:rPr>
-                                    <m:t>𝐷</m:t>
-                                  </m:r>
-                                </m:sub>
-                                <m:sup/>
-                                <m:e>
-                                  <m:nary>
-                                    <m:naryPr>
-                                      <m:chr m:val="∑"/>
-                                      <m:supHide m:val="on"/>
-                                      <m:ctrlPr>
-                                        <a:rPr lang="de-DE" i="1" smtClean="0">
-                                          <a:latin typeface="Cambria Math" panose="02040503050406030204" pitchFamily="18" charset="0"/>
-                                        </a:rPr>
-                                      </m:ctrlPr>
-                                    </m:naryPr>
-                                    <m:sub>
-                                      <m:r>
-                                        <m:rPr>
-                                          <m:brk m:alnAt="7"/>
-                                        </m:rPr>
-                                        <a:rPr lang="de-DE" b="0" i="1" smtClean="0">
-                                          <a:latin typeface="Cambria Math" panose="02040503050406030204" pitchFamily="18" charset="0"/>
-                                        </a:rPr>
-                                        <m:t>𝑙</m:t>
-                                      </m:r>
-                                      <m:r>
-                                        <a:rPr lang="de-DE" b="0" i="1" smtClean="0">
-                                          <a:latin typeface="Cambria Math" panose="02040503050406030204" pitchFamily="18" charset="0"/>
-                                          <a:ea typeface="Cambria Math" panose="02040503050406030204" pitchFamily="18" charset="0"/>
-                                        </a:rPr>
-                                        <m:t>∈</m:t>
-                                      </m:r>
-                                      <m:r>
-                                        <a:rPr lang="de-DE" b="0" i="1" smtClean="0">
-                                          <a:latin typeface="Cambria Math" panose="02040503050406030204" pitchFamily="18" charset="0"/>
-                                          <a:ea typeface="Cambria Math" panose="02040503050406030204" pitchFamily="18" charset="0"/>
-                                        </a:rPr>
-                                        <m:t>𝐿</m:t>
-                                      </m:r>
-                                    </m:sub>
-                                    <m:sup/>
-                                    <m:e>
-                                      <m:sSub>
-                                        <m:sSubPr>
-                                          <m:ctrlPr>
-                                            <a:rPr lang="de-DE" i="1" smtClean="0">
-                                              <a:latin typeface="Cambria Math" panose="02040503050406030204" pitchFamily="18" charset="0"/>
-                                            </a:rPr>
-                                          </m:ctrlPr>
-                                        </m:sSubPr>
-                                        <m:e>
-                                          <m:r>
-                                            <a:rPr lang="de-DE" b="0" i="1" smtClean="0">
-                                              <a:latin typeface="Cambria Math" panose="02040503050406030204" pitchFamily="18" charset="0"/>
-                                            </a:rPr>
-                                            <m:t>𝐼</m:t>
-                                          </m:r>
-                                        </m:e>
-                                        <m:sub>
-                                          <m:r>
-                                            <a:rPr lang="de-DE" b="0" i="1" smtClean="0">
-                                              <a:latin typeface="Cambria Math" panose="02040503050406030204" pitchFamily="18" charset="0"/>
-                                            </a:rPr>
-                                            <m:t>0</m:t>
-                                          </m:r>
-                                        </m:sub>
-                                      </m:sSub>
-                                      <m:r>
-                                        <a:rPr lang="de-DE" i="1">
-                                          <a:latin typeface="Cambria Math" panose="02040503050406030204" pitchFamily="18" charset="0"/>
-                                          <a:ea typeface="Cambria Math" panose="02040503050406030204" pitchFamily="18" charset="0"/>
-                                        </a:rPr>
-                                        <m:t>∙</m:t>
-                                      </m:r>
-                                      <m:sSup>
-                                        <m:sSupPr>
-                                          <m:ctrlPr>
-                                            <a:rPr lang="de-DE" i="1" smtClean="0">
-                                              <a:latin typeface="Cambria Math" panose="02040503050406030204" pitchFamily="18" charset="0"/>
-                                              <a:ea typeface="Cambria Math" panose="02040503050406030204" pitchFamily="18" charset="0"/>
-                                            </a:rPr>
-                                          </m:ctrlPr>
-                                        </m:sSupPr>
-                                        <m:e>
-                                          <m:r>
-                                            <a:rPr lang="de-DE" b="0" i="1" smtClean="0">
-                                              <a:latin typeface="Cambria Math" panose="02040503050406030204" pitchFamily="18" charset="0"/>
-                                              <a:ea typeface="Cambria Math" panose="02040503050406030204" pitchFamily="18" charset="0"/>
-                                            </a:rPr>
-                                            <m:t>𝑒</m:t>
-                                          </m:r>
-                                        </m:e>
-                                        <m:sup>
-                                          <m:r>
-                                            <a:rPr lang="de-DE" b="0" i="1" smtClean="0">
-                                              <a:latin typeface="Cambria Math" panose="02040503050406030204" pitchFamily="18" charset="0"/>
-                                              <a:ea typeface="Cambria Math" panose="02040503050406030204" pitchFamily="18" charset="0"/>
-                                            </a:rPr>
-                                            <m:t>−</m:t>
-                                          </m:r>
-                                          <m:nary>
-                                            <m:naryPr>
-                                              <m:chr m:val="∑"/>
-                                              <m:supHide m:val="on"/>
-                                              <m:ctrlPr>
-                                                <a:rPr lang="de-DE" b="0" i="1" smtClean="0">
-                                                  <a:latin typeface="Cambria Math" panose="02040503050406030204" pitchFamily="18" charset="0"/>
-                                                  <a:ea typeface="Cambria Math" panose="02040503050406030204" pitchFamily="18" charset="0"/>
-                                                </a:rPr>
-                                              </m:ctrlPr>
-                                            </m:naryPr>
-                                            <m:sub>
-                                              <m:r>
-                                                <m:rPr>
-                                                  <m:brk m:alnAt="7"/>
-                                                </m:rPr>
-                                                <a:rPr lang="de-DE" b="0" i="1" smtClean="0">
-                                                  <a:latin typeface="Cambria Math" panose="02040503050406030204" pitchFamily="18" charset="0"/>
-                                                  <a:ea typeface="Cambria Math" panose="02040503050406030204" pitchFamily="18" charset="0"/>
-                                                </a:rPr>
-                                                <m:t>𝜂</m:t>
-                                              </m:r>
-                                              <m:r>
-                                                <a:rPr lang="de-DE" b="0" i="1" smtClean="0">
-                                                  <a:latin typeface="Cambria Math" panose="02040503050406030204" pitchFamily="18" charset="0"/>
-                                                  <a:ea typeface="Cambria Math" panose="02040503050406030204" pitchFamily="18" charset="0"/>
-                                                </a:rPr>
-                                                <m:t>∈</m:t>
-                                              </m:r>
-                                              <m:r>
-                                                <a:rPr lang="de-DE" b="0" i="1" smtClean="0">
-                                                  <a:latin typeface="Cambria Math" panose="02040503050406030204" pitchFamily="18" charset="0"/>
-                                                  <a:ea typeface="Cambria Math" panose="02040503050406030204" pitchFamily="18" charset="0"/>
-                                                </a:rPr>
-                                                <m:t>𝑀</m:t>
-                                              </m:r>
-                                            </m:sub>
-                                            <m:sup/>
-                                            <m:e>
-                                              <m:r>
-                                                <a:rPr lang="de-DE" b="0" i="1" smtClean="0">
-                                                  <a:latin typeface="Cambria Math" panose="02040503050406030204" pitchFamily="18" charset="0"/>
-                                                  <a:ea typeface="Cambria Math" panose="02040503050406030204" pitchFamily="18" charset="0"/>
-                                                </a:rPr>
-                                                <m:t>𝜇</m:t>
-                                              </m:r>
-                                              <m:r>
-                                                <a:rPr lang="de-DE" b="0" i="1" smtClean="0">
-                                                  <a:latin typeface="Cambria Math" panose="02040503050406030204" pitchFamily="18" charset="0"/>
-                                                  <a:ea typeface="Cambria Math" panose="02040503050406030204" pitchFamily="18" charset="0"/>
-                                                </a:rPr>
-                                                <m:t>(</m:t>
-                                              </m:r>
-                                              <m:r>
-                                                <a:rPr lang="de-DE" b="0" i="1" smtClean="0">
-                                                  <a:latin typeface="Cambria Math" panose="02040503050406030204" pitchFamily="18" charset="0"/>
-                                                  <a:ea typeface="Cambria Math" panose="02040503050406030204" pitchFamily="18" charset="0"/>
-                                                </a:rPr>
-                                                <m:t>𝜂</m:t>
-                                              </m:r>
-                                              <m:r>
-                                                <a:rPr lang="de-DE" b="0" i="1" smtClean="0">
-                                                  <a:latin typeface="Cambria Math" panose="02040503050406030204" pitchFamily="18" charset="0"/>
-                                                  <a:ea typeface="Cambria Math" panose="02040503050406030204" pitchFamily="18" charset="0"/>
-                                                </a:rPr>
-                                                <m:t>,</m:t>
-                                              </m:r>
-                                              <m:r>
-                                                <a:rPr lang="de-DE" b="0" i="1" smtClean="0">
-                                                  <a:latin typeface="Cambria Math" panose="02040503050406030204" pitchFamily="18" charset="0"/>
-                                                  <a:ea typeface="Cambria Math" panose="02040503050406030204" pitchFamily="18" charset="0"/>
-                                                </a:rPr>
-                                                <m:t>𝑥</m:t>
-                                              </m:r>
-                                              <m:r>
-                                                <a:rPr lang="de-DE" b="0" i="1" smtClean="0">
-                                                  <a:latin typeface="Cambria Math" panose="02040503050406030204" pitchFamily="18" charset="0"/>
-                                                  <a:ea typeface="Cambria Math" panose="02040503050406030204" pitchFamily="18" charset="0"/>
-                                                </a:rPr>
-                                                <m:t>,</m:t>
-                                              </m:r>
-                                              <m:r>
-                                                <a:rPr lang="de-DE" b="0" i="1" smtClean="0">
-                                                  <a:latin typeface="Cambria Math" panose="02040503050406030204" pitchFamily="18" charset="0"/>
-                                                  <a:ea typeface="Cambria Math" panose="02040503050406030204" pitchFamily="18" charset="0"/>
-                                                </a:rPr>
-                                                <m:t>𝑦</m:t>
-                                              </m:r>
-                                              <m:r>
-                                                <a:rPr lang="de-DE" b="0" i="1" smtClean="0">
-                                                  <a:latin typeface="Cambria Math" panose="02040503050406030204" pitchFamily="18" charset="0"/>
-                                                  <a:ea typeface="Cambria Math" panose="02040503050406030204" pitchFamily="18" charset="0"/>
-                                                </a:rPr>
-                                                <m:t>,</m:t>
-                                              </m:r>
-                                              <m:r>
-                                                <a:rPr lang="de-DE" b="0" i="1" smtClean="0">
-                                                  <a:latin typeface="Cambria Math" panose="02040503050406030204" pitchFamily="18" charset="0"/>
-                                                  <a:ea typeface="Cambria Math" panose="02040503050406030204" pitchFamily="18" charset="0"/>
-                                                </a:rPr>
-                                                <m:t>𝑒𝑛</m:t>
-                                              </m:r>
-                                              <m:r>
-                                                <a:rPr lang="de-DE" b="0" i="1" smtClean="0">
-                                                  <a:latin typeface="Cambria Math" panose="02040503050406030204" pitchFamily="18" charset="0"/>
-                                                  <a:ea typeface="Cambria Math" panose="02040503050406030204" pitchFamily="18" charset="0"/>
-                                                </a:rPr>
-                                                <m:t>)</m:t>
-                                              </m:r>
-                                            </m:e>
-                                          </m:nary>
-                                        </m:sup>
-                                      </m:sSup>
-                                    </m:e>
-                                  </m:nary>
-                                </m:e>
-                              </m:nary>
-                            </m:e>
-                          </m:nary>
-                        </m:e>
-                      </m:nary>
-                    </m:oMath>
-                  </m:oMathPara>
-                </a14:m>
-                <a:endParaRPr lang="de-DE" dirty="0" smtClean="0"/>
-              </a:p>
-              <a:p>
-                <a:pPr marL="0" indent="0">
-                  <a:buNone/>
-                </a:pPr>
-                <a14:m>
-                  <m:oMathPara xmlns:m="http://schemas.openxmlformats.org/officeDocument/2006/math">
-                    <m:oMathParaPr>
-                      <m:jc m:val="centerGroup"/>
-                    </m:oMathParaPr>
-                    <m:oMath xmlns:m="http://schemas.openxmlformats.org/officeDocument/2006/math">
-                      <m:r>
-                        <m:rPr>
-                          <m:nor/>
-                        </m:rPr>
-                        <a:rPr lang="de-DE">
-                          <a:latin typeface="Cambria Math" panose="02040503050406030204" pitchFamily="18" charset="0"/>
-                        </a:rPr>
-                        <m:t>with</m:t>
-                      </m:r>
-                      <m:r>
-                        <m:rPr>
-                          <m:nor/>
-                        </m:rPr>
-                        <a:rPr lang="de-DE">
-                          <a:latin typeface="Cambria Math" panose="02040503050406030204" pitchFamily="18" charset="0"/>
-                        </a:rPr>
-                        <m:t> </m:t>
-                      </m:r>
-                      <m:r>
-                        <a:rPr lang="de-DE" i="1">
-                          <a:latin typeface="Cambria Math" panose="02040503050406030204" pitchFamily="18" charset="0"/>
-                        </a:rPr>
-                        <m:t>𝑥</m:t>
-                      </m:r>
-                      <m:r>
-                        <a:rPr lang="de-DE" i="1">
-                          <a:latin typeface="Cambria Math" panose="02040503050406030204" pitchFamily="18" charset="0"/>
-                        </a:rPr>
-                        <m:t>=</m:t>
-                      </m:r>
-                      <m:r>
-                        <a:rPr lang="de-DE" i="1">
-                          <a:latin typeface="Cambria Math" panose="02040503050406030204" pitchFamily="18" charset="0"/>
-                        </a:rPr>
-                        <m:t>𝑙</m:t>
-                      </m:r>
-                      <m:r>
-                        <a:rPr lang="de-DE" i="1">
-                          <a:latin typeface="Cambria Math" panose="02040503050406030204" pitchFamily="18" charset="0"/>
-                          <a:ea typeface="Cambria Math" panose="02040503050406030204" pitchFamily="18" charset="0"/>
-                        </a:rPr>
-                        <m:t>∙</m:t>
-                      </m:r>
-                      <m:func>
-                        <m:funcPr>
-                          <m:ctrlPr>
-                            <a:rPr lang="de-DE" i="1">
-                              <a:latin typeface="Cambria Math" panose="02040503050406030204" pitchFamily="18" charset="0"/>
-                              <a:ea typeface="Cambria Math" panose="02040503050406030204" pitchFamily="18" charset="0"/>
-                            </a:rPr>
-                          </m:ctrlPr>
-                        </m:funcPr>
-                        <m:fName>
-                          <m:r>
-                            <m:rPr>
-                              <m:sty m:val="p"/>
-                            </m:rPr>
-                            <a:rPr lang="de-DE">
-                              <a:latin typeface="Cambria Math" panose="02040503050406030204" pitchFamily="18" charset="0"/>
-                              <a:ea typeface="Cambria Math" panose="02040503050406030204" pitchFamily="18" charset="0"/>
-                            </a:rPr>
-                            <m:t>sin</m:t>
-                          </m:r>
-                        </m:fName>
-                        <m:e>
-                          <m:d>
-                            <m:dPr>
-                              <m:ctrlPr>
-                                <a:rPr lang="de-DE" i="1">
-                                  <a:latin typeface="Cambria Math" panose="02040503050406030204" pitchFamily="18" charset="0"/>
-                                  <a:ea typeface="Cambria Math" panose="02040503050406030204" pitchFamily="18" charset="0"/>
-                                </a:rPr>
-                              </m:ctrlPr>
-                            </m:dPr>
-                            <m:e>
-                              <m:r>
-                                <a:rPr lang="de-DE" i="1">
-                                  <a:latin typeface="Cambria Math" panose="02040503050406030204" pitchFamily="18" charset="0"/>
-                                  <a:ea typeface="Cambria Math" panose="02040503050406030204" pitchFamily="18" charset="0"/>
-                                </a:rPr>
-                                <m:t>𝑝</m:t>
-                              </m:r>
-                            </m:e>
-                          </m:d>
-                        </m:e>
-                      </m:func>
-                      <m:r>
-                        <a:rPr lang="de-DE" i="1">
-                          <a:latin typeface="Cambria Math" panose="02040503050406030204" pitchFamily="18" charset="0"/>
-                          <a:ea typeface="Cambria Math" panose="02040503050406030204" pitchFamily="18" charset="0"/>
-                        </a:rPr>
-                        <m:t>+</m:t>
-                      </m:r>
-                      <m:r>
-                        <a:rPr lang="de-DE" i="1">
-                          <a:latin typeface="Cambria Math" panose="02040503050406030204" pitchFamily="18" charset="0"/>
-                          <a:ea typeface="Cambria Math" panose="02040503050406030204" pitchFamily="18" charset="0"/>
-                        </a:rPr>
-                        <m:t>𝑑</m:t>
-                      </m:r>
-                      <m:r>
-                        <a:rPr lang="de-DE" i="1">
-                          <a:latin typeface="Cambria Math" panose="02040503050406030204" pitchFamily="18" charset="0"/>
-                          <a:ea typeface="Cambria Math" panose="02040503050406030204" pitchFamily="18" charset="0"/>
-                        </a:rPr>
-                        <m:t>∙</m:t>
-                      </m:r>
-                      <m:func>
-                        <m:funcPr>
-                          <m:ctrlPr>
-                            <a:rPr lang="de-DE" i="1">
-                              <a:latin typeface="Cambria Math" panose="02040503050406030204" pitchFamily="18" charset="0"/>
-                              <a:ea typeface="Cambria Math" panose="02040503050406030204" pitchFamily="18" charset="0"/>
-                            </a:rPr>
-                          </m:ctrlPr>
-                        </m:funcPr>
-                        <m:fName>
-                          <m:r>
-                            <m:rPr>
-                              <m:sty m:val="p"/>
-                            </m:rPr>
-                            <a:rPr lang="de-DE">
-                              <a:latin typeface="Cambria Math" panose="02040503050406030204" pitchFamily="18" charset="0"/>
-                              <a:ea typeface="Cambria Math" panose="02040503050406030204" pitchFamily="18" charset="0"/>
-                            </a:rPr>
-                            <m:t>cos</m:t>
-                          </m:r>
-                        </m:fName>
-                        <m:e>
-                          <m:d>
-                            <m:dPr>
-                              <m:ctrlPr>
-                                <a:rPr lang="de-DE" i="1">
-                                  <a:latin typeface="Cambria Math" panose="02040503050406030204" pitchFamily="18" charset="0"/>
-                                  <a:ea typeface="Cambria Math" panose="02040503050406030204" pitchFamily="18" charset="0"/>
-                                </a:rPr>
-                              </m:ctrlPr>
-                            </m:dPr>
-                            <m:e>
-                              <m:r>
-                                <a:rPr lang="de-DE" i="1">
-                                  <a:latin typeface="Cambria Math" panose="02040503050406030204" pitchFamily="18" charset="0"/>
-                                  <a:ea typeface="Cambria Math" panose="02040503050406030204" pitchFamily="18" charset="0"/>
-                                </a:rPr>
-                                <m:t>𝑝</m:t>
-                              </m:r>
-                            </m:e>
-                          </m:d>
-                        </m:e>
-                      </m:func>
-                      <m:r>
-                        <a:rPr lang="de-DE" b="0" i="1" smtClean="0">
-                          <a:latin typeface="Cambria Math" panose="02040503050406030204" pitchFamily="18" charset="0"/>
-                          <a:ea typeface="Cambria Math" panose="02040503050406030204" pitchFamily="18" charset="0"/>
-                        </a:rPr>
-                        <m:t>, </m:t>
-                      </m:r>
-                      <m:r>
-                        <a:rPr lang="de-DE" i="1">
-                          <a:latin typeface="Cambria Math" panose="02040503050406030204" pitchFamily="18" charset="0"/>
-                          <a:ea typeface="Cambria Math" panose="02040503050406030204" pitchFamily="18" charset="0"/>
-                        </a:rPr>
-                        <m:t>𝑦</m:t>
-                      </m:r>
-                      <m:r>
-                        <a:rPr lang="de-DE" i="1">
-                          <a:latin typeface="Cambria Math" panose="02040503050406030204" pitchFamily="18" charset="0"/>
-                          <a:ea typeface="Cambria Math" panose="02040503050406030204" pitchFamily="18" charset="0"/>
-                        </a:rPr>
-                        <m:t>=−</m:t>
-                      </m:r>
-                      <m:r>
-                        <a:rPr lang="de-DE" i="1">
-                          <a:latin typeface="Cambria Math" panose="02040503050406030204" pitchFamily="18" charset="0"/>
-                          <a:ea typeface="Cambria Math" panose="02040503050406030204" pitchFamily="18" charset="0"/>
-                        </a:rPr>
-                        <m:t>𝑙</m:t>
-                      </m:r>
-                      <m:r>
-                        <a:rPr lang="de-DE" i="1">
-                          <a:latin typeface="Cambria Math" panose="02040503050406030204" pitchFamily="18" charset="0"/>
-                          <a:ea typeface="Cambria Math" panose="02040503050406030204" pitchFamily="18" charset="0"/>
-                        </a:rPr>
-                        <m:t>∙</m:t>
-                      </m:r>
-                      <m:func>
-                        <m:funcPr>
-                          <m:ctrlPr>
-                            <a:rPr lang="de-DE" i="1">
-                              <a:latin typeface="Cambria Math" panose="02040503050406030204" pitchFamily="18" charset="0"/>
-                              <a:ea typeface="Cambria Math" panose="02040503050406030204" pitchFamily="18" charset="0"/>
-                            </a:rPr>
-                          </m:ctrlPr>
-                        </m:funcPr>
-                        <m:fName>
-                          <m:r>
-                            <m:rPr>
-                              <m:sty m:val="p"/>
-                            </m:rPr>
-                            <a:rPr lang="de-DE">
-                              <a:latin typeface="Cambria Math" panose="02040503050406030204" pitchFamily="18" charset="0"/>
-                              <a:ea typeface="Cambria Math" panose="02040503050406030204" pitchFamily="18" charset="0"/>
-                            </a:rPr>
-                            <m:t>cos</m:t>
-                          </m:r>
-                        </m:fName>
-                        <m:e>
-                          <m:d>
-                            <m:dPr>
-                              <m:ctrlPr>
-                                <a:rPr lang="de-DE" i="1">
-                                  <a:latin typeface="Cambria Math" panose="02040503050406030204" pitchFamily="18" charset="0"/>
-                                  <a:ea typeface="Cambria Math" panose="02040503050406030204" pitchFamily="18" charset="0"/>
-                                </a:rPr>
-                              </m:ctrlPr>
-                            </m:dPr>
-                            <m:e>
-                              <m:r>
-                                <a:rPr lang="de-DE" i="1">
-                                  <a:latin typeface="Cambria Math" panose="02040503050406030204" pitchFamily="18" charset="0"/>
-                                  <a:ea typeface="Cambria Math" panose="02040503050406030204" pitchFamily="18" charset="0"/>
-                                </a:rPr>
-                                <m:t>𝑝</m:t>
-                              </m:r>
-                            </m:e>
-                          </m:d>
-                        </m:e>
-                      </m:func>
-                      <m:r>
-                        <a:rPr lang="de-DE" i="1">
-                          <a:latin typeface="Cambria Math" panose="02040503050406030204" pitchFamily="18" charset="0"/>
-                          <a:ea typeface="Cambria Math" panose="02040503050406030204" pitchFamily="18" charset="0"/>
-                        </a:rPr>
-                        <m:t>+</m:t>
-                      </m:r>
-                      <m:r>
-                        <a:rPr lang="de-DE" i="1">
-                          <a:latin typeface="Cambria Math" panose="02040503050406030204" pitchFamily="18" charset="0"/>
-                          <a:ea typeface="Cambria Math" panose="02040503050406030204" pitchFamily="18" charset="0"/>
-                        </a:rPr>
-                        <m:t>𝑑</m:t>
-                      </m:r>
-                      <m:r>
-                        <a:rPr lang="de-DE" i="1">
-                          <a:latin typeface="Cambria Math" panose="02040503050406030204" pitchFamily="18" charset="0"/>
-                          <a:ea typeface="Cambria Math" panose="02040503050406030204" pitchFamily="18" charset="0"/>
-                        </a:rPr>
-                        <m:t>∙</m:t>
-                      </m:r>
-                      <m:func>
-                        <m:funcPr>
-                          <m:ctrlPr>
-                            <a:rPr lang="de-DE" i="1">
-                              <a:latin typeface="Cambria Math" panose="02040503050406030204" pitchFamily="18" charset="0"/>
-                              <a:ea typeface="Cambria Math" panose="02040503050406030204" pitchFamily="18" charset="0"/>
-                            </a:rPr>
-                          </m:ctrlPr>
-                        </m:funcPr>
-                        <m:fName>
-                          <m:r>
-                            <m:rPr>
-                              <m:sty m:val="p"/>
-                            </m:rPr>
-                            <a:rPr lang="de-DE">
-                              <a:latin typeface="Cambria Math" panose="02040503050406030204" pitchFamily="18" charset="0"/>
-                              <a:ea typeface="Cambria Math" panose="02040503050406030204" pitchFamily="18" charset="0"/>
-                            </a:rPr>
-                            <m:t>sin</m:t>
-                          </m:r>
-                        </m:fName>
-                        <m:e>
-                          <m:r>
-                            <a:rPr lang="de-DE" i="1">
-                              <a:latin typeface="Cambria Math" panose="02040503050406030204" pitchFamily="18" charset="0"/>
-                              <a:ea typeface="Cambria Math" panose="02040503050406030204" pitchFamily="18" charset="0"/>
-                            </a:rPr>
-                            <m:t>(</m:t>
-                          </m:r>
-                          <m:r>
-                            <a:rPr lang="de-DE" i="1">
-                              <a:latin typeface="Cambria Math" panose="02040503050406030204" pitchFamily="18" charset="0"/>
-                              <a:ea typeface="Cambria Math" panose="02040503050406030204" pitchFamily="18" charset="0"/>
-                            </a:rPr>
-                            <m:t>𝑝</m:t>
-                          </m:r>
-                          <m:r>
-                            <a:rPr lang="de-DE" i="1">
-                              <a:latin typeface="Cambria Math" panose="02040503050406030204" pitchFamily="18" charset="0"/>
-                              <a:ea typeface="Cambria Math" panose="02040503050406030204" pitchFamily="18" charset="0"/>
-                            </a:rPr>
-                            <m:t>)</m:t>
-                          </m:r>
-                        </m:e>
-                      </m:func>
-                    </m:oMath>
-                  </m:oMathPara>
-                </a14:m>
-                <a:endParaRPr lang="de-DE" dirty="0"/>
-              </a:p>
-            </p:txBody>
-          </p:sp>
-        </mc:Choice>
-        <mc:Fallback>
-          <p:sp>
-            <p:nvSpPr>
-              <p:cNvPr id="3" name="Inhaltsplatzhalter 2"/>
-              <p:cNvSpPr>
-                <a:spLocks noGrp="1" noRot="1" noChangeAspect="1" noMove="1" noResize="1" noEditPoints="1" noAdjustHandles="1" noChangeArrowheads="1" noChangeShapeType="1" noTextEdit="1"/>
-              </p:cNvSpPr>
-              <p:nvPr>
-                <p:ph idx="1"/>
-              </p:nvPr>
-            </p:nvSpPr>
-            <p:spPr>
-              <a:blipFill rotWithShape="0">
-                <a:blip r:embed="rId2"/>
-                <a:stretch>
-                  <a:fillRect l="-651" t="-701" b="-4348"/>
-                </a:stretch>
-              </a:blipFill>
-            </p:spPr>
-            <p:txBody>
-              <a:bodyPr/>
-              <a:lstStyle/>
-              <a:p>
-                <a:r>
-                  <a:rPr lang="de-DE">
-                    <a:noFill/>
-                  </a:rPr>
-                  <a:t> </a:t>
-                </a:r>
-              </a:p>
-            </p:txBody>
-          </p:sp>
-        </mc:Fallback>
-      </mc:AlternateContent>
+      <p:sp>
+        <p:nvSpPr>
+          <p:cNvPr id="3" name="Inhaltsplatzhalter 2"/>
+          <p:cNvSpPr>
+            <a:spLocks noGrp="1"/>
+          </p:cNvSpPr>
+          <p:nvPr>
+            <p:ph idx="1"/>
+          </p:nvPr>
+        </p:nvSpPr>
+        <p:spPr>
+          <a:xfrm>
+            <a:off x="358775" y="1828800"/>
+            <a:ext cx="4518025" cy="4343400"/>
+          </a:xfrm>
+        </p:spPr>
+        <p:txBody>
+          <a:bodyPr/>
+          <a:lstStyle/>
+          <a:p>
+            <a:pPr marL="0" indent="0">
+              <a:buNone/>
+            </a:pPr>
+            <a:r>
+              <a:rPr lang="de-DE" b="1" dirty="0" smtClean="0"/>
+              <a:t>Beam </a:t>
+            </a:r>
+            <a:r>
+              <a:rPr lang="de-DE" b="1" dirty="0" err="1" smtClean="0"/>
+              <a:t>hardening</a:t>
+            </a:r>
+            <a:endParaRPr lang="de-DE" b="1" dirty="0" smtClean="0"/>
+          </a:p>
+          <a:p>
+            <a:pPr marL="0" indent="0">
+              <a:buNone/>
+            </a:pPr>
+            <a:endParaRPr lang="de-DE" dirty="0"/>
+          </a:p>
+          <a:p>
+            <a:r>
+              <a:rPr lang="en-US" i="1" dirty="0"/>
+              <a:t>Colloquially</a:t>
+            </a:r>
+            <a:r>
+              <a:rPr lang="en-US" dirty="0"/>
+              <a:t>, X-ray is known to have the property of effectively penetrating </a:t>
+            </a:r>
+            <a:r>
+              <a:rPr lang="en-US" dirty="0" smtClean="0"/>
+              <a:t>material.</a:t>
+            </a:r>
+          </a:p>
+          <a:p>
+            <a:endParaRPr lang="en-US" dirty="0" smtClean="0"/>
+          </a:p>
+          <a:p>
+            <a:r>
+              <a:rPr lang="en-US" dirty="0" smtClean="0"/>
+              <a:t>But radiation </a:t>
+            </a:r>
+            <a:r>
+              <a:rPr lang="en-US" dirty="0"/>
+              <a:t>attenuation </a:t>
+            </a:r>
+            <a:r>
+              <a:rPr lang="en-US" dirty="0" smtClean="0"/>
+              <a:t>is </a:t>
+            </a:r>
+            <a:r>
+              <a:rPr lang="en-US" dirty="0"/>
+              <a:t>not only </a:t>
+            </a:r>
+            <a:r>
+              <a:rPr lang="en-US" dirty="0" smtClean="0"/>
+              <a:t>dependent </a:t>
+            </a:r>
+            <a:r>
+              <a:rPr lang="en-US" dirty="0"/>
+              <a:t>on </a:t>
+            </a:r>
+            <a:r>
+              <a:rPr lang="en-US" b="1" dirty="0" smtClean="0"/>
+              <a:t>path length</a:t>
+            </a:r>
+            <a:endParaRPr lang="en-US" b="1" dirty="0"/>
+          </a:p>
+          <a:p>
+            <a:pPr lvl="1"/>
+            <a:r>
+              <a:rPr lang="en-US" dirty="0"/>
+              <a:t>but is </a:t>
+            </a:r>
+            <a:r>
+              <a:rPr lang="en-US" dirty="0" smtClean="0"/>
+              <a:t>a </a:t>
+            </a:r>
+            <a:r>
+              <a:rPr lang="en-US" dirty="0"/>
+              <a:t>function of the specific, </a:t>
+            </a:r>
+            <a:r>
+              <a:rPr lang="en-US" b="1" dirty="0"/>
+              <a:t>wavelength-dependent </a:t>
+            </a:r>
+            <a:r>
+              <a:rPr lang="en-US" dirty="0"/>
+              <a:t>interaction </a:t>
+            </a:r>
+            <a:r>
+              <a:rPr lang="en-US" dirty="0" smtClean="0"/>
+              <a:t>between X-ray </a:t>
+            </a:r>
+            <a:r>
+              <a:rPr lang="en-US" dirty="0"/>
+              <a:t>and the material concerned</a:t>
+            </a:r>
+            <a:r>
+              <a:rPr lang="en-US" dirty="0" smtClean="0"/>
+              <a:t>.</a:t>
+            </a:r>
+          </a:p>
+          <a:p>
+            <a:pPr lvl="1"/>
+            <a:endParaRPr lang="en-US" dirty="0" smtClean="0"/>
+          </a:p>
+          <a:p>
+            <a:r>
+              <a:rPr lang="en-US" dirty="0"/>
+              <a:t>Lambert-Beer’s Law is </a:t>
+            </a:r>
+            <a:r>
+              <a:rPr lang="en-US" dirty="0" smtClean="0"/>
+              <a:t>a simplification</a:t>
+            </a:r>
+          </a:p>
+          <a:p>
+            <a:pPr lvl="1"/>
+            <a:r>
+              <a:rPr lang="en-US" dirty="0" smtClean="0"/>
+              <a:t>it does not take </a:t>
+            </a:r>
+            <a:r>
+              <a:rPr lang="en-US" b="1" dirty="0" smtClean="0"/>
+              <a:t>beam hardening </a:t>
+            </a:r>
+            <a:r>
+              <a:rPr lang="en-US" dirty="0" smtClean="0"/>
+              <a:t>into account</a:t>
+            </a:r>
+            <a:endParaRPr lang="en-US" dirty="0"/>
+          </a:p>
+          <a:p>
+            <a:pPr marL="0" indent="0">
+              <a:buNone/>
+            </a:pPr>
+            <a:endParaRPr lang="en-US" dirty="0" smtClean="0"/>
+          </a:p>
+        </p:txBody>
+      </p:sp>
       <p:sp>
         <p:nvSpPr>
           <p:cNvPr id="4" name="Fußzeilenplatzhalter 3"/>
@@ -11336,10 +10575,172 @@
           </a:p>
         </p:txBody>
       </p:sp>
+      <p:pic>
+        <p:nvPicPr>
+          <p:cNvPr id="7" name="Grafik 6"/>
+          <p:cNvPicPr>
+            <a:picLocks noChangeAspect="1"/>
+          </p:cNvPicPr>
+          <p:nvPr/>
+        </p:nvPicPr>
+        <p:blipFill>
+          <a:blip r:embed="rId2" cstate="print">
+            <a:extLst>
+              <a:ext uri="{28A0092B-C50C-407E-A947-70E740481C1C}">
+                <a14:useLocalDpi xmlns:a14="http://schemas.microsoft.com/office/drawing/2010/main" val="0"/>
+              </a:ext>
+            </a:extLst>
+          </a:blip>
+          <a:stretch>
+            <a:fillRect/>
+          </a:stretch>
+        </p:blipFill>
+        <p:spPr>
+          <a:xfrm>
+            <a:off x="4528263" y="1676400"/>
+            <a:ext cx="4659473" cy="2996509"/>
+          </a:xfrm>
+          <a:prstGeom prst="rect">
+            <a:avLst/>
+          </a:prstGeom>
+        </p:spPr>
+      </p:pic>
+      <p:sp>
+        <p:nvSpPr>
+          <p:cNvPr id="8" name="Textfeld 7"/>
+          <p:cNvSpPr txBox="1"/>
+          <p:nvPr/>
+        </p:nvSpPr>
+        <p:spPr>
+          <a:xfrm>
+            <a:off x="4962911" y="1828800"/>
+            <a:ext cx="781927" cy="400110"/>
+          </a:xfrm>
+          <a:prstGeom prst="rect">
+            <a:avLst/>
+          </a:prstGeom>
+          <a:noFill/>
+        </p:spPr>
+        <p:txBody>
+          <a:bodyPr wrap="square" rtlCol="0">
+            <a:spAutoFit/>
+          </a:bodyPr>
+          <a:lstStyle/>
+          <a:p>
+            <a:r>
+              <a:rPr lang="de-DE" sz="1000" dirty="0" smtClean="0"/>
+              <a:t>High</a:t>
+            </a:r>
+          </a:p>
+          <a:p>
+            <a:r>
+              <a:rPr lang="de-DE" sz="1000" dirty="0" err="1" smtClean="0"/>
+              <a:t>energy</a:t>
+            </a:r>
+            <a:endParaRPr lang="de-DE" sz="1000" dirty="0"/>
+          </a:p>
+        </p:txBody>
+      </p:sp>
+      <p:sp>
+        <p:nvSpPr>
+          <p:cNvPr id="9" name="Textfeld 8"/>
+          <p:cNvSpPr txBox="1"/>
+          <p:nvPr/>
+        </p:nvSpPr>
+        <p:spPr>
+          <a:xfrm>
+            <a:off x="4029354" y="1828262"/>
+            <a:ext cx="827690" cy="400110"/>
+          </a:xfrm>
+          <a:prstGeom prst="rect">
+            <a:avLst/>
+          </a:prstGeom>
+          <a:noFill/>
+        </p:spPr>
+        <p:txBody>
+          <a:bodyPr wrap="square" rtlCol="0">
+            <a:spAutoFit/>
+          </a:bodyPr>
+          <a:lstStyle/>
+          <a:p>
+            <a:r>
+              <a:rPr lang="de-DE" sz="1000" dirty="0" smtClean="0"/>
+              <a:t>Low</a:t>
+            </a:r>
+          </a:p>
+          <a:p>
+            <a:r>
+              <a:rPr lang="de-DE" sz="1000" dirty="0" err="1" smtClean="0"/>
+              <a:t>energy</a:t>
+            </a:r>
+            <a:endParaRPr lang="de-DE" sz="1000" dirty="0"/>
+          </a:p>
+        </p:txBody>
+      </p:sp>
+      <p:sp>
+        <p:nvSpPr>
+          <p:cNvPr id="10" name="Textfeld 9"/>
+          <p:cNvSpPr txBox="1"/>
+          <p:nvPr/>
+        </p:nvSpPr>
+        <p:spPr>
+          <a:xfrm>
+            <a:off x="5375709" y="4673761"/>
+            <a:ext cx="889364" cy="646331"/>
+          </a:xfrm>
+          <a:prstGeom prst="rect">
+            <a:avLst/>
+          </a:prstGeom>
+          <a:noFill/>
+        </p:spPr>
+        <p:txBody>
+          <a:bodyPr wrap="square" rtlCol="0">
+            <a:spAutoFit/>
+          </a:bodyPr>
+          <a:lstStyle/>
+          <a:p>
+            <a:r>
+              <a:rPr lang="de-DE" dirty="0" smtClean="0"/>
+              <a:t>Ratio 40/24</a:t>
+            </a:r>
+            <a:endParaRPr lang="de-DE" dirty="0"/>
+          </a:p>
+        </p:txBody>
+      </p:sp>
+      <p:sp>
+        <p:nvSpPr>
+          <p:cNvPr id="12" name="Textfeld 11"/>
+          <p:cNvSpPr txBox="1"/>
+          <p:nvPr/>
+        </p:nvSpPr>
+        <p:spPr>
+          <a:xfrm>
+            <a:off x="8254636" y="4672909"/>
+            <a:ext cx="889364" cy="646331"/>
+          </a:xfrm>
+          <a:prstGeom prst="rect">
+            <a:avLst/>
+          </a:prstGeom>
+          <a:noFill/>
+        </p:spPr>
+        <p:txBody>
+          <a:bodyPr wrap="square" rtlCol="0">
+            <a:spAutoFit/>
+          </a:bodyPr>
+          <a:lstStyle/>
+          <a:p>
+            <a:r>
+              <a:rPr lang="de-DE" dirty="0" smtClean="0"/>
+              <a:t>Ratio 20/18</a:t>
+            </a:r>
+            <a:endParaRPr lang="de-DE" dirty="0"/>
+          </a:p>
+        </p:txBody>
+      </p:sp>
     </p:spTree>
     <p:extLst>
       <p:ext uri="{BB962C8B-B14F-4D97-AF65-F5344CB8AC3E}">
-        <p14:creationId xmlns:p14="http://schemas.microsoft.com/office/powerpoint/2010/main" val="3180015676"/>
+        <p14:creationId xmlns:p14="http://schemas.microsoft.com/office/powerpoint/2010/main" val="1972056811"/>
       </p:ext>
     </p:extLst>
   </p:cSld>
@@ -11389,8 +10790,12 @@
           <a:lstStyle/>
           <a:p>
             <a:r>
+              <a:rPr lang="de-DE" dirty="0" err="1"/>
+              <a:t>Fundamentals</a:t>
+            </a:r>
+            <a:r>
               <a:rPr lang="de-DE" dirty="0"/>
-              <a:t>Simulation </a:t>
+              <a:t> </a:t>
             </a:r>
             <a:r>
               <a:rPr lang="de-DE" dirty="0" err="1"/>
@@ -11398,42 +10803,428 @@
             </a:r>
             <a:r>
               <a:rPr lang="de-DE" dirty="0"/>
-              <a:t> CT</a:t>
+              <a:t> X-Ray </a:t>
+            </a:r>
+            <a:r>
+              <a:rPr lang="de-DE" dirty="0" err="1"/>
+              <a:t>physics</a:t>
             </a:r>
             <a:endParaRPr lang="de-DE" dirty="0"/>
           </a:p>
         </p:txBody>
       </p:sp>
-      <p:sp>
-        <p:nvSpPr>
-          <p:cNvPr id="3" name="Inhaltsplatzhalter 2"/>
-          <p:cNvSpPr>
-            <a:spLocks noGrp="1"/>
-          </p:cNvSpPr>
-          <p:nvPr>
-            <p:ph idx="1"/>
-          </p:nvPr>
-        </p:nvSpPr>
-        <p:spPr/>
-        <p:txBody>
-          <a:bodyPr/>
-          <a:lstStyle/>
-          <a:p>
-            <a:pPr marL="0" indent="0">
-              <a:buNone/>
-            </a:pPr>
-            <a:r>
-              <a:rPr lang="de-DE" b="1" dirty="0" err="1"/>
-              <a:t>Segmented</a:t>
-            </a:r>
-            <a:r>
-              <a:rPr lang="de-DE" b="1" dirty="0"/>
-              <a:t> CT slice</a:t>
-            </a:r>
-            <a:endParaRPr lang="de-DE" dirty="0"/>
-          </a:p>
-        </p:txBody>
-      </p:sp>
+      <mc:AlternateContent xmlns:mc="http://schemas.openxmlformats.org/markup-compatibility/2006" xmlns:a14="http://schemas.microsoft.com/office/drawing/2010/main">
+        <mc:Choice Requires="a14">
+          <p:sp>
+            <p:nvSpPr>
+              <p:cNvPr id="3" name="Inhaltsplatzhalter 2"/>
+              <p:cNvSpPr>
+                <a:spLocks noGrp="1"/>
+              </p:cNvSpPr>
+              <p:nvPr>
+                <p:ph idx="1"/>
+              </p:nvPr>
+            </p:nvSpPr>
+            <p:spPr/>
+            <p:txBody>
+              <a:bodyPr/>
+              <a:lstStyle/>
+              <a:p>
+                <a:pPr marL="0" indent="0">
+                  <a:buNone/>
+                </a:pPr>
+                <a:r>
+                  <a:rPr lang="en-US" b="1" dirty="0" smtClean="0"/>
+                  <a:t>Beam hardening</a:t>
+                </a:r>
+              </a:p>
+              <a:p>
+                <a:pPr marL="0" indent="0">
+                  <a:buNone/>
+                </a:pPr>
+                <a:endParaRPr lang="en-US" dirty="0"/>
+              </a:p>
+              <a:p>
+                <a:r>
+                  <a:rPr lang="en-US" dirty="0" smtClean="0"/>
+                  <a:t>Taking energy dependence into account this leads to</a:t>
+                </a:r>
+              </a:p>
+              <a:p>
+                <a:pPr marL="0" indent="0">
+                  <a:buNone/>
+                </a:pPr>
+                <a14:m>
+                  <m:oMathPara xmlns:m="http://schemas.openxmlformats.org/officeDocument/2006/math">
+                    <m:oMathParaPr>
+                      <m:jc m:val="centerGroup"/>
+                    </m:oMathParaPr>
+                    <m:oMath xmlns:m="http://schemas.openxmlformats.org/officeDocument/2006/math">
+                      <m:r>
+                        <a:rPr lang="en-US" b="0" i="1" smtClean="0">
+                          <a:latin typeface="Cambria Math" panose="02040503050406030204" pitchFamily="18" charset="0"/>
+                        </a:rPr>
+                        <m:t>𝐼</m:t>
+                      </m:r>
+                      <m:d>
+                        <m:dPr>
+                          <m:ctrlPr>
+                            <a:rPr lang="en-US" b="0" i="1" smtClean="0">
+                              <a:latin typeface="Cambria Math" panose="02040503050406030204" pitchFamily="18" charset="0"/>
+                            </a:rPr>
+                          </m:ctrlPr>
+                        </m:dPr>
+                        <m:e>
+                          <m:r>
+                            <a:rPr lang="en-US" b="0" i="1" smtClean="0">
+                              <a:latin typeface="Cambria Math" panose="02040503050406030204" pitchFamily="18" charset="0"/>
+                            </a:rPr>
+                            <m:t>𝑠</m:t>
+                          </m:r>
+                        </m:e>
+                      </m:d>
+                      <m:r>
+                        <a:rPr lang="en-US" b="0" i="1" smtClean="0">
+                          <a:latin typeface="Cambria Math" panose="02040503050406030204" pitchFamily="18" charset="0"/>
+                        </a:rPr>
+                        <m:t>= </m:t>
+                      </m:r>
+                      <m:nary>
+                        <m:naryPr>
+                          <m:limLoc m:val="undOvr"/>
+                          <m:ctrlPr>
+                            <a:rPr lang="en-US" b="0" i="1" smtClean="0">
+                              <a:latin typeface="Cambria Math" panose="02040503050406030204" pitchFamily="18" charset="0"/>
+                            </a:rPr>
+                          </m:ctrlPr>
+                        </m:naryPr>
+                        <m:sub>
+                          <m:r>
+                            <m:rPr>
+                              <m:brk m:alnAt="24"/>
+                            </m:rPr>
+                            <a:rPr lang="en-US" b="0" i="1" smtClean="0">
+                              <a:latin typeface="Cambria Math" panose="02040503050406030204" pitchFamily="18" charset="0"/>
+                            </a:rPr>
+                            <m:t>0</m:t>
+                          </m:r>
+                        </m:sub>
+                        <m:sup>
+                          <m:sSub>
+                            <m:sSubPr>
+                              <m:ctrlPr>
+                                <a:rPr lang="en-US" b="0" i="1" smtClean="0">
+                                  <a:latin typeface="Cambria Math" panose="02040503050406030204" pitchFamily="18" charset="0"/>
+                                </a:rPr>
+                              </m:ctrlPr>
+                            </m:sSubPr>
+                            <m:e>
+                              <m:r>
+                                <a:rPr lang="en-US" b="0" i="1" smtClean="0">
+                                  <a:latin typeface="Cambria Math" panose="02040503050406030204" pitchFamily="18" charset="0"/>
+                                </a:rPr>
+                                <m:t>𝐸</m:t>
+                              </m:r>
+                            </m:e>
+                            <m:sub>
+                              <m:r>
+                                <m:rPr>
+                                  <m:nor/>
+                                </m:rPr>
+                                <a:rPr lang="en-US" b="0" i="0" smtClean="0">
+                                  <a:latin typeface="Cambria Math" panose="02040503050406030204" pitchFamily="18" charset="0"/>
+                                </a:rPr>
+                                <m:t>max</m:t>
+                              </m:r>
+                            </m:sub>
+                          </m:sSub>
+                        </m:sup>
+                        <m:e>
+                          <m:sSub>
+                            <m:sSubPr>
+                              <m:ctrlPr>
+                                <a:rPr lang="en-US" b="0" i="1" smtClean="0">
+                                  <a:latin typeface="Cambria Math" panose="02040503050406030204" pitchFamily="18" charset="0"/>
+                                </a:rPr>
+                              </m:ctrlPr>
+                            </m:sSubPr>
+                            <m:e>
+                              <m:r>
+                                <a:rPr lang="en-US" b="0" i="1" smtClean="0">
+                                  <a:latin typeface="Cambria Math" panose="02040503050406030204" pitchFamily="18" charset="0"/>
+                                </a:rPr>
+                                <m:t>𝐼</m:t>
+                              </m:r>
+                            </m:e>
+                            <m:sub>
+                              <m:r>
+                                <a:rPr lang="en-US" b="0" i="1" smtClean="0">
+                                  <a:latin typeface="Cambria Math" panose="02040503050406030204" pitchFamily="18" charset="0"/>
+                                </a:rPr>
+                                <m:t>0</m:t>
+                              </m:r>
+                            </m:sub>
+                          </m:sSub>
+                          <m:r>
+                            <a:rPr lang="en-US" b="0" i="1" smtClean="0">
+                              <a:latin typeface="Cambria Math" panose="02040503050406030204" pitchFamily="18" charset="0"/>
+                            </a:rPr>
+                            <m:t>(</m:t>
+                          </m:r>
+                          <m:r>
+                            <a:rPr lang="en-US" b="0" i="1" smtClean="0">
+                              <a:latin typeface="Cambria Math" panose="02040503050406030204" pitchFamily="18" charset="0"/>
+                            </a:rPr>
+                            <m:t>𝐸</m:t>
+                          </m:r>
+                          <m:r>
+                            <a:rPr lang="en-US" b="0" i="1" smtClean="0">
+                              <a:latin typeface="Cambria Math" panose="02040503050406030204" pitchFamily="18" charset="0"/>
+                            </a:rPr>
+                            <m:t>)</m:t>
+                          </m:r>
+                          <m:sSup>
+                            <m:sSupPr>
+                              <m:ctrlPr>
+                                <a:rPr lang="en-US" b="0" i="1" smtClean="0">
+                                  <a:latin typeface="Cambria Math" panose="02040503050406030204" pitchFamily="18" charset="0"/>
+                                </a:rPr>
+                              </m:ctrlPr>
+                            </m:sSupPr>
+                            <m:e>
+                              <m:r>
+                                <a:rPr lang="en-US" b="0" i="1" smtClean="0">
+                                  <a:latin typeface="Cambria Math" panose="02040503050406030204" pitchFamily="18" charset="0"/>
+                                </a:rPr>
+                                <m:t>𝑒</m:t>
+                              </m:r>
+                            </m:e>
+                            <m:sup>
+                              <m:r>
+                                <a:rPr lang="en-US" b="0" i="1" smtClean="0">
+                                  <a:latin typeface="Cambria Math" panose="02040503050406030204" pitchFamily="18" charset="0"/>
+                                </a:rPr>
+                                <m:t>−</m:t>
+                              </m:r>
+                              <m:nary>
+                                <m:naryPr>
+                                  <m:ctrlPr>
+                                    <a:rPr lang="en-US" b="0" i="1" smtClean="0">
+                                      <a:latin typeface="Cambria Math" panose="02040503050406030204" pitchFamily="18" charset="0"/>
+                                    </a:rPr>
+                                  </m:ctrlPr>
+                                </m:naryPr>
+                                <m:sub>
+                                  <m:r>
+                                    <m:rPr>
+                                      <m:brk m:alnAt="23"/>
+                                    </m:rPr>
+                                    <a:rPr lang="en-US" b="0" i="1" smtClean="0">
+                                      <a:latin typeface="Cambria Math" panose="02040503050406030204" pitchFamily="18" charset="0"/>
+                                    </a:rPr>
+                                    <m:t>𝑜</m:t>
+                                  </m:r>
+                                </m:sub>
+                                <m:sup>
+                                  <m:r>
+                                    <a:rPr lang="en-US" b="0" i="1" smtClean="0">
+                                      <a:latin typeface="Cambria Math" panose="02040503050406030204" pitchFamily="18" charset="0"/>
+                                    </a:rPr>
+                                    <m:t>𝑠</m:t>
+                                  </m:r>
+                                </m:sup>
+                                <m:e>
+                                  <m:r>
+                                    <a:rPr lang="en-US" b="0" i="1" smtClean="0">
+                                      <a:latin typeface="Cambria Math" panose="02040503050406030204" pitchFamily="18" charset="0"/>
+                                      <a:ea typeface="Cambria Math" panose="02040503050406030204" pitchFamily="18" charset="0"/>
+                                    </a:rPr>
+                                    <m:t>𝜇</m:t>
+                                  </m:r>
+                                  <m:d>
+                                    <m:dPr>
+                                      <m:ctrlPr>
+                                        <a:rPr lang="en-US" b="0" i="1" smtClean="0">
+                                          <a:latin typeface="Cambria Math" panose="02040503050406030204" pitchFamily="18" charset="0"/>
+                                          <a:ea typeface="Cambria Math" panose="02040503050406030204" pitchFamily="18" charset="0"/>
+                                        </a:rPr>
+                                      </m:ctrlPr>
+                                    </m:dPr>
+                                    <m:e>
+                                      <m:r>
+                                        <a:rPr lang="en-US" b="0" i="1" smtClean="0">
+                                          <a:latin typeface="Cambria Math" panose="02040503050406030204" pitchFamily="18" charset="0"/>
+                                          <a:ea typeface="Cambria Math" panose="02040503050406030204" pitchFamily="18" charset="0"/>
+                                        </a:rPr>
+                                        <m:t>𝜂</m:t>
+                                      </m:r>
+                                      <m:r>
+                                        <a:rPr lang="en-US" b="0" i="1" smtClean="0">
+                                          <a:latin typeface="Cambria Math" panose="02040503050406030204" pitchFamily="18" charset="0"/>
+                                          <a:ea typeface="Cambria Math" panose="02040503050406030204" pitchFamily="18" charset="0"/>
+                                        </a:rPr>
+                                        <m:t>,</m:t>
+                                      </m:r>
+                                      <m:r>
+                                        <a:rPr lang="en-US" b="0" i="1" smtClean="0">
+                                          <a:latin typeface="Cambria Math" panose="02040503050406030204" pitchFamily="18" charset="0"/>
+                                          <a:ea typeface="Cambria Math" panose="02040503050406030204" pitchFamily="18" charset="0"/>
+                                        </a:rPr>
+                                        <m:t>𝐸</m:t>
+                                      </m:r>
+                                    </m:e>
+                                  </m:d>
+                                  <m:r>
+                                    <m:rPr>
+                                      <m:nor/>
+                                    </m:rPr>
+                                    <a:rPr lang="en-US" b="0" i="0" smtClean="0">
+                                      <a:latin typeface="Cambria Math" panose="02040503050406030204" pitchFamily="18" charset="0"/>
+                                      <a:ea typeface="Cambria Math" panose="02040503050406030204" pitchFamily="18" charset="0"/>
+                                    </a:rPr>
+                                    <m:t>d</m:t>
+                                  </m:r>
+                                  <m:r>
+                                    <a:rPr lang="en-US" b="0" i="1" smtClean="0">
+                                      <a:latin typeface="Cambria Math" panose="02040503050406030204" pitchFamily="18" charset="0"/>
+                                      <a:ea typeface="Cambria Math" panose="02040503050406030204" pitchFamily="18" charset="0"/>
+                                    </a:rPr>
+                                    <m:t>𝜂</m:t>
+                                  </m:r>
+                                </m:e>
+                              </m:nary>
+                            </m:sup>
+                          </m:sSup>
+                        </m:e>
+                      </m:nary>
+                      <m:r>
+                        <m:rPr>
+                          <m:nor/>
+                        </m:rPr>
+                        <a:rPr lang="en-US" b="0" i="0" smtClean="0">
+                          <a:latin typeface="Cambria Math" panose="02040503050406030204" pitchFamily="18" charset="0"/>
+                        </a:rPr>
+                        <m:t>d</m:t>
+                      </m:r>
+                      <m:r>
+                        <a:rPr lang="en-US" b="0" i="1" smtClean="0">
+                          <a:latin typeface="Cambria Math" panose="02040503050406030204" pitchFamily="18" charset="0"/>
+                        </a:rPr>
+                        <m:t>𝐸</m:t>
+                      </m:r>
+                    </m:oMath>
+                  </m:oMathPara>
+                </a14:m>
+                <a:endParaRPr lang="en-US" dirty="0" smtClean="0"/>
+              </a:p>
+              <a:p>
+                <a:r>
+                  <a:rPr lang="en-US" dirty="0" smtClean="0"/>
+                  <a:t>If a beam is completely attenuated this is called </a:t>
+                </a:r>
+                <a:r>
+                  <a:rPr lang="en-US" b="1" dirty="0" smtClean="0"/>
+                  <a:t>photon starvation</a:t>
+                </a:r>
+              </a:p>
+              <a:p>
+                <a:endParaRPr lang="en-US" b="1" dirty="0" smtClean="0"/>
+              </a:p>
+              <a:p>
+                <a:r>
+                  <a:rPr lang="en-US" dirty="0"/>
+                  <a:t>behind a thick metal object the system detects an </a:t>
+                </a:r>
+                <a:r>
+                  <a:rPr lang="en-US" i="1" dirty="0"/>
+                  <a:t>infinitely high </a:t>
+                </a:r>
+                <a:r>
+                  <a:rPr lang="en-US" i="1" dirty="0" smtClean="0"/>
+                  <a:t>attenuation</a:t>
+                </a:r>
+              </a:p>
+              <a:p>
+                <a:endParaRPr lang="en-US" dirty="0" smtClean="0"/>
+              </a:p>
+              <a:p>
+                <a:r>
+                  <a:rPr lang="en-US" dirty="0"/>
+                  <a:t>Filtered </a:t>
+                </a:r>
+                <a:r>
+                  <a:rPr lang="en-US" dirty="0" err="1"/>
+                  <a:t>backprojection</a:t>
+                </a:r>
+                <a:r>
+                  <a:rPr lang="en-US" dirty="0"/>
+                  <a:t> does not cope with </a:t>
+                </a:r>
+                <a:r>
+                  <a:rPr lang="en-US" dirty="0" smtClean="0"/>
+                  <a:t>these inconsistencies</a:t>
+                </a:r>
+              </a:p>
+              <a:p>
+                <a:pPr lvl="1"/>
+                <a:r>
+                  <a:rPr lang="en-US" dirty="0"/>
+                  <a:t>lines through the object are encountered with extremely </a:t>
+                </a:r>
+                <a:r>
+                  <a:rPr lang="en-US" dirty="0" smtClean="0"/>
+                  <a:t>high numerical </a:t>
+                </a:r>
+                <a:r>
+                  <a:rPr lang="en-US" dirty="0"/>
+                  <a:t>values, which spread across the entire image and are not compensated for </a:t>
+                </a:r>
+                <a:r>
+                  <a:rPr lang="en-US" dirty="0" smtClean="0"/>
+                  <a:t>by any </a:t>
+                </a:r>
+                <a:r>
+                  <a:rPr lang="en-US" dirty="0"/>
+                  <a:t>other projection direction</a:t>
+                </a:r>
+              </a:p>
+            </p:txBody>
+          </p:sp>
+        </mc:Choice>
+        <mc:Fallback xmlns="">
+          <p:sp>
+            <p:nvSpPr>
+              <p:cNvPr id="3" name="Inhaltsplatzhalter 2"/>
+              <p:cNvSpPr>
+                <a:spLocks noGrp="1" noRot="1" noChangeAspect="1" noMove="1" noResize="1" noEditPoints="1" noAdjustHandles="1" noChangeArrowheads="1" noChangeShapeType="1" noTextEdit="1"/>
+              </p:cNvSpPr>
+              <p:nvPr>
+                <p:ph idx="1"/>
+              </p:nvPr>
+            </p:nvSpPr>
+            <p:spPr>
+              <a:blipFill rotWithShape="0">
+                <a:blip r:embed="rId2"/>
+                <a:stretch>
+                  <a:fillRect l="-651" t="-701"/>
+                </a:stretch>
+              </a:blipFill>
+            </p:spPr>
+            <p:txBody>
+              <a:bodyPr/>
+              <a:lstStyle/>
+              <a:p>
+                <a:r>
+                  <a:rPr lang="de-DE">
+                    <a:noFill/>
+                  </a:rPr>
+                  <a:t> </a:t>
+                </a:r>
+              </a:p>
+            </p:txBody>
+          </p:sp>
+        </mc:Fallback>
+      </mc:AlternateContent>
       <p:sp>
         <p:nvSpPr>
           <p:cNvPr id="4" name="Fußzeilenplatzhalter 3"/>
@@ -11488,6 +11279,1081 @@
                 <a:defRPr/>
               </a:pPr>
               <a:t>7</a:t>
+            </a:fld>
+            <a:endParaRPr lang="de-DE" altLang="de-DE"/>
+          </a:p>
+        </p:txBody>
+      </p:sp>
+    </p:spTree>
+    <p:extLst>
+      <p:ext uri="{BB962C8B-B14F-4D97-AF65-F5344CB8AC3E}">
+        <p14:creationId xmlns:p14="http://schemas.microsoft.com/office/powerpoint/2010/main" val="2533625640"/>
+      </p:ext>
+    </p:extLst>
+  </p:cSld>
+  <p:clrMapOvr>
+    <a:masterClrMapping/>
+  </p:clrMapOvr>
+  <p:timing>
+    <p:tnLst>
+      <p:par>
+        <p:cTn id="1" dur="indefinite" restart="never" nodeType="tmRoot"/>
+      </p:par>
+    </p:tnLst>
+  </p:timing>
+</p:sld>
+</file>
+
+<file path=ppt/slides/slide8.xml><?xml version="1.0" encoding="utf-8"?>
+<p:sld xmlns:a="http://schemas.openxmlformats.org/drawingml/2006/main" xmlns:r="http://schemas.openxmlformats.org/officeDocument/2006/relationships" xmlns:p="http://schemas.openxmlformats.org/presentationml/2006/main">
+  <p:cSld>
+    <p:spTree>
+      <p:nvGrpSpPr>
+        <p:cNvPr id="1" name=""/>
+        <p:cNvGrpSpPr/>
+        <p:nvPr/>
+      </p:nvGrpSpPr>
+      <p:grpSpPr>
+        <a:xfrm>
+          <a:off x="0" y="0"/>
+          <a:ext cx="0" cy="0"/>
+          <a:chOff x="0" y="0"/>
+          <a:chExt cx="0" cy="0"/>
+        </a:xfrm>
+      </p:grpSpPr>
+      <p:sp>
+        <p:nvSpPr>
+          <p:cNvPr id="2" name="Titel 1"/>
+          <p:cNvSpPr>
+            <a:spLocks noGrp="1"/>
+          </p:cNvSpPr>
+          <p:nvPr>
+            <p:ph type="title"/>
+          </p:nvPr>
+        </p:nvSpPr>
+        <p:spPr/>
+        <p:txBody>
+          <a:bodyPr/>
+          <a:lstStyle/>
+          <a:p>
+            <a:r>
+              <a:rPr lang="de-DE" dirty="0"/>
+              <a:t>Simulation </a:t>
+            </a:r>
+            <a:r>
+              <a:rPr lang="de-DE" dirty="0" err="1"/>
+              <a:t>of</a:t>
+            </a:r>
+            <a:r>
+              <a:rPr lang="de-DE" dirty="0"/>
+              <a:t> CT</a:t>
+            </a:r>
+          </a:p>
+        </p:txBody>
+      </p:sp>
+      <mc:AlternateContent xmlns:mc="http://schemas.openxmlformats.org/markup-compatibility/2006" xmlns:a14="http://schemas.microsoft.com/office/drawing/2010/main">
+        <mc:Choice Requires="a14">
+          <p:sp>
+            <p:nvSpPr>
+              <p:cNvPr id="3" name="Inhaltsplatzhalter 2"/>
+              <p:cNvSpPr>
+                <a:spLocks noGrp="1"/>
+              </p:cNvSpPr>
+              <p:nvPr>
+                <p:ph idx="1"/>
+              </p:nvPr>
+            </p:nvSpPr>
+            <p:spPr/>
+            <p:txBody>
+              <a:bodyPr/>
+              <a:lstStyle/>
+              <a:p>
+                <a:pPr marL="0" indent="0">
+                  <a:buNone/>
+                </a:pPr>
+                <a:r>
+                  <a:rPr lang="en-US" b="1" dirty="0" smtClean="0"/>
+                  <a:t>Forward Projection</a:t>
+                </a:r>
+                <a:endParaRPr lang="en-US" b="1" dirty="0"/>
+              </a:p>
+              <a:p>
+                <a:r>
+                  <a:rPr lang="en-US" dirty="0" smtClean="0"/>
+                  <a:t>Forward projection is essentially a Radon Transform</a:t>
+                </a:r>
+              </a:p>
+              <a:p>
+                <a:pPr lvl="1"/>
+                <a:r>
+                  <a:rPr lang="en-US" dirty="0" smtClean="0"/>
+                  <a:t>With some special conditionals to simulate physical effects not present in the mathematical model</a:t>
+                </a:r>
+              </a:p>
+              <a:p>
+                <a:r>
+                  <a:rPr lang="en-US" dirty="0" smtClean="0"/>
+                  <a:t>For this simulation parallel beam geometry was chosen</a:t>
+                </a:r>
+              </a:p>
+              <a:p>
+                <a:pPr lvl="1"/>
+                <a:r>
+                  <a:rPr lang="en-US" dirty="0" smtClean="0"/>
+                  <a:t>Equivalent to fan beam geometry</a:t>
+                </a:r>
+              </a:p>
+              <a:p>
+                <a:r>
+                  <a:rPr lang="en-US" dirty="0" smtClean="0"/>
+                  <a:t>Simulation of</a:t>
+                </a:r>
+                <a:endParaRPr lang="en-US" dirty="0"/>
+              </a:p>
+              <a:p>
+                <a:pPr lvl="1"/>
+                <a:r>
+                  <a:rPr lang="en-US" dirty="0" smtClean="0"/>
+                  <a:t>Attenuation according </a:t>
+                </a:r>
+                <a:r>
+                  <a:rPr lang="en-US" dirty="0"/>
+                  <a:t>to Lambert-Beer’s Law modified to take energy dependence into </a:t>
+                </a:r>
+                <a:r>
+                  <a:rPr lang="en-US" dirty="0" smtClean="0"/>
+                  <a:t>account</a:t>
+                </a:r>
+                <a:endParaRPr lang="en-US" dirty="0"/>
+              </a:p>
+              <a:p>
+                <a:pPr lvl="1"/>
+                <a:r>
+                  <a:rPr lang="en-US" dirty="0" smtClean="0"/>
+                  <a:t>X-Ray tube spectra at different voltages</a:t>
+                </a:r>
+              </a:p>
+              <a:p>
+                <a:pPr lvl="1"/>
+                <a:r>
+                  <a:rPr lang="en-US" dirty="0" err="1" smtClean="0"/>
+                  <a:t>Polychromaticy</a:t>
+                </a:r>
+                <a:r>
+                  <a:rPr lang="en-US" dirty="0" smtClean="0"/>
+                  <a:t> by several monochromatic runs</a:t>
+                </a:r>
+              </a:p>
+              <a:p>
+                <a:r>
+                  <a:rPr lang="en-US" dirty="0" smtClean="0"/>
+                  <a:t>Complete forward projection can be formulated as</a:t>
+                </a:r>
+              </a:p>
+              <a:p>
+                <a:pPr marL="0" indent="0">
+                  <a:buNone/>
+                </a:pPr>
+                <a14:m>
+                  <m:oMathPara xmlns:m="http://schemas.openxmlformats.org/officeDocument/2006/math">
+                    <m:oMathParaPr>
+                      <m:jc m:val="centerGroup"/>
+                    </m:oMathParaPr>
+                    <m:oMath xmlns:m="http://schemas.openxmlformats.org/officeDocument/2006/math">
+                      <m:nary>
+                        <m:naryPr>
+                          <m:chr m:val="∑"/>
+                          <m:supHide m:val="on"/>
+                          <m:ctrlPr>
+                            <a:rPr lang="en-US" i="1" smtClean="0">
+                              <a:latin typeface="Cambria Math" panose="02040503050406030204" pitchFamily="18" charset="0"/>
+                            </a:rPr>
+                          </m:ctrlPr>
+                        </m:naryPr>
+                        <m:sub>
+                          <m:r>
+                            <m:rPr>
+                              <m:brk m:alnAt="7"/>
+                            </m:rPr>
+                            <a:rPr lang="en-US" b="0" i="1" smtClean="0">
+                              <a:latin typeface="Cambria Math" panose="02040503050406030204" pitchFamily="18" charset="0"/>
+                            </a:rPr>
+                            <m:t>𝑝</m:t>
+                          </m:r>
+                          <m:r>
+                            <a:rPr lang="en-US" b="0" i="1" smtClean="0">
+                              <a:latin typeface="Cambria Math" panose="02040503050406030204" pitchFamily="18" charset="0"/>
+                              <a:ea typeface="Cambria Math" panose="02040503050406030204" pitchFamily="18" charset="0"/>
+                            </a:rPr>
+                            <m:t>∈</m:t>
+                          </m:r>
+                          <m:r>
+                            <a:rPr lang="en-US" b="0" i="1" smtClean="0">
+                              <a:latin typeface="Cambria Math" panose="02040503050406030204" pitchFamily="18" charset="0"/>
+                              <a:ea typeface="Cambria Math" panose="02040503050406030204" pitchFamily="18" charset="0"/>
+                            </a:rPr>
+                            <m:t>𝑃</m:t>
+                          </m:r>
+                        </m:sub>
+                        <m:sup/>
+                        <m:e>
+                          <m:nary>
+                            <m:naryPr>
+                              <m:chr m:val="∑"/>
+                              <m:supHide m:val="on"/>
+                              <m:ctrlPr>
+                                <a:rPr lang="en-US" i="1" smtClean="0">
+                                  <a:latin typeface="Cambria Math" panose="02040503050406030204" pitchFamily="18" charset="0"/>
+                                </a:rPr>
+                              </m:ctrlPr>
+                            </m:naryPr>
+                            <m:sub>
+                              <m:r>
+                                <m:rPr>
+                                  <m:brk m:alnAt="7"/>
+                                </m:rPr>
+                                <a:rPr lang="en-US" b="0" i="1" smtClean="0">
+                                  <a:latin typeface="Cambria Math" panose="02040503050406030204" pitchFamily="18" charset="0"/>
+                                </a:rPr>
+                                <m:t>𝑒</m:t>
+                              </m:r>
+                              <m:r>
+                                <a:rPr lang="en-US" b="0" i="1" smtClean="0">
+                                  <a:latin typeface="Cambria Math" panose="02040503050406030204" pitchFamily="18" charset="0"/>
+                                </a:rPr>
+                                <m:t>𝑛</m:t>
+                              </m:r>
+                              <m:r>
+                                <a:rPr lang="en-US" b="0" i="1" smtClean="0">
+                                  <a:latin typeface="Cambria Math" panose="02040503050406030204" pitchFamily="18" charset="0"/>
+                                  <a:ea typeface="Cambria Math" panose="02040503050406030204" pitchFamily="18" charset="0"/>
+                                </a:rPr>
+                                <m:t>∈</m:t>
+                              </m:r>
+                              <m:r>
+                                <a:rPr lang="en-US" b="0" i="1" smtClean="0">
+                                  <a:latin typeface="Cambria Math" panose="02040503050406030204" pitchFamily="18" charset="0"/>
+                                  <a:ea typeface="Cambria Math" panose="02040503050406030204" pitchFamily="18" charset="0"/>
+                                </a:rPr>
+                                <m:t>𝐸</m:t>
+                              </m:r>
+                            </m:sub>
+                            <m:sup/>
+                            <m:e>
+                              <m:nary>
+                                <m:naryPr>
+                                  <m:chr m:val="∑"/>
+                                  <m:supHide m:val="on"/>
+                                  <m:ctrlPr>
+                                    <a:rPr lang="en-US" i="1" smtClean="0">
+                                      <a:latin typeface="Cambria Math" panose="02040503050406030204" pitchFamily="18" charset="0"/>
+                                    </a:rPr>
+                                  </m:ctrlPr>
+                                </m:naryPr>
+                                <m:sub>
+                                  <m:r>
+                                    <m:rPr>
+                                      <m:brk m:alnAt="7"/>
+                                    </m:rPr>
+                                    <a:rPr lang="en-US" b="0" i="1" smtClean="0">
+                                      <a:latin typeface="Cambria Math" panose="02040503050406030204" pitchFamily="18" charset="0"/>
+                                    </a:rPr>
+                                    <m:t>𝑑</m:t>
+                                  </m:r>
+                                  <m:r>
+                                    <a:rPr lang="en-US" b="0" i="1" smtClean="0">
+                                      <a:latin typeface="Cambria Math" panose="02040503050406030204" pitchFamily="18" charset="0"/>
+                                      <a:ea typeface="Cambria Math" panose="02040503050406030204" pitchFamily="18" charset="0"/>
+                                    </a:rPr>
+                                    <m:t>∈</m:t>
+                                  </m:r>
+                                  <m:r>
+                                    <a:rPr lang="en-US" b="0" i="1" smtClean="0">
+                                      <a:latin typeface="Cambria Math" panose="02040503050406030204" pitchFamily="18" charset="0"/>
+                                      <a:ea typeface="Cambria Math" panose="02040503050406030204" pitchFamily="18" charset="0"/>
+                                    </a:rPr>
+                                    <m:t>𝐷</m:t>
+                                  </m:r>
+                                </m:sub>
+                                <m:sup/>
+                                <m:e>
+                                  <m:nary>
+                                    <m:naryPr>
+                                      <m:chr m:val="∑"/>
+                                      <m:supHide m:val="on"/>
+                                      <m:ctrlPr>
+                                        <a:rPr lang="en-US" i="1" smtClean="0">
+                                          <a:latin typeface="Cambria Math" panose="02040503050406030204" pitchFamily="18" charset="0"/>
+                                        </a:rPr>
+                                      </m:ctrlPr>
+                                    </m:naryPr>
+                                    <m:sub>
+                                      <m:r>
+                                        <m:rPr>
+                                          <m:brk m:alnAt="7"/>
+                                        </m:rPr>
+                                        <a:rPr lang="en-US" b="0" i="1" smtClean="0">
+                                          <a:latin typeface="Cambria Math" panose="02040503050406030204" pitchFamily="18" charset="0"/>
+                                        </a:rPr>
+                                        <m:t>𝑙</m:t>
+                                      </m:r>
+                                      <m:r>
+                                        <a:rPr lang="en-US" b="0" i="1" smtClean="0">
+                                          <a:latin typeface="Cambria Math" panose="02040503050406030204" pitchFamily="18" charset="0"/>
+                                          <a:ea typeface="Cambria Math" panose="02040503050406030204" pitchFamily="18" charset="0"/>
+                                        </a:rPr>
+                                        <m:t>∈</m:t>
+                                      </m:r>
+                                      <m:r>
+                                        <a:rPr lang="en-US" b="0" i="1" smtClean="0">
+                                          <a:latin typeface="Cambria Math" panose="02040503050406030204" pitchFamily="18" charset="0"/>
+                                          <a:ea typeface="Cambria Math" panose="02040503050406030204" pitchFamily="18" charset="0"/>
+                                        </a:rPr>
+                                        <m:t>𝐿</m:t>
+                                      </m:r>
+                                    </m:sub>
+                                    <m:sup/>
+                                    <m:e>
+                                      <m:sSub>
+                                        <m:sSubPr>
+                                          <m:ctrlPr>
+                                            <a:rPr lang="en-US" i="1" smtClean="0">
+                                              <a:latin typeface="Cambria Math" panose="02040503050406030204" pitchFamily="18" charset="0"/>
+                                            </a:rPr>
+                                          </m:ctrlPr>
+                                        </m:sSubPr>
+                                        <m:e>
+                                          <m:r>
+                                            <a:rPr lang="en-US" b="0" i="1" smtClean="0">
+                                              <a:latin typeface="Cambria Math" panose="02040503050406030204" pitchFamily="18" charset="0"/>
+                                            </a:rPr>
+                                            <m:t>𝐼</m:t>
+                                          </m:r>
+                                        </m:e>
+                                        <m:sub>
+                                          <m:r>
+                                            <a:rPr lang="en-US" b="0" i="1" smtClean="0">
+                                              <a:latin typeface="Cambria Math" panose="02040503050406030204" pitchFamily="18" charset="0"/>
+                                            </a:rPr>
+                                            <m:t>0</m:t>
+                                          </m:r>
+                                        </m:sub>
+                                      </m:sSub>
+                                      <m:r>
+                                        <a:rPr lang="en-US" i="1">
+                                          <a:latin typeface="Cambria Math" panose="02040503050406030204" pitchFamily="18" charset="0"/>
+                                          <a:ea typeface="Cambria Math" panose="02040503050406030204" pitchFamily="18" charset="0"/>
+                                        </a:rPr>
+                                        <m:t>∙</m:t>
+                                      </m:r>
+                                      <m:sSup>
+                                        <m:sSupPr>
+                                          <m:ctrlPr>
+                                            <a:rPr lang="en-US" i="1" smtClean="0">
+                                              <a:latin typeface="Cambria Math" panose="02040503050406030204" pitchFamily="18" charset="0"/>
+                                              <a:ea typeface="Cambria Math" panose="02040503050406030204" pitchFamily="18" charset="0"/>
+                                            </a:rPr>
+                                          </m:ctrlPr>
+                                        </m:sSupPr>
+                                        <m:e>
+                                          <m:r>
+                                            <a:rPr lang="en-US" b="0" i="1" smtClean="0">
+                                              <a:latin typeface="Cambria Math" panose="02040503050406030204" pitchFamily="18" charset="0"/>
+                                              <a:ea typeface="Cambria Math" panose="02040503050406030204" pitchFamily="18" charset="0"/>
+                                            </a:rPr>
+                                            <m:t>𝑒</m:t>
+                                          </m:r>
+                                        </m:e>
+                                        <m:sup>
+                                          <m:r>
+                                            <a:rPr lang="en-US" b="0" i="1" smtClean="0">
+                                              <a:latin typeface="Cambria Math" panose="02040503050406030204" pitchFamily="18" charset="0"/>
+                                              <a:ea typeface="Cambria Math" panose="02040503050406030204" pitchFamily="18" charset="0"/>
+                                            </a:rPr>
+                                            <m:t>−</m:t>
+                                          </m:r>
+                                          <m:nary>
+                                            <m:naryPr>
+                                              <m:chr m:val="∑"/>
+                                              <m:supHide m:val="on"/>
+                                              <m:ctrlPr>
+                                                <a:rPr lang="en-US" b="0" i="1" smtClean="0">
+                                                  <a:latin typeface="Cambria Math" panose="02040503050406030204" pitchFamily="18" charset="0"/>
+                                                  <a:ea typeface="Cambria Math" panose="02040503050406030204" pitchFamily="18" charset="0"/>
+                                                </a:rPr>
+                                              </m:ctrlPr>
+                                            </m:naryPr>
+                                            <m:sub>
+                                              <m:r>
+                                                <m:rPr>
+                                                  <m:brk m:alnAt="7"/>
+                                                </m:rPr>
+                                                <a:rPr lang="en-US" b="0" i="1" smtClean="0">
+                                                  <a:latin typeface="Cambria Math" panose="02040503050406030204" pitchFamily="18" charset="0"/>
+                                                  <a:ea typeface="Cambria Math" panose="02040503050406030204" pitchFamily="18" charset="0"/>
+                                                </a:rPr>
+                                                <m:t>𝜂</m:t>
+                                              </m:r>
+                                              <m:r>
+                                                <a:rPr lang="en-US" b="0" i="1" smtClean="0">
+                                                  <a:latin typeface="Cambria Math" panose="02040503050406030204" pitchFamily="18" charset="0"/>
+                                                  <a:ea typeface="Cambria Math" panose="02040503050406030204" pitchFamily="18" charset="0"/>
+                                                </a:rPr>
+                                                <m:t>∈</m:t>
+                                              </m:r>
+                                              <m:r>
+                                                <a:rPr lang="en-US" b="0" i="1" smtClean="0">
+                                                  <a:latin typeface="Cambria Math" panose="02040503050406030204" pitchFamily="18" charset="0"/>
+                                                  <a:ea typeface="Cambria Math" panose="02040503050406030204" pitchFamily="18" charset="0"/>
+                                                </a:rPr>
+                                                <m:t>𝑀</m:t>
+                                              </m:r>
+                                            </m:sub>
+                                            <m:sup/>
+                                            <m:e>
+                                              <m:r>
+                                                <a:rPr lang="en-US" b="0" i="1" smtClean="0">
+                                                  <a:latin typeface="Cambria Math" panose="02040503050406030204" pitchFamily="18" charset="0"/>
+                                                  <a:ea typeface="Cambria Math" panose="02040503050406030204" pitchFamily="18" charset="0"/>
+                                                </a:rPr>
+                                                <m:t>𝜇</m:t>
+                                              </m:r>
+                                              <m:r>
+                                                <a:rPr lang="en-US" b="0" i="1" smtClean="0">
+                                                  <a:latin typeface="Cambria Math" panose="02040503050406030204" pitchFamily="18" charset="0"/>
+                                                  <a:ea typeface="Cambria Math" panose="02040503050406030204" pitchFamily="18" charset="0"/>
+                                                </a:rPr>
+                                                <m:t>(</m:t>
+                                              </m:r>
+                                              <m:r>
+                                                <a:rPr lang="en-US" b="0" i="1" smtClean="0">
+                                                  <a:latin typeface="Cambria Math" panose="02040503050406030204" pitchFamily="18" charset="0"/>
+                                                  <a:ea typeface="Cambria Math" panose="02040503050406030204" pitchFamily="18" charset="0"/>
+                                                </a:rPr>
+                                                <m:t>𝜂</m:t>
+                                              </m:r>
+                                              <m:r>
+                                                <a:rPr lang="en-US" b="0" i="1" smtClean="0">
+                                                  <a:latin typeface="Cambria Math" panose="02040503050406030204" pitchFamily="18" charset="0"/>
+                                                  <a:ea typeface="Cambria Math" panose="02040503050406030204" pitchFamily="18" charset="0"/>
+                                                </a:rPr>
+                                                <m:t>,</m:t>
+                                              </m:r>
+                                              <m:r>
+                                                <a:rPr lang="en-US" b="0" i="1" smtClean="0">
+                                                  <a:latin typeface="Cambria Math" panose="02040503050406030204" pitchFamily="18" charset="0"/>
+                                                  <a:ea typeface="Cambria Math" panose="02040503050406030204" pitchFamily="18" charset="0"/>
+                                                </a:rPr>
+                                                <m:t>𝑥</m:t>
+                                              </m:r>
+                                              <m:r>
+                                                <a:rPr lang="en-US" b="0" i="1" smtClean="0">
+                                                  <a:latin typeface="Cambria Math" panose="02040503050406030204" pitchFamily="18" charset="0"/>
+                                                  <a:ea typeface="Cambria Math" panose="02040503050406030204" pitchFamily="18" charset="0"/>
+                                                </a:rPr>
+                                                <m:t>,</m:t>
+                                              </m:r>
+                                              <m:r>
+                                                <a:rPr lang="en-US" b="0" i="1" smtClean="0">
+                                                  <a:latin typeface="Cambria Math" panose="02040503050406030204" pitchFamily="18" charset="0"/>
+                                                  <a:ea typeface="Cambria Math" panose="02040503050406030204" pitchFamily="18" charset="0"/>
+                                                </a:rPr>
+                                                <m:t>𝑦</m:t>
+                                              </m:r>
+                                              <m:r>
+                                                <a:rPr lang="en-US" b="0" i="1" smtClean="0">
+                                                  <a:latin typeface="Cambria Math" panose="02040503050406030204" pitchFamily="18" charset="0"/>
+                                                  <a:ea typeface="Cambria Math" panose="02040503050406030204" pitchFamily="18" charset="0"/>
+                                                </a:rPr>
+                                                <m:t>,</m:t>
+                                              </m:r>
+                                              <m:r>
+                                                <a:rPr lang="en-US" b="0" i="1" smtClean="0">
+                                                  <a:latin typeface="Cambria Math" panose="02040503050406030204" pitchFamily="18" charset="0"/>
+                                                  <a:ea typeface="Cambria Math" panose="02040503050406030204" pitchFamily="18" charset="0"/>
+                                                </a:rPr>
+                                                <m:t>𝑒𝑛</m:t>
+                                              </m:r>
+                                              <m:r>
+                                                <a:rPr lang="en-US" b="0" i="1" smtClean="0">
+                                                  <a:latin typeface="Cambria Math" panose="02040503050406030204" pitchFamily="18" charset="0"/>
+                                                  <a:ea typeface="Cambria Math" panose="02040503050406030204" pitchFamily="18" charset="0"/>
+                                                </a:rPr>
+                                                <m:t>)</m:t>
+                                              </m:r>
+                                            </m:e>
+                                          </m:nary>
+                                        </m:sup>
+                                      </m:sSup>
+                                    </m:e>
+                                  </m:nary>
+                                </m:e>
+                              </m:nary>
+                            </m:e>
+                          </m:nary>
+                        </m:e>
+                      </m:nary>
+                    </m:oMath>
+                  </m:oMathPara>
+                </a14:m>
+                <a:endParaRPr lang="en-US" dirty="0" smtClean="0"/>
+              </a:p>
+              <a:p>
+                <a:pPr marL="0" indent="0">
+                  <a:buNone/>
+                </a:pPr>
+                <a14:m>
+                  <m:oMathPara xmlns:m="http://schemas.openxmlformats.org/officeDocument/2006/math">
+                    <m:oMathParaPr>
+                      <m:jc m:val="centerGroup"/>
+                    </m:oMathParaPr>
+                    <m:oMath xmlns:m="http://schemas.openxmlformats.org/officeDocument/2006/math">
+                      <m:r>
+                        <m:rPr>
+                          <m:nor/>
+                        </m:rPr>
+                        <a:rPr lang="en-US">
+                          <a:latin typeface="Cambria Math" panose="02040503050406030204" pitchFamily="18" charset="0"/>
+                        </a:rPr>
+                        <m:t>with</m:t>
+                      </m:r>
+                      <m:r>
+                        <m:rPr>
+                          <m:nor/>
+                        </m:rPr>
+                        <a:rPr lang="en-US">
+                          <a:latin typeface="Cambria Math" panose="02040503050406030204" pitchFamily="18" charset="0"/>
+                        </a:rPr>
+                        <m:t> </m:t>
+                      </m:r>
+                      <m:r>
+                        <a:rPr lang="en-US" i="1">
+                          <a:latin typeface="Cambria Math" panose="02040503050406030204" pitchFamily="18" charset="0"/>
+                        </a:rPr>
+                        <m:t>𝑥</m:t>
+                      </m:r>
+                      <m:r>
+                        <a:rPr lang="en-US" i="1">
+                          <a:latin typeface="Cambria Math" panose="02040503050406030204" pitchFamily="18" charset="0"/>
+                        </a:rPr>
+                        <m:t>=</m:t>
+                      </m:r>
+                      <m:r>
+                        <a:rPr lang="en-US" i="1">
+                          <a:latin typeface="Cambria Math" panose="02040503050406030204" pitchFamily="18" charset="0"/>
+                        </a:rPr>
+                        <m:t>𝑙</m:t>
+                      </m:r>
+                      <m:r>
+                        <a:rPr lang="en-US" i="1">
+                          <a:latin typeface="Cambria Math" panose="02040503050406030204" pitchFamily="18" charset="0"/>
+                          <a:ea typeface="Cambria Math" panose="02040503050406030204" pitchFamily="18" charset="0"/>
+                        </a:rPr>
+                        <m:t>∙</m:t>
+                      </m:r>
+                      <m:func>
+                        <m:funcPr>
+                          <m:ctrlPr>
+                            <a:rPr lang="en-US" i="1">
+                              <a:latin typeface="Cambria Math" panose="02040503050406030204" pitchFamily="18" charset="0"/>
+                              <a:ea typeface="Cambria Math" panose="02040503050406030204" pitchFamily="18" charset="0"/>
+                            </a:rPr>
+                          </m:ctrlPr>
+                        </m:funcPr>
+                        <m:fName>
+                          <m:r>
+                            <m:rPr>
+                              <m:sty m:val="p"/>
+                            </m:rPr>
+                            <a:rPr lang="en-US">
+                              <a:latin typeface="Cambria Math" panose="02040503050406030204" pitchFamily="18" charset="0"/>
+                              <a:ea typeface="Cambria Math" panose="02040503050406030204" pitchFamily="18" charset="0"/>
+                            </a:rPr>
+                            <m:t>sin</m:t>
+                          </m:r>
+                        </m:fName>
+                        <m:e>
+                          <m:d>
+                            <m:dPr>
+                              <m:ctrlPr>
+                                <a:rPr lang="en-US" i="1">
+                                  <a:latin typeface="Cambria Math" panose="02040503050406030204" pitchFamily="18" charset="0"/>
+                                  <a:ea typeface="Cambria Math" panose="02040503050406030204" pitchFamily="18" charset="0"/>
+                                </a:rPr>
+                              </m:ctrlPr>
+                            </m:dPr>
+                            <m:e>
+                              <m:r>
+                                <a:rPr lang="en-US" i="1">
+                                  <a:latin typeface="Cambria Math" panose="02040503050406030204" pitchFamily="18" charset="0"/>
+                                  <a:ea typeface="Cambria Math" panose="02040503050406030204" pitchFamily="18" charset="0"/>
+                                </a:rPr>
+                                <m:t>𝑝</m:t>
+                              </m:r>
+                            </m:e>
+                          </m:d>
+                        </m:e>
+                      </m:func>
+                      <m:r>
+                        <a:rPr lang="en-US" i="1">
+                          <a:latin typeface="Cambria Math" panose="02040503050406030204" pitchFamily="18" charset="0"/>
+                          <a:ea typeface="Cambria Math" panose="02040503050406030204" pitchFamily="18" charset="0"/>
+                        </a:rPr>
+                        <m:t>+</m:t>
+                      </m:r>
+                      <m:r>
+                        <a:rPr lang="en-US" i="1">
+                          <a:latin typeface="Cambria Math" panose="02040503050406030204" pitchFamily="18" charset="0"/>
+                          <a:ea typeface="Cambria Math" panose="02040503050406030204" pitchFamily="18" charset="0"/>
+                        </a:rPr>
+                        <m:t>𝑑</m:t>
+                      </m:r>
+                      <m:r>
+                        <a:rPr lang="en-US" i="1">
+                          <a:latin typeface="Cambria Math" panose="02040503050406030204" pitchFamily="18" charset="0"/>
+                          <a:ea typeface="Cambria Math" panose="02040503050406030204" pitchFamily="18" charset="0"/>
+                        </a:rPr>
+                        <m:t>∙</m:t>
+                      </m:r>
+                      <m:func>
+                        <m:funcPr>
+                          <m:ctrlPr>
+                            <a:rPr lang="en-US" i="1">
+                              <a:latin typeface="Cambria Math" panose="02040503050406030204" pitchFamily="18" charset="0"/>
+                              <a:ea typeface="Cambria Math" panose="02040503050406030204" pitchFamily="18" charset="0"/>
+                            </a:rPr>
+                          </m:ctrlPr>
+                        </m:funcPr>
+                        <m:fName>
+                          <m:r>
+                            <m:rPr>
+                              <m:sty m:val="p"/>
+                            </m:rPr>
+                            <a:rPr lang="en-US">
+                              <a:latin typeface="Cambria Math" panose="02040503050406030204" pitchFamily="18" charset="0"/>
+                              <a:ea typeface="Cambria Math" panose="02040503050406030204" pitchFamily="18" charset="0"/>
+                            </a:rPr>
+                            <m:t>cos</m:t>
+                          </m:r>
+                        </m:fName>
+                        <m:e>
+                          <m:d>
+                            <m:dPr>
+                              <m:ctrlPr>
+                                <a:rPr lang="en-US" i="1">
+                                  <a:latin typeface="Cambria Math" panose="02040503050406030204" pitchFamily="18" charset="0"/>
+                                  <a:ea typeface="Cambria Math" panose="02040503050406030204" pitchFamily="18" charset="0"/>
+                                </a:rPr>
+                              </m:ctrlPr>
+                            </m:dPr>
+                            <m:e>
+                              <m:r>
+                                <a:rPr lang="en-US" i="1">
+                                  <a:latin typeface="Cambria Math" panose="02040503050406030204" pitchFamily="18" charset="0"/>
+                                  <a:ea typeface="Cambria Math" panose="02040503050406030204" pitchFamily="18" charset="0"/>
+                                </a:rPr>
+                                <m:t>𝑝</m:t>
+                              </m:r>
+                            </m:e>
+                          </m:d>
+                        </m:e>
+                      </m:func>
+                      <m:r>
+                        <a:rPr lang="en-US" b="0" i="1" smtClean="0">
+                          <a:latin typeface="Cambria Math" panose="02040503050406030204" pitchFamily="18" charset="0"/>
+                          <a:ea typeface="Cambria Math" panose="02040503050406030204" pitchFamily="18" charset="0"/>
+                        </a:rPr>
+                        <m:t>, </m:t>
+                      </m:r>
+                      <m:r>
+                        <a:rPr lang="en-US" i="1">
+                          <a:latin typeface="Cambria Math" panose="02040503050406030204" pitchFamily="18" charset="0"/>
+                          <a:ea typeface="Cambria Math" panose="02040503050406030204" pitchFamily="18" charset="0"/>
+                        </a:rPr>
+                        <m:t>𝑦</m:t>
+                      </m:r>
+                      <m:r>
+                        <a:rPr lang="en-US" i="1">
+                          <a:latin typeface="Cambria Math" panose="02040503050406030204" pitchFamily="18" charset="0"/>
+                          <a:ea typeface="Cambria Math" panose="02040503050406030204" pitchFamily="18" charset="0"/>
+                        </a:rPr>
+                        <m:t>=−</m:t>
+                      </m:r>
+                      <m:r>
+                        <a:rPr lang="en-US" i="1">
+                          <a:latin typeface="Cambria Math" panose="02040503050406030204" pitchFamily="18" charset="0"/>
+                          <a:ea typeface="Cambria Math" panose="02040503050406030204" pitchFamily="18" charset="0"/>
+                        </a:rPr>
+                        <m:t>𝑙</m:t>
+                      </m:r>
+                      <m:r>
+                        <a:rPr lang="en-US" i="1">
+                          <a:latin typeface="Cambria Math" panose="02040503050406030204" pitchFamily="18" charset="0"/>
+                          <a:ea typeface="Cambria Math" panose="02040503050406030204" pitchFamily="18" charset="0"/>
+                        </a:rPr>
+                        <m:t>∙</m:t>
+                      </m:r>
+                      <m:func>
+                        <m:funcPr>
+                          <m:ctrlPr>
+                            <a:rPr lang="en-US" i="1">
+                              <a:latin typeface="Cambria Math" panose="02040503050406030204" pitchFamily="18" charset="0"/>
+                              <a:ea typeface="Cambria Math" panose="02040503050406030204" pitchFamily="18" charset="0"/>
+                            </a:rPr>
+                          </m:ctrlPr>
+                        </m:funcPr>
+                        <m:fName>
+                          <m:r>
+                            <m:rPr>
+                              <m:sty m:val="p"/>
+                            </m:rPr>
+                            <a:rPr lang="en-US">
+                              <a:latin typeface="Cambria Math" panose="02040503050406030204" pitchFamily="18" charset="0"/>
+                              <a:ea typeface="Cambria Math" panose="02040503050406030204" pitchFamily="18" charset="0"/>
+                            </a:rPr>
+                            <m:t>cos</m:t>
+                          </m:r>
+                        </m:fName>
+                        <m:e>
+                          <m:d>
+                            <m:dPr>
+                              <m:ctrlPr>
+                                <a:rPr lang="en-US" i="1">
+                                  <a:latin typeface="Cambria Math" panose="02040503050406030204" pitchFamily="18" charset="0"/>
+                                  <a:ea typeface="Cambria Math" panose="02040503050406030204" pitchFamily="18" charset="0"/>
+                                </a:rPr>
+                              </m:ctrlPr>
+                            </m:dPr>
+                            <m:e>
+                              <m:r>
+                                <a:rPr lang="en-US" i="1">
+                                  <a:latin typeface="Cambria Math" panose="02040503050406030204" pitchFamily="18" charset="0"/>
+                                  <a:ea typeface="Cambria Math" panose="02040503050406030204" pitchFamily="18" charset="0"/>
+                                </a:rPr>
+                                <m:t>𝑝</m:t>
+                              </m:r>
+                            </m:e>
+                          </m:d>
+                        </m:e>
+                      </m:func>
+                      <m:r>
+                        <a:rPr lang="en-US" i="1">
+                          <a:latin typeface="Cambria Math" panose="02040503050406030204" pitchFamily="18" charset="0"/>
+                          <a:ea typeface="Cambria Math" panose="02040503050406030204" pitchFamily="18" charset="0"/>
+                        </a:rPr>
+                        <m:t>+</m:t>
+                      </m:r>
+                      <m:r>
+                        <a:rPr lang="en-US" i="1">
+                          <a:latin typeface="Cambria Math" panose="02040503050406030204" pitchFamily="18" charset="0"/>
+                          <a:ea typeface="Cambria Math" panose="02040503050406030204" pitchFamily="18" charset="0"/>
+                        </a:rPr>
+                        <m:t>𝑑</m:t>
+                      </m:r>
+                      <m:r>
+                        <a:rPr lang="en-US" i="1">
+                          <a:latin typeface="Cambria Math" panose="02040503050406030204" pitchFamily="18" charset="0"/>
+                          <a:ea typeface="Cambria Math" panose="02040503050406030204" pitchFamily="18" charset="0"/>
+                        </a:rPr>
+                        <m:t>∙</m:t>
+                      </m:r>
+                      <m:func>
+                        <m:funcPr>
+                          <m:ctrlPr>
+                            <a:rPr lang="en-US" i="1">
+                              <a:latin typeface="Cambria Math" panose="02040503050406030204" pitchFamily="18" charset="0"/>
+                              <a:ea typeface="Cambria Math" panose="02040503050406030204" pitchFamily="18" charset="0"/>
+                            </a:rPr>
+                          </m:ctrlPr>
+                        </m:funcPr>
+                        <m:fName>
+                          <m:r>
+                            <m:rPr>
+                              <m:sty m:val="p"/>
+                            </m:rPr>
+                            <a:rPr lang="en-US">
+                              <a:latin typeface="Cambria Math" panose="02040503050406030204" pitchFamily="18" charset="0"/>
+                              <a:ea typeface="Cambria Math" panose="02040503050406030204" pitchFamily="18" charset="0"/>
+                            </a:rPr>
+                            <m:t>sin</m:t>
+                          </m:r>
+                        </m:fName>
+                        <m:e>
+                          <m:r>
+                            <a:rPr lang="en-US" i="1">
+                              <a:latin typeface="Cambria Math" panose="02040503050406030204" pitchFamily="18" charset="0"/>
+                              <a:ea typeface="Cambria Math" panose="02040503050406030204" pitchFamily="18" charset="0"/>
+                            </a:rPr>
+                            <m:t>(</m:t>
+                          </m:r>
+                          <m:r>
+                            <a:rPr lang="en-US" i="1">
+                              <a:latin typeface="Cambria Math" panose="02040503050406030204" pitchFamily="18" charset="0"/>
+                              <a:ea typeface="Cambria Math" panose="02040503050406030204" pitchFamily="18" charset="0"/>
+                            </a:rPr>
+                            <m:t>𝑝</m:t>
+                          </m:r>
+                          <m:r>
+                            <a:rPr lang="en-US" i="1">
+                              <a:latin typeface="Cambria Math" panose="02040503050406030204" pitchFamily="18" charset="0"/>
+                              <a:ea typeface="Cambria Math" panose="02040503050406030204" pitchFamily="18" charset="0"/>
+                            </a:rPr>
+                            <m:t>)</m:t>
+                          </m:r>
+                        </m:e>
+                      </m:func>
+                    </m:oMath>
+                  </m:oMathPara>
+                </a14:m>
+                <a:endParaRPr lang="en-US" dirty="0"/>
+              </a:p>
+            </p:txBody>
+          </p:sp>
+        </mc:Choice>
+        <mc:Fallback xmlns="">
+          <p:sp>
+            <p:nvSpPr>
+              <p:cNvPr id="3" name="Inhaltsplatzhalter 2"/>
+              <p:cNvSpPr>
+                <a:spLocks noGrp="1" noRot="1" noChangeAspect="1" noMove="1" noResize="1" noEditPoints="1" noAdjustHandles="1" noChangeArrowheads="1" noChangeShapeType="1" noTextEdit="1"/>
+              </p:cNvSpPr>
+              <p:nvPr>
+                <p:ph idx="1"/>
+              </p:nvPr>
+            </p:nvSpPr>
+            <p:spPr>
+              <a:blipFill rotWithShape="0">
+                <a:blip r:embed="rId2"/>
+                <a:stretch>
+                  <a:fillRect l="-651" t="-701"/>
+                </a:stretch>
+              </a:blipFill>
+            </p:spPr>
+            <p:txBody>
+              <a:bodyPr/>
+              <a:lstStyle/>
+              <a:p>
+                <a:r>
+                  <a:rPr lang="de-DE">
+                    <a:noFill/>
+                  </a:rPr>
+                  <a:t> </a:t>
+                </a:r>
+              </a:p>
+            </p:txBody>
+          </p:sp>
+        </mc:Fallback>
+      </mc:AlternateContent>
+      <p:sp>
+        <p:nvSpPr>
+          <p:cNvPr id="4" name="Fußzeilenplatzhalter 3"/>
+          <p:cNvSpPr>
+            <a:spLocks noGrp="1"/>
+          </p:cNvSpPr>
+          <p:nvPr>
+            <p:ph type="ftr" sz="quarter" idx="11"/>
+          </p:nvPr>
+        </p:nvSpPr>
+        <p:spPr/>
+        <p:txBody>
+          <a:bodyPr/>
+          <a:lstStyle/>
+          <a:p>
+            <a:pPr>
+              <a:defRPr/>
+            </a:pPr>
+            <a:r>
+              <a:rPr lang="en-US" altLang="de-DE" smtClean="0"/>
+              <a:t>Simulation of CT metal artefacts </a:t>
+            </a:r>
+            <a:r>
+              <a:rPr lang="de-DE" smtClean="0"/>
+              <a:t>– Alexander Winkler</a:t>
+            </a:r>
+            <a:endParaRPr lang="de-DE" dirty="0"/>
+          </a:p>
+        </p:txBody>
+      </p:sp>
+      <p:sp>
+        <p:nvSpPr>
+          <p:cNvPr id="5" name="Foliennummernplatzhalter 4"/>
+          <p:cNvSpPr>
+            <a:spLocks noGrp="1"/>
+          </p:cNvSpPr>
+          <p:nvPr>
+            <p:ph type="sldNum" sz="quarter" idx="12"/>
+          </p:nvPr>
+        </p:nvSpPr>
+        <p:spPr/>
+        <p:txBody>
+          <a:bodyPr/>
+          <a:lstStyle/>
+          <a:p>
+            <a:pPr>
+              <a:defRPr/>
+            </a:pPr>
+            <a:fld id="{9138EDDC-C098-49BB-8518-65BF03D04AD4}" type="slidenum">
+              <a:rPr lang="de-DE" altLang="de-DE" smtClean="0"/>
+              <a:pPr>
+                <a:defRPr/>
+              </a:pPr>
+              <a:t>8</a:t>
+            </a:fld>
+            <a:endParaRPr lang="de-DE" altLang="de-DE"/>
+          </a:p>
+        </p:txBody>
+      </p:sp>
+    </p:spTree>
+    <p:extLst>
+      <p:ext uri="{BB962C8B-B14F-4D97-AF65-F5344CB8AC3E}">
+        <p14:creationId xmlns:p14="http://schemas.microsoft.com/office/powerpoint/2010/main" val="3180015676"/>
+      </p:ext>
+    </p:extLst>
+  </p:cSld>
+  <p:clrMapOvr>
+    <a:masterClrMapping/>
+  </p:clrMapOvr>
+  <p:timing>
+    <p:tnLst>
+      <p:par>
+        <p:cTn id="1" dur="indefinite" restart="never" nodeType="tmRoot"/>
+      </p:par>
+    </p:tnLst>
+  </p:timing>
+</p:sld>
+</file>
+
+<file path=ppt/slides/slide9.xml><?xml version="1.0" encoding="utf-8"?>
+<p:sld xmlns:a="http://schemas.openxmlformats.org/drawingml/2006/main" xmlns:r="http://schemas.openxmlformats.org/officeDocument/2006/relationships" xmlns:p="http://schemas.openxmlformats.org/presentationml/2006/main">
+  <p:cSld>
+    <p:spTree>
+      <p:nvGrpSpPr>
+        <p:cNvPr id="1" name=""/>
+        <p:cNvGrpSpPr/>
+        <p:nvPr/>
+      </p:nvGrpSpPr>
+      <p:grpSpPr>
+        <a:xfrm>
+          <a:off x="0" y="0"/>
+          <a:ext cx="0" cy="0"/>
+          <a:chOff x="0" y="0"/>
+          <a:chExt cx="0" cy="0"/>
+        </a:xfrm>
+      </p:grpSpPr>
+      <p:sp>
+        <p:nvSpPr>
+          <p:cNvPr id="2" name="Titel 1"/>
+          <p:cNvSpPr>
+            <a:spLocks noGrp="1"/>
+          </p:cNvSpPr>
+          <p:nvPr>
+            <p:ph type="title"/>
+          </p:nvPr>
+        </p:nvSpPr>
+        <p:spPr/>
+        <p:txBody>
+          <a:bodyPr/>
+          <a:lstStyle/>
+          <a:p>
+            <a:r>
+              <a:rPr lang="de-DE" dirty="0"/>
+              <a:t>Simulation </a:t>
+            </a:r>
+            <a:r>
+              <a:rPr lang="de-DE" dirty="0" err="1"/>
+              <a:t>of</a:t>
+            </a:r>
+            <a:r>
+              <a:rPr lang="de-DE" dirty="0"/>
+              <a:t> CT</a:t>
+            </a:r>
+          </a:p>
+        </p:txBody>
+      </p:sp>
+      <p:sp>
+        <p:nvSpPr>
+          <p:cNvPr id="3" name="Inhaltsplatzhalter 2"/>
+          <p:cNvSpPr>
+            <a:spLocks noGrp="1"/>
+          </p:cNvSpPr>
+          <p:nvPr>
+            <p:ph idx="1"/>
+          </p:nvPr>
+        </p:nvSpPr>
+        <p:spPr/>
+        <p:txBody>
+          <a:bodyPr/>
+          <a:lstStyle/>
+          <a:p>
+            <a:pPr marL="0" indent="0">
+              <a:buNone/>
+            </a:pPr>
+            <a:r>
+              <a:rPr lang="de-DE" b="1" dirty="0" err="1"/>
+              <a:t>Segmented</a:t>
+            </a:r>
+            <a:r>
+              <a:rPr lang="de-DE" b="1" dirty="0"/>
+              <a:t> CT slice</a:t>
+            </a:r>
+            <a:endParaRPr lang="de-DE" dirty="0"/>
+          </a:p>
+        </p:txBody>
+      </p:sp>
+      <p:sp>
+        <p:nvSpPr>
+          <p:cNvPr id="4" name="Fußzeilenplatzhalter 3"/>
+          <p:cNvSpPr>
+            <a:spLocks noGrp="1"/>
+          </p:cNvSpPr>
+          <p:nvPr>
+            <p:ph type="ftr" sz="quarter" idx="11"/>
+          </p:nvPr>
+        </p:nvSpPr>
+        <p:spPr/>
+        <p:txBody>
+          <a:bodyPr/>
+          <a:lstStyle/>
+          <a:p>
+            <a:pPr>
+              <a:defRPr/>
+            </a:pPr>
+            <a:r>
+              <a:rPr lang="en-US" altLang="de-DE" smtClean="0"/>
+              <a:t>Simulation of CT metal artefacts </a:t>
+            </a:r>
+            <a:r>
+              <a:rPr lang="de-DE" smtClean="0"/>
+              <a:t>– Alexander Winkler</a:t>
+            </a:r>
+            <a:endParaRPr lang="de-DE" dirty="0"/>
+          </a:p>
+        </p:txBody>
+      </p:sp>
+      <p:sp>
+        <p:nvSpPr>
+          <p:cNvPr id="5" name="Foliennummernplatzhalter 4"/>
+          <p:cNvSpPr>
+            <a:spLocks noGrp="1"/>
+          </p:cNvSpPr>
+          <p:nvPr>
+            <p:ph type="sldNum" sz="quarter" idx="12"/>
+          </p:nvPr>
+        </p:nvSpPr>
+        <p:spPr/>
+        <p:txBody>
+          <a:bodyPr/>
+          <a:lstStyle/>
+          <a:p>
+            <a:pPr>
+              <a:defRPr/>
+            </a:pPr>
+            <a:fld id="{9138EDDC-C098-49BB-8518-65BF03D04AD4}" type="slidenum">
+              <a:rPr lang="de-DE" altLang="de-DE" smtClean="0"/>
+              <a:pPr>
+                <a:defRPr/>
+              </a:pPr>
+              <a:t>9</a:t>
             </a:fld>
             <a:endParaRPr lang="de-DE" altLang="de-DE"/>
           </a:p>
@@ -11527,396 +12393,6 @@
     <p:extLst>
       <p:ext uri="{BB962C8B-B14F-4D97-AF65-F5344CB8AC3E}">
         <p14:creationId xmlns:p14="http://schemas.microsoft.com/office/powerpoint/2010/main" val="495010784"/>
-      </p:ext>
-    </p:extLst>
-  </p:cSld>
-  <p:clrMapOvr>
-    <a:masterClrMapping/>
-  </p:clrMapOvr>
-  <p:timing>
-    <p:tnLst>
-      <p:par>
-        <p:cTn id="1" dur="indefinite" restart="never" nodeType="tmRoot"/>
-      </p:par>
-    </p:tnLst>
-  </p:timing>
-</p:sld>
-</file>
-
-<file path=ppt/slides/slide8.xml><?xml version="1.0" encoding="utf-8"?>
-<p:sld xmlns:a="http://schemas.openxmlformats.org/drawingml/2006/main" xmlns:r="http://schemas.openxmlformats.org/officeDocument/2006/relationships" xmlns:p="http://schemas.openxmlformats.org/presentationml/2006/main">
-  <p:cSld>
-    <p:spTree>
-      <p:nvGrpSpPr>
-        <p:cNvPr id="1" name=""/>
-        <p:cNvGrpSpPr/>
-        <p:nvPr/>
-      </p:nvGrpSpPr>
-      <p:grpSpPr>
-        <a:xfrm>
-          <a:off x="0" y="0"/>
-          <a:ext cx="0" cy="0"/>
-          <a:chOff x="0" y="0"/>
-          <a:chExt cx="0" cy="0"/>
-        </a:xfrm>
-      </p:grpSpPr>
-      <p:sp>
-        <p:nvSpPr>
-          <p:cNvPr id="2" name="Titel 1"/>
-          <p:cNvSpPr>
-            <a:spLocks noGrp="1"/>
-          </p:cNvSpPr>
-          <p:nvPr>
-            <p:ph type="title"/>
-          </p:nvPr>
-        </p:nvSpPr>
-        <p:spPr/>
-        <p:txBody>
-          <a:bodyPr/>
-          <a:lstStyle/>
-          <a:p>
-            <a:r>
-              <a:rPr lang="de-DE" dirty="0"/>
-              <a:t>Simulation </a:t>
-            </a:r>
-            <a:r>
-              <a:rPr lang="de-DE" dirty="0" err="1"/>
-              <a:t>of</a:t>
-            </a:r>
-            <a:r>
-              <a:rPr lang="de-DE" dirty="0"/>
-              <a:t> CT</a:t>
-            </a:r>
-            <a:endParaRPr lang="de-DE" dirty="0"/>
-          </a:p>
-        </p:txBody>
-      </p:sp>
-      <p:sp>
-        <p:nvSpPr>
-          <p:cNvPr id="3" name="Inhaltsplatzhalter 2"/>
-          <p:cNvSpPr>
-            <a:spLocks noGrp="1"/>
-          </p:cNvSpPr>
-          <p:nvPr>
-            <p:ph idx="1"/>
-          </p:nvPr>
-        </p:nvSpPr>
-        <p:spPr/>
-        <p:txBody>
-          <a:bodyPr/>
-          <a:lstStyle/>
-          <a:p>
-            <a:pPr marL="0" indent="0">
-              <a:buNone/>
-            </a:pPr>
-            <a:r>
-              <a:rPr lang="de-DE" b="1" dirty="0" smtClean="0"/>
-              <a:t>X-Ray </a:t>
-            </a:r>
-            <a:r>
-              <a:rPr lang="de-DE" b="1" dirty="0" err="1" smtClean="0"/>
-              <a:t>spectra</a:t>
-            </a:r>
-            <a:endParaRPr lang="de-DE" b="1" dirty="0" smtClean="0"/>
-          </a:p>
-          <a:p>
-            <a:pPr marL="0" indent="0">
-              <a:buNone/>
-            </a:pPr>
-            <a:endParaRPr lang="de-DE" dirty="0"/>
-          </a:p>
-        </p:txBody>
-      </p:sp>
-      <p:sp>
-        <p:nvSpPr>
-          <p:cNvPr id="4" name="Fußzeilenplatzhalter 3"/>
-          <p:cNvSpPr>
-            <a:spLocks noGrp="1"/>
-          </p:cNvSpPr>
-          <p:nvPr>
-            <p:ph type="ftr" sz="quarter" idx="11"/>
-          </p:nvPr>
-        </p:nvSpPr>
-        <p:spPr/>
-        <p:txBody>
-          <a:bodyPr/>
-          <a:lstStyle/>
-          <a:p>
-            <a:pPr>
-              <a:defRPr/>
-            </a:pPr>
-            <a:r>
-              <a:rPr lang="en-US" altLang="de-DE" smtClean="0"/>
-              <a:t>Simulation of CT metal artefacts </a:t>
-            </a:r>
-            <a:r>
-              <a:rPr lang="de-DE" smtClean="0"/>
-              <a:t>– Alexander Winkler</a:t>
-            </a:r>
-            <a:endParaRPr lang="de-DE" dirty="0"/>
-          </a:p>
-        </p:txBody>
-      </p:sp>
-      <p:sp>
-        <p:nvSpPr>
-          <p:cNvPr id="5" name="Foliennummernplatzhalter 4"/>
-          <p:cNvSpPr>
-            <a:spLocks noGrp="1"/>
-          </p:cNvSpPr>
-          <p:nvPr>
-            <p:ph type="sldNum" sz="quarter" idx="12"/>
-          </p:nvPr>
-        </p:nvSpPr>
-        <p:spPr/>
-        <p:txBody>
-          <a:bodyPr/>
-          <a:lstStyle/>
-          <a:p>
-            <a:pPr>
-              <a:defRPr/>
-            </a:pPr>
-            <a:fld id="{9138EDDC-C098-49BB-8518-65BF03D04AD4}" type="slidenum">
-              <a:rPr lang="de-DE" altLang="de-DE" smtClean="0"/>
-              <a:pPr>
-                <a:defRPr/>
-              </a:pPr>
-              <a:t>8</a:t>
-            </a:fld>
-            <a:endParaRPr lang="de-DE" altLang="de-DE"/>
-          </a:p>
-        </p:txBody>
-      </p:sp>
-      <p:pic>
-        <p:nvPicPr>
-          <p:cNvPr id="7" name="Grafik 6"/>
-          <p:cNvPicPr>
-            <a:picLocks noChangeAspect="1"/>
-          </p:cNvPicPr>
-          <p:nvPr/>
-        </p:nvPicPr>
-        <p:blipFill>
-          <a:blip r:embed="rId2">
-            <a:extLst>
-              <a:ext uri="{28A0092B-C50C-407E-A947-70E740481C1C}">
-                <a14:useLocalDpi xmlns:a14="http://schemas.microsoft.com/office/drawing/2010/main" val="0"/>
-              </a:ext>
-            </a:extLst>
-          </a:blip>
-          <a:stretch>
-            <a:fillRect/>
-          </a:stretch>
-        </p:blipFill>
-        <p:spPr>
-          <a:xfrm>
-            <a:off x="1256506" y="2209800"/>
-            <a:ext cx="6629400" cy="4020026"/>
-          </a:xfrm>
-          <a:prstGeom prst="rect">
-            <a:avLst/>
-          </a:prstGeom>
-        </p:spPr>
-      </p:pic>
-    </p:spTree>
-    <p:extLst>
-      <p:ext uri="{BB962C8B-B14F-4D97-AF65-F5344CB8AC3E}">
-        <p14:creationId xmlns:p14="http://schemas.microsoft.com/office/powerpoint/2010/main" val="259886188"/>
-      </p:ext>
-    </p:extLst>
-  </p:cSld>
-  <p:clrMapOvr>
-    <a:masterClrMapping/>
-  </p:clrMapOvr>
-  <p:timing>
-    <p:tnLst>
-      <p:par>
-        <p:cTn id="1" dur="indefinite" restart="never" nodeType="tmRoot"/>
-      </p:par>
-    </p:tnLst>
-  </p:timing>
-</p:sld>
-</file>
-
-<file path=ppt/slides/slide9.xml><?xml version="1.0" encoding="utf-8"?>
-<p:sld xmlns:a="http://schemas.openxmlformats.org/drawingml/2006/main" xmlns:r="http://schemas.openxmlformats.org/officeDocument/2006/relationships" xmlns:p="http://schemas.openxmlformats.org/presentationml/2006/main">
-  <p:cSld>
-    <p:spTree>
-      <p:nvGrpSpPr>
-        <p:cNvPr id="1" name=""/>
-        <p:cNvGrpSpPr/>
-        <p:nvPr/>
-      </p:nvGrpSpPr>
-      <p:grpSpPr>
-        <a:xfrm>
-          <a:off x="0" y="0"/>
-          <a:ext cx="0" cy="0"/>
-          <a:chOff x="0" y="0"/>
-          <a:chExt cx="0" cy="0"/>
-        </a:xfrm>
-      </p:grpSpPr>
-      <p:sp>
-        <p:nvSpPr>
-          <p:cNvPr id="2" name="Titel 1"/>
-          <p:cNvSpPr>
-            <a:spLocks noGrp="1"/>
-          </p:cNvSpPr>
-          <p:nvPr>
-            <p:ph type="title"/>
-          </p:nvPr>
-        </p:nvSpPr>
-        <p:spPr/>
-        <p:txBody>
-          <a:bodyPr/>
-          <a:lstStyle/>
-          <a:p>
-            <a:r>
-              <a:rPr lang="de-DE" dirty="0"/>
-              <a:t>Simulation </a:t>
-            </a:r>
-            <a:r>
-              <a:rPr lang="de-DE" dirty="0" err="1"/>
-              <a:t>of</a:t>
-            </a:r>
-            <a:r>
-              <a:rPr lang="de-DE" dirty="0"/>
-              <a:t> CT</a:t>
-            </a:r>
-            <a:endParaRPr lang="de-DE" dirty="0"/>
-          </a:p>
-        </p:txBody>
-      </p:sp>
-      <p:sp>
-        <p:nvSpPr>
-          <p:cNvPr id="3" name="Inhaltsplatzhalter 2"/>
-          <p:cNvSpPr>
-            <a:spLocks noGrp="1"/>
-          </p:cNvSpPr>
-          <p:nvPr>
-            <p:ph idx="1"/>
-          </p:nvPr>
-        </p:nvSpPr>
-        <p:spPr/>
-        <p:txBody>
-          <a:bodyPr/>
-          <a:lstStyle/>
-          <a:p>
-            <a:pPr marL="0" indent="0">
-              <a:buNone/>
-            </a:pPr>
-            <a:r>
-              <a:rPr lang="de-DE" b="1" dirty="0" err="1" smtClean="0"/>
-              <a:t>Attenuation</a:t>
-            </a:r>
-            <a:r>
-              <a:rPr lang="de-DE" b="1" dirty="0" smtClean="0"/>
-              <a:t> </a:t>
-            </a:r>
-            <a:r>
-              <a:rPr lang="de-DE" b="1" dirty="0" err="1" smtClean="0"/>
-              <a:t>coefficients</a:t>
-            </a:r>
-            <a:endParaRPr lang="de-DE" b="1" dirty="0" smtClean="0"/>
-          </a:p>
-          <a:p>
-            <a:pPr marL="0" indent="0">
-              <a:buNone/>
-            </a:pPr>
-            <a:endParaRPr lang="de-DE" dirty="0"/>
-          </a:p>
-        </p:txBody>
-      </p:sp>
-      <p:sp>
-        <p:nvSpPr>
-          <p:cNvPr id="4" name="Fußzeilenplatzhalter 3"/>
-          <p:cNvSpPr>
-            <a:spLocks noGrp="1"/>
-          </p:cNvSpPr>
-          <p:nvPr>
-            <p:ph type="ftr" sz="quarter" idx="11"/>
-          </p:nvPr>
-        </p:nvSpPr>
-        <p:spPr/>
-        <p:txBody>
-          <a:bodyPr/>
-          <a:lstStyle/>
-          <a:p>
-            <a:pPr>
-              <a:defRPr/>
-            </a:pPr>
-            <a:r>
-              <a:rPr lang="en-US" altLang="de-DE" smtClean="0"/>
-              <a:t>Simulation of CT metal artefacts </a:t>
-            </a:r>
-            <a:r>
-              <a:rPr lang="de-DE" smtClean="0"/>
-              <a:t>– Alexander Winkler</a:t>
-            </a:r>
-            <a:endParaRPr lang="de-DE" dirty="0"/>
-          </a:p>
-        </p:txBody>
-      </p:sp>
-      <p:sp>
-        <p:nvSpPr>
-          <p:cNvPr id="5" name="Foliennummernplatzhalter 4"/>
-          <p:cNvSpPr>
-            <a:spLocks noGrp="1"/>
-          </p:cNvSpPr>
-          <p:nvPr>
-            <p:ph type="sldNum" sz="quarter" idx="12"/>
-          </p:nvPr>
-        </p:nvSpPr>
-        <p:spPr/>
-        <p:txBody>
-          <a:bodyPr/>
-          <a:lstStyle/>
-          <a:p>
-            <a:pPr>
-              <a:defRPr/>
-            </a:pPr>
-            <a:fld id="{9138EDDC-C098-49BB-8518-65BF03D04AD4}" type="slidenum">
-              <a:rPr lang="de-DE" altLang="de-DE" smtClean="0"/>
-              <a:pPr>
-                <a:defRPr/>
-              </a:pPr>
-              <a:t>9</a:t>
-            </a:fld>
-            <a:endParaRPr lang="de-DE" altLang="de-DE"/>
-          </a:p>
-        </p:txBody>
-      </p:sp>
-      <p:pic>
-        <p:nvPicPr>
-          <p:cNvPr id="6" name="Grafik 5"/>
-          <p:cNvPicPr>
-            <a:picLocks noChangeAspect="1"/>
-          </p:cNvPicPr>
-          <p:nvPr/>
-        </p:nvPicPr>
-        <p:blipFill>
-          <a:blip r:embed="rId2">
-            <a:extLst>
-              <a:ext uri="{28A0092B-C50C-407E-A947-70E740481C1C}">
-                <a14:useLocalDpi xmlns:a14="http://schemas.microsoft.com/office/drawing/2010/main" val="0"/>
-              </a:ext>
-            </a:extLst>
-          </a:blip>
-          <a:stretch>
-            <a:fillRect/>
-          </a:stretch>
-        </p:blipFill>
-        <p:spPr>
-          <a:xfrm>
-            <a:off x="1968897" y="2263316"/>
-            <a:ext cx="5204618" cy="4063665"/>
-          </a:xfrm>
-          <a:prstGeom prst="rect">
-            <a:avLst/>
-          </a:prstGeom>
-        </p:spPr>
-      </p:pic>
-    </p:spTree>
-    <p:extLst>
-      <p:ext uri="{BB962C8B-B14F-4D97-AF65-F5344CB8AC3E}">
-        <p14:creationId xmlns:p14="http://schemas.microsoft.com/office/powerpoint/2010/main" val="2304106917"/>
       </p:ext>
     </p:extLst>
   </p:cSld>
